--- a/King’s GYM.pptx
+++ b/King’s GYM.pptx
@@ -2,7 +2,7 @@
 <file path=ppt/presentation.xml><?xml version="1.0" encoding="utf-8"?>
 <p:presentation xmlns:a="http://schemas.openxmlformats.org/drawingml/2006/main" xmlns:r="http://schemas.openxmlformats.org/officeDocument/2006/relationships" xmlns:p="http://schemas.openxmlformats.org/presentationml/2006/main" saveSubsetFonts="1">
   <p:sldMasterIdLst>
-    <p:sldMasterId id="2147483708" r:id="rId1"/>
+    <p:sldMasterId id="2147483720" r:id="rId1"/>
   </p:sldMasterIdLst>
   <p:sldIdLst>
     <p:sldId id="256" r:id="rId2"/>
@@ -11,15 +11,14 @@
     <p:sldId id="259" r:id="rId5"/>
     <p:sldId id="260" r:id="rId6"/>
     <p:sldId id="262" r:id="rId7"/>
-    <p:sldId id="266" r:id="rId8"/>
-    <p:sldId id="264" r:id="rId9"/>
-    <p:sldId id="261" r:id="rId10"/>
-    <p:sldId id="267" r:id="rId11"/>
-    <p:sldId id="263" r:id="rId12"/>
-    <p:sldId id="265" r:id="rId13"/>
-    <p:sldId id="268" r:id="rId14"/>
-    <p:sldId id="269" r:id="rId15"/>
-    <p:sldId id="270" r:id="rId16"/>
+    <p:sldId id="261" r:id="rId8"/>
+    <p:sldId id="267" r:id="rId9"/>
+    <p:sldId id="263" r:id="rId10"/>
+    <p:sldId id="266" r:id="rId11"/>
+    <p:sldId id="265" r:id="rId12"/>
+    <p:sldId id="268" r:id="rId13"/>
+    <p:sldId id="269" r:id="rId14"/>
+    <p:sldId id="270" r:id="rId15"/>
   </p:sldIdLst>
   <p:sldSz cx="9144000" cy="6858000" type="screen4x3"/>
   <p:notesSz cx="6858000" cy="9144000"/>
@@ -138,261 +137,39 @@
           <a:chExt cx="0" cy="0"/>
         </a:xfrm>
       </p:grpSpPr>
-      <p:grpSp>
-        <p:nvGrpSpPr>
-          <p:cNvPr id="7" name="Group 15"/>
-          <p:cNvGrpSpPr/>
-          <p:nvPr/>
-        </p:nvGrpSpPr>
-        <p:grpSpPr>
-          <a:xfrm>
-            <a:off x="0" y="0"/>
-            <a:ext cx="9144000" cy="6858000"/>
-            <a:chOff x="0" y="0"/>
-            <a:chExt cx="9144000" cy="6858000"/>
-          </a:xfrm>
-        </p:grpSpPr>
-        <p:sp>
-          <p:nvSpPr>
-            <p:cNvPr id="8" name="Rectangle 7"/>
-            <p:cNvSpPr/>
-            <p:nvPr/>
-          </p:nvSpPr>
-          <p:spPr>
-            <a:xfrm>
-              <a:off x="0" y="0"/>
-              <a:ext cx="7162800" cy="6858000"/>
-            </a:xfrm>
-            <a:prstGeom prst="rect">
-              <a:avLst/>
-            </a:prstGeom>
-            <a:gradFill flip="none" rotWithShape="1">
-              <a:gsLst>
-                <a:gs pos="0">
-                  <a:srgbClr val="010101">
-                    <a:alpha val="51765"/>
-                  </a:srgbClr>
-                </a:gs>
-                <a:gs pos="60000">
-                  <a:srgbClr val="FEFEFE">
-                    <a:alpha val="0"/>
-                  </a:srgbClr>
-                </a:gs>
-              </a:gsLst>
-              <a:path path="circle">
-                <a:fillToRect t="100000" r="100000"/>
-              </a:path>
-              <a:tileRect l="-100000" b="-100000"/>
-            </a:gradFill>
-            <a:ln>
-              <a:noFill/>
-            </a:ln>
-          </p:spPr>
-          <p:style>
-            <a:lnRef idx="2">
-              <a:schemeClr val="accent1">
-                <a:shade val="50000"/>
-              </a:schemeClr>
-            </a:lnRef>
-            <a:fillRef idx="1">
-              <a:schemeClr val="accent1"/>
-            </a:fillRef>
-            <a:effectRef idx="0">
-              <a:schemeClr val="accent1"/>
-            </a:effectRef>
-            <a:fontRef idx="minor">
-              <a:schemeClr val="lt1"/>
-            </a:fontRef>
-          </p:style>
-          <p:txBody>
-            <a:bodyPr rtlCol="0" anchor="ctr"/>
-            <a:lstStyle/>
-            <a:p>
-              <a:pPr algn="ctr"/>
-              <a:endParaRPr lang="en-US"/>
-            </a:p>
-          </p:txBody>
-        </p:sp>
-        <p:sp>
-          <p:nvSpPr>
-            <p:cNvPr id="9" name="Rectangle 8"/>
-            <p:cNvSpPr/>
-            <p:nvPr/>
-          </p:nvSpPr>
-          <p:spPr>
-            <a:xfrm>
-              <a:off x="1143000" y="0"/>
-              <a:ext cx="8001000" cy="6858000"/>
-            </a:xfrm>
-            <a:prstGeom prst="rect">
-              <a:avLst/>
-            </a:prstGeom>
-            <a:gradFill flip="none" rotWithShape="1">
-              <a:gsLst>
-                <a:gs pos="0">
-                  <a:srgbClr val="010101">
-                    <a:alpha val="56000"/>
-                  </a:srgbClr>
-                </a:gs>
-                <a:gs pos="61000">
-                  <a:srgbClr val="FEFEFE">
-                    <a:alpha val="0"/>
-                  </a:srgbClr>
-                </a:gs>
-              </a:gsLst>
-              <a:path path="circle">
-                <a:fillToRect l="100000" t="100000"/>
-              </a:path>
-              <a:tileRect r="-100000" b="-100000"/>
-            </a:gradFill>
-            <a:ln>
-              <a:noFill/>
-            </a:ln>
-          </p:spPr>
-          <p:style>
-            <a:lnRef idx="2">
-              <a:schemeClr val="accent1">
-                <a:shade val="50000"/>
-              </a:schemeClr>
-            </a:lnRef>
-            <a:fillRef idx="1">
-              <a:schemeClr val="accent1"/>
-            </a:fillRef>
-            <a:effectRef idx="0">
-              <a:schemeClr val="accent1"/>
-            </a:effectRef>
-            <a:fontRef idx="minor">
-              <a:schemeClr val="lt1"/>
-            </a:fontRef>
-          </p:style>
-          <p:txBody>
-            <a:bodyPr rtlCol="0" anchor="ctr"/>
-            <a:lstStyle/>
-            <a:p>
-              <a:pPr algn="ctr"/>
-              <a:endParaRPr lang="en-US"/>
-            </a:p>
-          </p:txBody>
-        </p:sp>
-      </p:grpSp>
-      <p:sp>
-        <p:nvSpPr>
-          <p:cNvPr id="10" name="Freeform 9"/>
+      <p:sp>
+        <p:nvSpPr>
+          <p:cNvPr id="23" name="Rectangle 22"/>
           <p:cNvSpPr/>
           <p:nvPr/>
         </p:nvSpPr>
         <p:spPr>
-          <a:xfrm rot="10800000">
-            <a:off x="891821" y="5617774"/>
-            <a:ext cx="7382935" cy="537210"/>
+          <a:xfrm flipV="1">
+            <a:off x="5410182" y="3810000"/>
+            <a:ext cx="3733819" cy="91087"/>
           </a:xfrm>
-          <a:custGeom>
+          <a:prstGeom prst="rect">
             <a:avLst/>
-            <a:gdLst>
-              <a:gd name="connsiteX0" fmla="*/ 0 w 7955280"/>
-              <a:gd name="connsiteY0" fmla="*/ 495300 h 495300"/>
-              <a:gd name="connsiteX1" fmla="*/ 169546 w 7955280"/>
-              <a:gd name="connsiteY1" fmla="*/ 0 h 495300"/>
-              <a:gd name="connsiteX2" fmla="*/ 7785734 w 7955280"/>
-              <a:gd name="connsiteY2" fmla="*/ 0 h 495300"/>
-              <a:gd name="connsiteX3" fmla="*/ 7955280 w 7955280"/>
-              <a:gd name="connsiteY3" fmla="*/ 495300 h 495300"/>
-              <a:gd name="connsiteX4" fmla="*/ 0 w 7955280"/>
-              <a:gd name="connsiteY4" fmla="*/ 495300 h 495300"/>
-              <a:gd name="connsiteX0" fmla="*/ 0 w 7955280"/>
-              <a:gd name="connsiteY0" fmla="*/ 495300 h 495300"/>
-              <a:gd name="connsiteX1" fmla="*/ 169546 w 7955280"/>
-              <a:gd name="connsiteY1" fmla="*/ 0 h 495300"/>
-              <a:gd name="connsiteX2" fmla="*/ 3966210 w 7955280"/>
-              <a:gd name="connsiteY2" fmla="*/ 95250 h 495300"/>
-              <a:gd name="connsiteX3" fmla="*/ 7785734 w 7955280"/>
-              <a:gd name="connsiteY3" fmla="*/ 0 h 495300"/>
-              <a:gd name="connsiteX4" fmla="*/ 7955280 w 7955280"/>
-              <a:gd name="connsiteY4" fmla="*/ 495300 h 495300"/>
-              <a:gd name="connsiteX5" fmla="*/ 0 w 7955280"/>
-              <a:gd name="connsiteY5" fmla="*/ 495300 h 495300"/>
-            </a:gdLst>
-            <a:ahLst/>
-            <a:cxnLst>
-              <a:cxn ang="0">
-                <a:pos x="connsiteX0" y="connsiteY0"/>
-              </a:cxn>
-              <a:cxn ang="0">
-                <a:pos x="connsiteX1" y="connsiteY1"/>
-              </a:cxn>
-              <a:cxn ang="0">
-                <a:pos x="connsiteX2" y="connsiteY2"/>
-              </a:cxn>
-              <a:cxn ang="0">
-                <a:pos x="connsiteX3" y="connsiteY3"/>
-              </a:cxn>
-              <a:cxn ang="0">
-                <a:pos x="connsiteX4" y="connsiteY4"/>
-              </a:cxn>
-              <a:cxn ang="0">
-                <a:pos x="connsiteX5" y="connsiteY5"/>
-              </a:cxn>
-            </a:cxnLst>
-            <a:rect l="l" t="t" r="r" b="b"/>
-            <a:pathLst>
-              <a:path w="7955280" h="495300">
-                <a:moveTo>
-                  <a:pt x="0" y="495300"/>
-                </a:moveTo>
-                <a:lnTo>
-                  <a:pt x="169546" y="0"/>
-                </a:lnTo>
-                <a:lnTo>
-                  <a:pt x="3966210" y="95250"/>
-                </a:lnTo>
-                <a:lnTo>
-                  <a:pt x="7785734" y="0"/>
-                </a:lnTo>
-                <a:lnTo>
-                  <a:pt x="7955280" y="495300"/>
-                </a:lnTo>
-                <a:lnTo>
-                  <a:pt x="0" y="495300"/>
-                </a:lnTo>
-                <a:close/>
-              </a:path>
-            </a:pathLst>
-          </a:custGeom>
-          <a:gradFill flip="none" rotWithShape="1">
-            <a:gsLst>
-              <a:gs pos="30000">
-                <a:srgbClr val="010101">
-                  <a:alpha val="34000"/>
-                </a:srgbClr>
-              </a:gs>
-              <a:gs pos="100000">
-                <a:srgbClr val="010101">
-                  <a:alpha val="26000"/>
-                </a:srgbClr>
-              </a:gs>
-            </a:gsLst>
-            <a:path path="circle">
-              <a:fillToRect l="50000" t="50000" r="50000" b="50000"/>
-            </a:path>
-            <a:tileRect/>
-          </a:gradFill>
-          <a:ln>
+          </a:prstGeom>
+          <a:solidFill>
+            <a:schemeClr val="accent2">
+              <a:alpha val="100000"/>
+            </a:schemeClr>
+          </a:solidFill>
+          <a:ln w="50800" cap="rnd" cmpd="thickThin" algn="ctr">
             <a:noFill/>
+            <a:prstDash val="solid"/>
           </a:ln>
-          <a:effectLst>
-            <a:softEdge rad="127000"/>
-          </a:effectLst>
+          <a:effectLst/>
         </p:spPr>
         <p:style>
-          <a:lnRef idx="2">
-            <a:schemeClr val="accent1">
-              <a:shade val="50000"/>
-            </a:schemeClr>
+          <a:lnRef idx="3">
+            <a:schemeClr val="lt1"/>
           </a:lnRef>
           <a:fillRef idx="1">
             <a:schemeClr val="accent1"/>
           </a:fillRef>
-          <a:effectRef idx="0">
+          <a:effectRef idx="1">
             <a:schemeClr val="accent1"/>
           </a:effectRef>
           <a:fontRef idx="minor">
@@ -400,55 +177,47 @@
           </a:fontRef>
         </p:style>
         <p:txBody>
-          <a:bodyPr rtlCol="0" anchor="ctr"/>
-          <a:lstStyle/>
-          <a:p>
-            <a:pPr algn="ctr"/>
-            <a:endParaRPr lang="en-US"/>
-          </a:p>
-        </p:txBody>
-      </p:sp>
-      <p:sp>
-        <p:nvSpPr>
-          <p:cNvPr id="11" name="Rectangle 10"/>
+          <a:bodyPr anchor="ctr"/>
+          <a:lstStyle/>
+          <a:p>
+            <a:pPr algn="ctr" eaLnBrk="1" latinLnBrk="0" hangingPunct="1"/>
+            <a:endParaRPr kumimoji="0" lang="en-US"/>
+          </a:p>
+        </p:txBody>
+      </p:sp>
+      <p:sp>
+        <p:nvSpPr>
+          <p:cNvPr id="24" name="Rectangle 23"/>
           <p:cNvSpPr/>
           <p:nvPr/>
         </p:nvSpPr>
         <p:spPr>
-          <a:xfrm>
-            <a:off x="989952" y="1016990"/>
-            <a:ext cx="7179733" cy="4831643"/>
+          <a:xfrm flipV="1">
+            <a:off x="5410200" y="3897010"/>
+            <a:ext cx="3733801" cy="192024"/>
           </a:xfrm>
           <a:prstGeom prst="rect">
             <a:avLst/>
           </a:prstGeom>
           <a:solidFill>
-            <a:schemeClr val="bg1">
-              <a:lumMod val="75000"/>
-              <a:lumOff val="25000"/>
+            <a:schemeClr val="accent2">
+              <a:alpha val="50000"/>
             </a:schemeClr>
           </a:solidFill>
-          <a:ln w="6350">
+          <a:ln w="50800" cap="rnd" cmpd="thickThin" algn="ctr">
             <a:noFill/>
+            <a:prstDash val="solid"/>
           </a:ln>
-          <a:effectLst>
-            <a:outerShdw blurRad="101600" dist="50800" dir="5400000" algn="t" rotWithShape="0">
-              <a:prstClr val="black">
-                <a:alpha val="20000"/>
-              </a:prstClr>
-            </a:outerShdw>
-          </a:effectLst>
+          <a:effectLst/>
         </p:spPr>
         <p:style>
-          <a:lnRef idx="2">
-            <a:schemeClr val="accent1">
-              <a:shade val="50000"/>
-            </a:schemeClr>
+          <a:lnRef idx="3">
+            <a:schemeClr val="lt1"/>
           </a:lnRef>
           <a:fillRef idx="1">
             <a:schemeClr val="accent1"/>
           </a:fillRef>
-          <a:effectRef idx="0">
+          <a:effectRef idx="1">
             <a:schemeClr val="accent1"/>
           </a:effectRef>
           <a:fontRef idx="minor">
@@ -456,58 +225,47 @@
           </a:fontRef>
         </p:style>
         <p:txBody>
-          <a:bodyPr rtlCol="0" anchor="ctr"/>
-          <a:lstStyle/>
-          <a:p>
-            <a:pPr algn="ctr"/>
-            <a:endParaRPr lang="en-US"/>
-          </a:p>
-        </p:txBody>
-      </p:sp>
-      <p:sp>
-        <p:nvSpPr>
-          <p:cNvPr id="12" name="Rectangle 11"/>
+          <a:bodyPr anchor="ctr"/>
+          <a:lstStyle/>
+          <a:p>
+            <a:pPr algn="ctr" eaLnBrk="1" latinLnBrk="0" hangingPunct="1"/>
+            <a:endParaRPr kumimoji="0" lang="en-US"/>
+          </a:p>
+        </p:txBody>
+      </p:sp>
+      <p:sp>
+        <p:nvSpPr>
+          <p:cNvPr id="25" name="Rectangle 24"/>
           <p:cNvSpPr/>
           <p:nvPr/>
         </p:nvSpPr>
         <p:spPr>
-          <a:xfrm>
-            <a:off x="990600" y="1009650"/>
-            <a:ext cx="7179733" cy="4831643"/>
+          <a:xfrm flipV="1">
+            <a:off x="5410200" y="4115167"/>
+            <a:ext cx="3733801" cy="9144"/>
           </a:xfrm>
           <a:prstGeom prst="rect">
             <a:avLst/>
           </a:prstGeom>
-          <a:blipFill dpi="0" rotWithShape="1">
-            <a:blip r:embed="rId2" cstate="print">
-              <a:alphaModFix amt="20000"/>
-              <a:grayscl/>
-              <a:lum contrast="12000"/>
-            </a:blip>
-            <a:srcRect/>
-            <a:tile tx="0" ty="0" sx="100000" sy="100000" flip="none" algn="tl"/>
-          </a:blipFill>
-          <a:ln w="6350">
+          <a:solidFill>
+            <a:schemeClr val="accent2">
+              <a:alpha val="65000"/>
+            </a:schemeClr>
+          </a:solidFill>
+          <a:ln w="50800" cap="rnd" cmpd="thickThin" algn="ctr">
             <a:noFill/>
+            <a:prstDash val="solid"/>
           </a:ln>
-          <a:effectLst>
-            <a:outerShdw blurRad="101600" dist="50800" dir="5400000" algn="t" rotWithShape="0">
-              <a:prstClr val="black">
-                <a:alpha val="20000"/>
-              </a:prstClr>
-            </a:outerShdw>
-          </a:effectLst>
+          <a:effectLst/>
         </p:spPr>
         <p:style>
-          <a:lnRef idx="2">
-            <a:schemeClr val="accent1">
-              <a:shade val="50000"/>
-            </a:schemeClr>
+          <a:lnRef idx="3">
+            <a:schemeClr val="lt1"/>
           </a:lnRef>
           <a:fillRef idx="1">
             <a:schemeClr val="accent1"/>
           </a:fillRef>
-          <a:effectRef idx="0">
+          <a:effectRef idx="1">
             <a:schemeClr val="accent1"/>
           </a:effectRef>
           <a:fontRef idx="minor">
@@ -515,103 +273,431 @@
           </a:fontRef>
         </p:style>
         <p:txBody>
-          <a:bodyPr rtlCol="0" anchor="ctr"/>
-          <a:lstStyle/>
-          <a:p>
-            <a:pPr algn="ctr"/>
-            <a:endParaRPr lang="en-US"/>
-          </a:p>
-        </p:txBody>
-      </p:sp>
-      <p:pic>
-        <p:nvPicPr>
-          <p:cNvPr id="13" name="Picture 2" descr="C:\Users\Administrator\Desktop\Pushpin Dev\Assets\pushpinLeft.png"/>
-          <p:cNvPicPr>
-            <a:picLocks noChangeAspect="1" noChangeArrowheads="1"/>
-          </p:cNvPicPr>
+          <a:bodyPr anchor="ctr"/>
+          <a:lstStyle/>
+          <a:p>
+            <a:pPr algn="ctr" eaLnBrk="1" latinLnBrk="0" hangingPunct="1"/>
+            <a:endParaRPr kumimoji="0" lang="en-US"/>
+          </a:p>
+        </p:txBody>
+      </p:sp>
+      <p:sp>
+        <p:nvSpPr>
+          <p:cNvPr id="26" name="Rectangle 25"/>
+          <p:cNvSpPr/>
           <p:nvPr/>
-        </p:nvPicPr>
-        <p:blipFill>
-          <a:blip r:embed="rId3" cstate="print"/>
-          <a:srcRect/>
-          <a:stretch>
-            <a:fillRect/>
-          </a:stretch>
-        </p:blipFill>
-        <p:spPr bwMode="auto">
-          <a:xfrm rot="1435684">
-            <a:off x="769521" y="702069"/>
-            <a:ext cx="567831" cy="567830"/>
+        </p:nvSpPr>
+        <p:spPr>
+          <a:xfrm flipV="1">
+            <a:off x="5410200" y="4164403"/>
+            <a:ext cx="1965960" cy="18288"/>
           </a:xfrm>
           <a:prstGeom prst="rect">
             <a:avLst/>
           </a:prstGeom>
-          <a:noFill/>
+          <a:solidFill>
+            <a:schemeClr val="accent2">
+              <a:alpha val="60000"/>
+            </a:schemeClr>
+          </a:solidFill>
+          <a:ln w="50800" cap="rnd" cmpd="thickThin" algn="ctr">
+            <a:noFill/>
+            <a:prstDash val="solid"/>
+          </a:ln>
+          <a:effectLst/>
         </p:spPr>
-      </p:pic>
-      <p:pic>
-        <p:nvPicPr>
-          <p:cNvPr id="14" name="Picture 2" descr="C:\Users\Administrator\Desktop\Pushpin Dev\Assets\pushpinLeft.png"/>
-          <p:cNvPicPr>
-            <a:picLocks noChangeAspect="1" noChangeArrowheads="1"/>
-          </p:cNvPicPr>
+        <p:style>
+          <a:lnRef idx="3">
+            <a:schemeClr val="lt1"/>
+          </a:lnRef>
+          <a:fillRef idx="1">
+            <a:schemeClr val="accent1"/>
+          </a:fillRef>
+          <a:effectRef idx="1">
+            <a:schemeClr val="accent1"/>
+          </a:effectRef>
+          <a:fontRef idx="minor">
+            <a:schemeClr val="lt1"/>
+          </a:fontRef>
+        </p:style>
+        <p:txBody>
+          <a:bodyPr anchor="ctr"/>
+          <a:lstStyle/>
+          <a:p>
+            <a:pPr algn="ctr" eaLnBrk="1" latinLnBrk="0" hangingPunct="1"/>
+            <a:endParaRPr kumimoji="0" lang="en-US"/>
+          </a:p>
+        </p:txBody>
+      </p:sp>
+      <p:sp>
+        <p:nvSpPr>
+          <p:cNvPr id="27" name="Rectangle 26"/>
+          <p:cNvSpPr/>
           <p:nvPr/>
-        </p:nvPicPr>
-        <p:blipFill>
-          <a:blip r:embed="rId3" cstate="print"/>
-          <a:srcRect/>
-          <a:stretch>
-            <a:fillRect/>
-          </a:stretch>
-        </p:blipFill>
-        <p:spPr bwMode="auto">
-          <a:xfrm rot="4096196">
-            <a:off x="7855433" y="749720"/>
-            <a:ext cx="566928" cy="566928"/>
+        </p:nvSpPr>
+        <p:spPr>
+          <a:xfrm flipV="1">
+            <a:off x="5410200" y="4199572"/>
+            <a:ext cx="1965960" cy="9144"/>
           </a:xfrm>
           <a:prstGeom prst="rect">
             <a:avLst/>
           </a:prstGeom>
-          <a:noFill/>
+          <a:solidFill>
+            <a:schemeClr val="accent2">
+              <a:alpha val="65000"/>
+            </a:schemeClr>
+          </a:solidFill>
+          <a:ln w="50800" cap="rnd" cmpd="thickThin" algn="ctr">
+            <a:noFill/>
+            <a:prstDash val="solid"/>
+          </a:ln>
+          <a:effectLst/>
         </p:spPr>
-      </p:pic>
-      <p:sp>
-        <p:nvSpPr>
-          <p:cNvPr id="2" name="Title 1"/>
-          <p:cNvSpPr>
-            <a:spLocks noGrp="1"/>
-          </p:cNvSpPr>
-          <p:nvPr>
-            <p:ph type="ctrTitle"/>
-          </p:nvPr>
+        <p:style>
+          <a:lnRef idx="3">
+            <a:schemeClr val="lt1"/>
+          </a:lnRef>
+          <a:fillRef idx="1">
+            <a:schemeClr val="accent1"/>
+          </a:fillRef>
+          <a:effectRef idx="1">
+            <a:schemeClr val="accent1"/>
+          </a:effectRef>
+          <a:fontRef idx="minor">
+            <a:schemeClr val="lt1"/>
+          </a:fontRef>
+        </p:style>
+        <p:txBody>
+          <a:bodyPr anchor="ctr"/>
+          <a:lstStyle/>
+          <a:p>
+            <a:pPr algn="ctr" eaLnBrk="1" latinLnBrk="0" hangingPunct="1"/>
+            <a:endParaRPr kumimoji="0" lang="en-US"/>
+          </a:p>
+        </p:txBody>
+      </p:sp>
+      <p:sp useBgFill="1">
+        <p:nvSpPr>
+          <p:cNvPr id="30" name="Rounded Rectangle 29"/>
+          <p:cNvSpPr/>
+          <p:nvPr/>
+        </p:nvSpPr>
+        <p:spPr bwMode="white">
+          <a:xfrm>
+            <a:off x="5410200" y="3962400"/>
+            <a:ext cx="3063240" cy="27432"/>
+          </a:xfrm>
+          <a:prstGeom prst="roundRect">
+            <a:avLst>
+              <a:gd name="adj" fmla="val 16667"/>
+            </a:avLst>
+          </a:prstGeom>
+          <a:ln w="50800" cap="rnd" cmpd="thickThin" algn="ctr">
+            <a:noFill/>
+            <a:prstDash val="solid"/>
+          </a:ln>
+          <a:effectLst/>
+        </p:spPr>
+        <p:style>
+          <a:lnRef idx="3">
+            <a:schemeClr val="lt1"/>
+          </a:lnRef>
+          <a:fillRef idx="1">
+            <a:schemeClr val="accent1"/>
+          </a:fillRef>
+          <a:effectRef idx="1">
+            <a:schemeClr val="accent1"/>
+          </a:effectRef>
+          <a:fontRef idx="minor">
+            <a:schemeClr val="lt1"/>
+          </a:fontRef>
+        </p:style>
+        <p:txBody>
+          <a:bodyPr anchor="ctr"/>
+          <a:lstStyle/>
+          <a:p>
+            <a:pPr algn="ctr" eaLnBrk="1" latinLnBrk="0" hangingPunct="1"/>
+            <a:endParaRPr kumimoji="0" lang="en-US"/>
+          </a:p>
+        </p:txBody>
+      </p:sp>
+      <p:sp useBgFill="1">
+        <p:nvSpPr>
+          <p:cNvPr id="31" name="Rounded Rectangle 30"/>
+          <p:cNvSpPr/>
+          <p:nvPr/>
+        </p:nvSpPr>
+        <p:spPr bwMode="white">
+          <a:xfrm>
+            <a:off x="7376507" y="4060983"/>
+            <a:ext cx="1600200" cy="36576"/>
+          </a:xfrm>
+          <a:prstGeom prst="roundRect">
+            <a:avLst>
+              <a:gd name="adj" fmla="val 16667"/>
+            </a:avLst>
+          </a:prstGeom>
+          <a:ln w="50800" cap="rnd" cmpd="thickThin" algn="ctr">
+            <a:noFill/>
+            <a:prstDash val="solid"/>
+          </a:ln>
+          <a:effectLst/>
+        </p:spPr>
+        <p:style>
+          <a:lnRef idx="3">
+            <a:schemeClr val="lt1"/>
+          </a:lnRef>
+          <a:fillRef idx="1">
+            <a:schemeClr val="accent1"/>
+          </a:fillRef>
+          <a:effectRef idx="1">
+            <a:schemeClr val="accent1"/>
+          </a:effectRef>
+          <a:fontRef idx="minor">
+            <a:schemeClr val="lt1"/>
+          </a:fontRef>
+        </p:style>
+        <p:txBody>
+          <a:bodyPr anchor="ctr"/>
+          <a:lstStyle/>
+          <a:p>
+            <a:pPr algn="ctr" eaLnBrk="1" latinLnBrk="0" hangingPunct="1"/>
+            <a:endParaRPr kumimoji="0" lang="en-US"/>
+          </a:p>
+        </p:txBody>
+      </p:sp>
+      <p:sp>
+        <p:nvSpPr>
+          <p:cNvPr id="7" name="Rectangle 6"/>
+          <p:cNvSpPr/>
+          <p:nvPr/>
         </p:nvSpPr>
         <p:spPr>
           <a:xfrm>
-            <a:off x="1727201" y="1794935"/>
-            <a:ext cx="5723468" cy="1828090"/>
+            <a:off x="1" y="3649662"/>
+            <a:ext cx="9144000" cy="244170"/>
+          </a:xfrm>
+          <a:prstGeom prst="rect">
+            <a:avLst/>
+          </a:prstGeom>
+          <a:solidFill>
+            <a:schemeClr val="accent2">
+              <a:alpha val="50000"/>
+            </a:schemeClr>
+          </a:solidFill>
+          <a:ln w="50800" cap="rnd" cmpd="thickThin" algn="ctr">
+            <a:noFill/>
+            <a:prstDash val="solid"/>
+          </a:ln>
+          <a:effectLst/>
+        </p:spPr>
+        <p:style>
+          <a:lnRef idx="3">
+            <a:schemeClr val="lt1"/>
+          </a:lnRef>
+          <a:fillRef idx="1">
+            <a:schemeClr val="accent1"/>
+          </a:fillRef>
+          <a:effectRef idx="1">
+            <a:schemeClr val="accent1"/>
+          </a:effectRef>
+          <a:fontRef idx="minor">
+            <a:schemeClr val="lt1"/>
+          </a:fontRef>
+        </p:style>
+        <p:txBody>
+          <a:bodyPr anchor="ctr"/>
+          <a:lstStyle/>
+          <a:p>
+            <a:pPr algn="ctr" eaLnBrk="1" latinLnBrk="0" hangingPunct="1"/>
+            <a:endParaRPr kumimoji="0" lang="en-US"/>
+          </a:p>
+        </p:txBody>
+      </p:sp>
+      <p:sp>
+        <p:nvSpPr>
+          <p:cNvPr id="10" name="Rectangle 9"/>
+          <p:cNvSpPr/>
+          <p:nvPr/>
+        </p:nvSpPr>
+        <p:spPr>
+          <a:xfrm>
+            <a:off x="0" y="3675527"/>
+            <a:ext cx="9144001" cy="140677"/>
+          </a:xfrm>
+          <a:prstGeom prst="rect">
+            <a:avLst/>
+          </a:prstGeom>
+          <a:solidFill>
+            <a:schemeClr val="accent2">
+              <a:alpha val="100000"/>
+            </a:schemeClr>
+          </a:solidFill>
+          <a:ln w="50800" cap="rnd" cmpd="thickThin" algn="ctr">
+            <a:noFill/>
+            <a:prstDash val="solid"/>
+          </a:ln>
+          <a:effectLst/>
+        </p:spPr>
+        <p:style>
+          <a:lnRef idx="3">
+            <a:schemeClr val="lt1"/>
+          </a:lnRef>
+          <a:fillRef idx="1">
+            <a:schemeClr val="accent1"/>
+          </a:fillRef>
+          <a:effectRef idx="1">
+            <a:schemeClr val="accent1"/>
+          </a:effectRef>
+          <a:fontRef idx="minor">
+            <a:schemeClr val="lt1"/>
+          </a:fontRef>
+        </p:style>
+        <p:txBody>
+          <a:bodyPr anchor="ctr"/>
+          <a:lstStyle/>
+          <a:p>
+            <a:pPr algn="ctr" eaLnBrk="1" latinLnBrk="0" hangingPunct="1"/>
+            <a:endParaRPr kumimoji="0" lang="en-US"/>
+          </a:p>
+        </p:txBody>
+      </p:sp>
+      <p:sp>
+        <p:nvSpPr>
+          <p:cNvPr id="11" name="Rectangle 10"/>
+          <p:cNvSpPr/>
+          <p:nvPr/>
+        </p:nvSpPr>
+        <p:spPr>
+          <a:xfrm flipV="1">
+            <a:off x="6414051" y="3643090"/>
+            <a:ext cx="2729950" cy="248432"/>
+          </a:xfrm>
+          <a:prstGeom prst="rect">
+            <a:avLst/>
+          </a:prstGeom>
+          <a:solidFill>
+            <a:schemeClr val="accent2">
+              <a:alpha val="100000"/>
+            </a:schemeClr>
+          </a:solidFill>
+          <a:ln w="50800" cap="rnd" cmpd="thickThin" algn="ctr">
+            <a:noFill/>
+            <a:prstDash val="solid"/>
+          </a:ln>
+          <a:effectLst/>
+        </p:spPr>
+        <p:style>
+          <a:lnRef idx="3">
+            <a:schemeClr val="lt1"/>
+          </a:lnRef>
+          <a:fillRef idx="1">
+            <a:schemeClr val="accent1"/>
+          </a:fillRef>
+          <a:effectRef idx="1">
+            <a:schemeClr val="accent1"/>
+          </a:effectRef>
+          <a:fontRef idx="minor">
+            <a:schemeClr val="lt1"/>
+          </a:fontRef>
+        </p:style>
+        <p:txBody>
+          <a:bodyPr anchor="ctr"/>
+          <a:lstStyle/>
+          <a:p>
+            <a:pPr algn="ctr" eaLnBrk="1" latinLnBrk="0" hangingPunct="1"/>
+            <a:endParaRPr kumimoji="0" lang="en-US"/>
+          </a:p>
+        </p:txBody>
+      </p:sp>
+      <p:sp>
+        <p:nvSpPr>
+          <p:cNvPr id="19" name="Rectangle 18"/>
+          <p:cNvSpPr/>
+          <p:nvPr/>
+        </p:nvSpPr>
+        <p:spPr>
+          <a:xfrm>
+            <a:off x="0" y="0"/>
+            <a:ext cx="9144000" cy="3701700"/>
+          </a:xfrm>
+          <a:prstGeom prst="rect">
+            <a:avLst/>
+          </a:prstGeom>
+          <a:solidFill>
+            <a:schemeClr val="tx2">
+              <a:alpha val="100000"/>
+            </a:schemeClr>
+          </a:solidFill>
+          <a:ln w="50800" cap="rnd" cmpd="thickThin" algn="ctr">
+            <a:noFill/>
+            <a:prstDash val="solid"/>
+          </a:ln>
+          <a:effectLst/>
+        </p:spPr>
+        <p:style>
+          <a:lnRef idx="3">
+            <a:schemeClr val="lt1"/>
+          </a:lnRef>
+          <a:fillRef idx="1">
+            <a:schemeClr val="accent1"/>
+          </a:fillRef>
+          <a:effectRef idx="1">
+            <a:schemeClr val="accent1"/>
+          </a:effectRef>
+          <a:fontRef idx="minor">
+            <a:schemeClr val="lt1"/>
+          </a:fontRef>
+        </p:style>
+        <p:txBody>
+          <a:bodyPr anchor="ctr"/>
+          <a:lstStyle/>
+          <a:p>
+            <a:pPr algn="ctr" eaLnBrk="1" latinLnBrk="0" hangingPunct="1"/>
+            <a:endParaRPr kumimoji="0" lang="en-US"/>
+          </a:p>
+        </p:txBody>
+      </p:sp>
+      <p:sp>
+        <p:nvSpPr>
+          <p:cNvPr id="8" name="Title 7"/>
+          <p:cNvSpPr>
+            <a:spLocks noGrp="1"/>
+          </p:cNvSpPr>
+          <p:nvPr>
+            <p:ph type="ctrTitle"/>
+          </p:nvPr>
+        </p:nvSpPr>
+        <p:spPr>
+          <a:xfrm>
+            <a:off x="457200" y="2401887"/>
+            <a:ext cx="8458200" cy="1470025"/>
           </a:xfrm>
         </p:spPr>
         <p:txBody>
-          <a:bodyPr anchor="b">
-            <a:normAutofit/>
-          </a:bodyPr>
+          <a:bodyPr anchor="b"/>
           <a:lstStyle>
             <a:lvl1pPr>
-              <a:defRPr sz="4800"/>
+              <a:defRPr sz="4400">
+                <a:solidFill>
+                  <a:schemeClr val="bg1"/>
+                </a:solidFill>
+              </a:defRPr>
             </a:lvl1pPr>
           </a:lstStyle>
           <a:p>
             <a:r>
-              <a:rPr lang="en-US" smtClean="0"/>
+              <a:rPr kumimoji="0" lang="en-US" smtClean="0"/>
               <a:t>Click to edit Master title style</a:t>
             </a:r>
-            <a:endParaRPr lang="en-US"/>
-          </a:p>
-        </p:txBody>
-      </p:sp>
-      <p:sp>
-        <p:nvSpPr>
-          <p:cNvPr id="3" name="Subtitle 2"/>
+            <a:endParaRPr kumimoji="0" lang="en-US"/>
+          </a:p>
+        </p:txBody>
+      </p:sp>
+      <p:sp>
+        <p:nvSpPr>
+          <p:cNvPr id="9" name="Subtitle 8"/>
           <p:cNvSpPr>
             <a:spLocks noGrp="1"/>
           </p:cNvSpPr>
@@ -621,16 +707,16 @@
         </p:nvSpPr>
         <p:spPr>
           <a:xfrm>
-            <a:off x="1727200" y="3736622"/>
-            <a:ext cx="5712179" cy="1524000"/>
+            <a:off x="457200" y="3899938"/>
+            <a:ext cx="4953000" cy="1752600"/>
           </a:xfrm>
         </p:spPr>
         <p:txBody>
           <a:bodyPr/>
           <a:lstStyle>
-            <a:lvl1pPr marL="0" indent="0" algn="ctr">
+            <a:lvl1pPr marL="64008" indent="0" algn="l">
               <a:buNone/>
-              <a:defRPr>
+              <a:defRPr sz="2400">
                 <a:solidFill>
                   <a:schemeClr val="tx2"/>
                 </a:solidFill>
@@ -638,167 +724,115 @@
             </a:lvl1pPr>
             <a:lvl2pPr marL="457200" indent="0" algn="ctr">
               <a:buNone/>
-              <a:defRPr>
-                <a:solidFill>
-                  <a:schemeClr val="tx1">
-                    <a:tint val="75000"/>
-                  </a:schemeClr>
-                </a:solidFill>
-              </a:defRPr>
             </a:lvl2pPr>
             <a:lvl3pPr marL="914400" indent="0" algn="ctr">
               <a:buNone/>
-              <a:defRPr>
-                <a:solidFill>
-                  <a:schemeClr val="tx1">
-                    <a:tint val="75000"/>
-                  </a:schemeClr>
-                </a:solidFill>
-              </a:defRPr>
             </a:lvl3pPr>
             <a:lvl4pPr marL="1371600" indent="0" algn="ctr">
               <a:buNone/>
-              <a:defRPr>
-                <a:solidFill>
-                  <a:schemeClr val="tx1">
-                    <a:tint val="75000"/>
-                  </a:schemeClr>
-                </a:solidFill>
-              </a:defRPr>
             </a:lvl4pPr>
             <a:lvl5pPr marL="1828800" indent="0" algn="ctr">
               <a:buNone/>
-              <a:defRPr>
-                <a:solidFill>
-                  <a:schemeClr val="tx1">
-                    <a:tint val="75000"/>
-                  </a:schemeClr>
-                </a:solidFill>
-              </a:defRPr>
             </a:lvl5pPr>
             <a:lvl6pPr marL="2286000" indent="0" algn="ctr">
               <a:buNone/>
-              <a:defRPr>
-                <a:solidFill>
-                  <a:schemeClr val="tx1">
-                    <a:tint val="75000"/>
-                  </a:schemeClr>
-                </a:solidFill>
-              </a:defRPr>
             </a:lvl6pPr>
             <a:lvl7pPr marL="2743200" indent="0" algn="ctr">
               <a:buNone/>
-              <a:defRPr>
-                <a:solidFill>
-                  <a:schemeClr val="tx1">
-                    <a:tint val="75000"/>
-                  </a:schemeClr>
-                </a:solidFill>
-              </a:defRPr>
             </a:lvl7pPr>
             <a:lvl8pPr marL="3200400" indent="0" algn="ctr">
               <a:buNone/>
-              <a:defRPr>
-                <a:solidFill>
-                  <a:schemeClr val="tx1">
-                    <a:tint val="75000"/>
-                  </a:schemeClr>
-                </a:solidFill>
-              </a:defRPr>
             </a:lvl8pPr>
             <a:lvl9pPr marL="3657600" indent="0" algn="ctr">
               <a:buNone/>
-              <a:defRPr>
+            </a:lvl9pPr>
+          </a:lstStyle>
+          <a:p>
+            <a:r>
+              <a:rPr kumimoji="0" lang="en-US" smtClean="0"/>
+              <a:t>Click to edit Master subtitle style</a:t>
+            </a:r>
+            <a:endParaRPr kumimoji="0" lang="en-US"/>
+          </a:p>
+        </p:txBody>
+      </p:sp>
+      <p:sp>
+        <p:nvSpPr>
+          <p:cNvPr id="28" name="Date Placeholder 27"/>
+          <p:cNvSpPr>
+            <a:spLocks noGrp="1"/>
+          </p:cNvSpPr>
+          <p:nvPr>
+            <p:ph type="dt" sz="half" idx="10"/>
+          </p:nvPr>
+        </p:nvSpPr>
+        <p:spPr>
+          <a:xfrm>
+            <a:off x="6705600" y="4206240"/>
+            <a:ext cx="960120" cy="457200"/>
+          </a:xfrm>
+        </p:spPr>
+        <p:txBody>
+          <a:bodyPr/>
+          <a:lstStyle/>
+          <a:p>
+            <a:fld id="{64A11B57-DEF7-4D73-A804-611474AE0F91}" type="datetimeFigureOut">
+              <a:rPr lang="en-US" smtClean="0"/>
+              <a:t>1/14/2022</a:t>
+            </a:fld>
+            <a:endParaRPr lang="en-US"/>
+          </a:p>
+        </p:txBody>
+      </p:sp>
+      <p:sp>
+        <p:nvSpPr>
+          <p:cNvPr id="17" name="Footer Placeholder 16"/>
+          <p:cNvSpPr>
+            <a:spLocks noGrp="1"/>
+          </p:cNvSpPr>
+          <p:nvPr>
+            <p:ph type="ftr" sz="quarter" idx="11"/>
+          </p:nvPr>
+        </p:nvSpPr>
+        <p:spPr>
+          <a:xfrm>
+            <a:off x="5410200" y="4205288"/>
+            <a:ext cx="1295400" cy="457200"/>
+          </a:xfrm>
+        </p:spPr>
+        <p:txBody>
+          <a:bodyPr/>
+          <a:lstStyle/>
+          <a:p>
+            <a:endParaRPr lang="en-US"/>
+          </a:p>
+        </p:txBody>
+      </p:sp>
+      <p:sp>
+        <p:nvSpPr>
+          <p:cNvPr id="29" name="Slide Number Placeholder 28"/>
+          <p:cNvSpPr>
+            <a:spLocks noGrp="1"/>
+          </p:cNvSpPr>
+          <p:nvPr>
+            <p:ph type="sldNum" sz="quarter" idx="12"/>
+          </p:nvPr>
+        </p:nvSpPr>
+        <p:spPr>
+          <a:xfrm>
+            <a:off x="8320088" y="1136"/>
+            <a:ext cx="747712" cy="365760"/>
+          </a:xfrm>
+        </p:spPr>
+        <p:txBody>
+          <a:bodyPr/>
+          <a:lstStyle>
+            <a:lvl1pPr algn="r">
+              <a:defRPr sz="1800">
                 <a:solidFill>
-                  <a:schemeClr val="tx1">
-                    <a:tint val="75000"/>
-                  </a:schemeClr>
+                  <a:schemeClr val="bg1"/>
                 </a:solidFill>
               </a:defRPr>
-            </a:lvl9pPr>
-          </a:lstStyle>
-          <a:p>
-            <a:r>
-              <a:rPr lang="en-US" smtClean="0"/>
-              <a:t>Click to edit Master subtitle style</a:t>
-            </a:r>
-            <a:endParaRPr lang="en-US" dirty="0"/>
-          </a:p>
-        </p:txBody>
-      </p:sp>
-      <p:sp>
-        <p:nvSpPr>
-          <p:cNvPr id="4" name="Date Placeholder 3"/>
-          <p:cNvSpPr>
-            <a:spLocks noGrp="1"/>
-          </p:cNvSpPr>
-          <p:nvPr>
-            <p:ph type="dt" sz="half" idx="10"/>
-          </p:nvPr>
-        </p:nvSpPr>
-        <p:spPr>
-          <a:xfrm>
-            <a:off x="6770676" y="5357592"/>
-            <a:ext cx="1213821" cy="365125"/>
-          </a:xfrm>
-        </p:spPr>
-        <p:txBody>
-          <a:bodyPr/>
-          <a:lstStyle/>
-          <a:p>
-            <a:fld id="{64A11B57-DEF7-4D73-A804-611474AE0F91}" type="datetimeFigureOut">
-              <a:rPr lang="en-US" smtClean="0"/>
-              <a:t>1/13/2022</a:t>
-            </a:fld>
-            <a:endParaRPr lang="en-US"/>
-          </a:p>
-        </p:txBody>
-      </p:sp>
-      <p:sp>
-        <p:nvSpPr>
-          <p:cNvPr id="5" name="Footer Placeholder 4"/>
-          <p:cNvSpPr>
-            <a:spLocks noGrp="1"/>
-          </p:cNvSpPr>
-          <p:nvPr>
-            <p:ph type="ftr" sz="quarter" idx="11"/>
-          </p:nvPr>
-        </p:nvSpPr>
-        <p:spPr>
-          <a:xfrm>
-            <a:off x="1174044" y="5357592"/>
-            <a:ext cx="5034845" cy="365125"/>
-          </a:xfrm>
-        </p:spPr>
-        <p:txBody>
-          <a:bodyPr/>
-          <a:lstStyle/>
-          <a:p>
-            <a:endParaRPr lang="en-US"/>
-          </a:p>
-        </p:txBody>
-      </p:sp>
-      <p:sp>
-        <p:nvSpPr>
-          <p:cNvPr id="6" name="Slide Number Placeholder 5"/>
-          <p:cNvSpPr>
-            <a:spLocks noGrp="1"/>
-          </p:cNvSpPr>
-          <p:nvPr>
-            <p:ph type="sldNum" sz="quarter" idx="12"/>
-          </p:nvPr>
-        </p:nvSpPr>
-        <p:spPr>
-          <a:xfrm>
-            <a:off x="6213930" y="5357592"/>
-            <a:ext cx="554023" cy="365125"/>
-          </a:xfrm>
-        </p:spPr>
-        <p:txBody>
-          <a:bodyPr/>
-          <a:lstStyle>
-            <a:lvl1pPr algn="ctr">
-              <a:defRPr/>
             </a:lvl1pPr>
           </a:lstStyle>
           <a:p>
@@ -851,10 +885,10 @@
           <a:lstStyle/>
           <a:p>
             <a:r>
-              <a:rPr lang="en-US" smtClean="0"/>
+              <a:rPr kumimoji="0" lang="en-US" smtClean="0"/>
               <a:t>Click to edit Master title style</a:t>
             </a:r>
-            <a:endParaRPr lang="en-US"/>
+            <a:endParaRPr kumimoji="0" lang="en-US"/>
           </a:p>
         </p:txBody>
       </p:sp>
@@ -870,43 +904,43 @@
         </p:nvSpPr>
         <p:spPr/>
         <p:txBody>
-          <a:bodyPr vert="eaVert" anchor="ctr"/>
-          <a:lstStyle/>
-          <a:p>
-            <a:pPr lvl="0"/>
+          <a:bodyPr vert="eaVert"/>
+          <a:lstStyle/>
+          <a:p>
+            <a:pPr lvl="0" eaLnBrk="1" latinLnBrk="0" hangingPunct="1"/>
             <a:r>
               <a:rPr lang="en-US" smtClean="0"/>
               <a:t>Click to edit Master text styles</a:t>
             </a:r>
           </a:p>
           <a:p>
-            <a:pPr lvl="1"/>
+            <a:pPr lvl="1" eaLnBrk="1" latinLnBrk="0" hangingPunct="1"/>
             <a:r>
               <a:rPr lang="en-US" smtClean="0"/>
               <a:t>Second level</a:t>
             </a:r>
           </a:p>
           <a:p>
-            <a:pPr lvl="2"/>
+            <a:pPr lvl="2" eaLnBrk="1" latinLnBrk="0" hangingPunct="1"/>
             <a:r>
               <a:rPr lang="en-US" smtClean="0"/>
               <a:t>Third level</a:t>
             </a:r>
           </a:p>
           <a:p>
-            <a:pPr lvl="3"/>
+            <a:pPr lvl="3" eaLnBrk="1" latinLnBrk="0" hangingPunct="1"/>
             <a:r>
               <a:rPr lang="en-US" smtClean="0"/>
               <a:t>Fourth level</a:t>
             </a:r>
           </a:p>
           <a:p>
-            <a:pPr lvl="4"/>
+            <a:pPr lvl="4" eaLnBrk="1" latinLnBrk="0" hangingPunct="1"/>
             <a:r>
               <a:rPr lang="en-US" smtClean="0"/>
               <a:t>Fifth level</a:t>
             </a:r>
-            <a:endParaRPr lang="en-US"/>
+            <a:endParaRPr kumimoji="0" lang="en-US"/>
           </a:p>
         </p:txBody>
       </p:sp>
@@ -927,7 +961,7 @@
           <a:p>
             <a:fld id="{64A11B57-DEF7-4D73-A804-611474AE0F91}" type="datetimeFigureOut">
               <a:rPr lang="en-US" smtClean="0"/>
-              <a:t>1/13/2022</a:t>
+              <a:t>1/14/2022</a:t>
             </a:fld>
             <a:endParaRPr lang="en-US"/>
           </a:p>
@@ -1012,23 +1046,19 @@
         </p:nvSpPr>
         <p:spPr>
           <a:xfrm>
-            <a:off x="6629401" y="925690"/>
-            <a:ext cx="1430867" cy="4763911"/>
+            <a:off x="6781800" y="1143000"/>
+            <a:ext cx="1905000" cy="5486400"/>
           </a:xfrm>
         </p:spPr>
         <p:txBody>
           <a:bodyPr vert="eaVert"/>
-          <a:lstStyle>
-            <a:lvl1pPr algn="l">
-              <a:defRPr/>
-            </a:lvl1pPr>
-          </a:lstStyle>
-          <a:p>
-            <a:r>
-              <a:rPr lang="en-US" smtClean="0"/>
+          <a:lstStyle/>
+          <a:p>
+            <a:r>
+              <a:rPr kumimoji="0" lang="en-US" smtClean="0"/>
               <a:t>Click to edit Master title style</a:t>
             </a:r>
-            <a:endParaRPr lang="en-US" dirty="0"/>
+            <a:endParaRPr kumimoji="0" lang="en-US"/>
           </a:p>
         </p:txBody>
       </p:sp>
@@ -1044,48 +1074,48 @@
         </p:nvSpPr>
         <p:spPr>
           <a:xfrm>
-            <a:off x="1298221" y="1106312"/>
-            <a:ext cx="5178779" cy="4402667"/>
+            <a:off x="457200" y="1143000"/>
+            <a:ext cx="6248400" cy="5486400"/>
           </a:xfrm>
         </p:spPr>
         <p:txBody>
           <a:bodyPr vert="eaVert"/>
           <a:lstStyle/>
           <a:p>
-            <a:pPr lvl="0"/>
+            <a:pPr lvl="0" eaLnBrk="1" latinLnBrk="0" hangingPunct="1"/>
             <a:r>
               <a:rPr lang="en-US" smtClean="0"/>
               <a:t>Click to edit Master text styles</a:t>
             </a:r>
           </a:p>
           <a:p>
-            <a:pPr lvl="1"/>
+            <a:pPr lvl="1" eaLnBrk="1" latinLnBrk="0" hangingPunct="1"/>
             <a:r>
               <a:rPr lang="en-US" smtClean="0"/>
               <a:t>Second level</a:t>
             </a:r>
           </a:p>
           <a:p>
-            <a:pPr lvl="2"/>
+            <a:pPr lvl="2" eaLnBrk="1" latinLnBrk="0" hangingPunct="1"/>
             <a:r>
               <a:rPr lang="en-US" smtClean="0"/>
               <a:t>Third level</a:t>
             </a:r>
           </a:p>
           <a:p>
-            <a:pPr lvl="3"/>
+            <a:pPr lvl="3" eaLnBrk="1" latinLnBrk="0" hangingPunct="1"/>
             <a:r>
               <a:rPr lang="en-US" smtClean="0"/>
               <a:t>Fourth level</a:t>
             </a:r>
           </a:p>
           <a:p>
-            <a:pPr lvl="4"/>
+            <a:pPr lvl="4" eaLnBrk="1" latinLnBrk="0" hangingPunct="1"/>
             <a:r>
               <a:rPr lang="en-US" smtClean="0"/>
               <a:t>Fifth level</a:t>
             </a:r>
-            <a:endParaRPr lang="en-US"/>
+            <a:endParaRPr kumimoji="0" lang="en-US"/>
           </a:p>
         </p:txBody>
       </p:sp>
@@ -1106,7 +1136,7 @@
           <a:p>
             <a:fld id="{64A11B57-DEF7-4D73-A804-611474AE0F91}" type="datetimeFigureOut">
               <a:rPr lang="en-US" smtClean="0"/>
-              <a:t>1/13/2022</a:t>
+              <a:t>1/14/2022</a:t>
             </a:fld>
             <a:endParaRPr lang="en-US"/>
           </a:p>
@@ -1195,10 +1225,10 @@
           <a:lstStyle/>
           <a:p>
             <a:r>
-              <a:rPr lang="en-US" smtClean="0"/>
+              <a:rPr kumimoji="0" lang="en-US" smtClean="0"/>
               <a:t>Click to edit Master title style</a:t>
             </a:r>
-            <a:endParaRPr lang="en-US"/>
+            <a:endParaRPr kumimoji="0" lang="en-US"/>
           </a:p>
         </p:txBody>
       </p:sp>
@@ -1217,40 +1247,40 @@
           <a:bodyPr/>
           <a:lstStyle/>
           <a:p>
-            <a:pPr lvl="0"/>
+            <a:pPr lvl="0" eaLnBrk="1" latinLnBrk="0" hangingPunct="1"/>
             <a:r>
               <a:rPr lang="en-US" smtClean="0"/>
               <a:t>Click to edit Master text styles</a:t>
             </a:r>
           </a:p>
           <a:p>
-            <a:pPr lvl="1"/>
+            <a:pPr lvl="1" eaLnBrk="1" latinLnBrk="0" hangingPunct="1"/>
             <a:r>
               <a:rPr lang="en-US" smtClean="0"/>
               <a:t>Second level</a:t>
             </a:r>
           </a:p>
           <a:p>
-            <a:pPr lvl="2"/>
+            <a:pPr lvl="2" eaLnBrk="1" latinLnBrk="0" hangingPunct="1"/>
             <a:r>
               <a:rPr lang="en-US" smtClean="0"/>
               <a:t>Third level</a:t>
             </a:r>
           </a:p>
           <a:p>
-            <a:pPr lvl="3"/>
+            <a:pPr lvl="3" eaLnBrk="1" latinLnBrk="0" hangingPunct="1"/>
             <a:r>
               <a:rPr lang="en-US" smtClean="0"/>
               <a:t>Fourth level</a:t>
             </a:r>
           </a:p>
           <a:p>
-            <a:pPr lvl="4"/>
+            <a:pPr lvl="4" eaLnBrk="1" latinLnBrk="0" hangingPunct="1"/>
             <a:r>
               <a:rPr lang="en-US" smtClean="0"/>
               <a:t>Fifth level</a:t>
             </a:r>
-            <a:endParaRPr lang="en-US"/>
+            <a:endParaRPr kumimoji="0" lang="en-US"/>
           </a:p>
         </p:txBody>
       </p:sp>
@@ -1271,7 +1301,7 @@
           <a:p>
             <a:fld id="{64A11B57-DEF7-4D73-A804-611474AE0F91}" type="datetimeFigureOut">
               <a:rPr lang="en-US" smtClean="0"/>
-              <a:t>1/13/2022</a:t>
+              <a:t>1/14/2022</a:t>
             </a:fld>
             <a:endParaRPr lang="en-US"/>
           </a:p>
@@ -1356,23 +1386,45 @@
         </p:nvSpPr>
         <p:spPr>
           <a:xfrm>
-            <a:off x="1444979" y="2239430"/>
-            <a:ext cx="6254044" cy="1362075"/>
+            <a:off x="722313" y="1981200"/>
+            <a:ext cx="7772400" cy="1362075"/>
           </a:xfrm>
         </p:spPr>
         <p:txBody>
-          <a:bodyPr anchor="b"/>
+          <a:bodyPr anchor="b">
+            <a:noAutofit/>
+          </a:bodyPr>
           <a:lstStyle>
-            <a:lvl1pPr algn="ctr">
-              <a:defRPr sz="4000" b="0" cap="none" baseline="0"/>
+            <a:lvl1pPr algn="l">
+              <a:buNone/>
+              <a:defRPr sz="4300" b="1" cap="none" baseline="0">
+                <a:ln w="12700">
+                  <a:solidFill>
+                    <a:schemeClr val="accent2">
+                      <a:shade val="90000"/>
+                      <a:satMod val="150000"/>
+                    </a:schemeClr>
+                  </a:solidFill>
+                </a:ln>
+                <a:solidFill>
+                  <a:srgbClr val="FFFFFF"/>
+                </a:solidFill>
+                <a:effectLst>
+                  <a:outerShdw blurRad="38100" dist="38100" dir="5400000" algn="tl" rotWithShape="0">
+                    <a:srgbClr val="000000">
+                      <a:alpha val="25000"/>
+                    </a:srgbClr>
+                  </a:outerShdw>
+                </a:effectLst>
+              </a:defRPr>
             </a:lvl1pPr>
           </a:lstStyle>
           <a:p>
             <a:r>
-              <a:rPr lang="en-US" smtClean="0"/>
+              <a:rPr kumimoji="0" lang="en-US" smtClean="0"/>
               <a:t>Click to edit Master title style</a:t>
             </a:r>
-            <a:endParaRPr lang="en-US" dirty="0"/>
+            <a:endParaRPr kumimoji="0" lang="en-US"/>
           </a:p>
         </p:txBody>
       </p:sp>
@@ -1388,22 +1440,22 @@
         </p:nvSpPr>
         <p:spPr>
           <a:xfrm>
-            <a:off x="1456267" y="3725334"/>
-            <a:ext cx="6231467" cy="1309511"/>
+            <a:off x="722313" y="3367088"/>
+            <a:ext cx="7772400" cy="1509712"/>
           </a:xfrm>
         </p:spPr>
         <p:txBody>
           <a:bodyPr anchor="t"/>
           <a:lstStyle>
-            <a:lvl1pPr marL="0" indent="0" algn="ctr">
+            <a:lvl1pPr marL="45720" indent="0">
               <a:buNone/>
-              <a:defRPr sz="2000">
+              <a:defRPr sz="2100" b="0">
                 <a:solidFill>
                   <a:schemeClr val="tx2"/>
                 </a:solidFill>
               </a:defRPr>
             </a:lvl1pPr>
-            <a:lvl2pPr marL="457200" indent="0">
+            <a:lvl2pPr>
               <a:buNone/>
               <a:defRPr sz="1800">
                 <a:solidFill>
@@ -1413,7 +1465,7 @@
                 </a:solidFill>
               </a:defRPr>
             </a:lvl2pPr>
-            <a:lvl3pPr marL="914400" indent="0">
+            <a:lvl3pPr>
               <a:buNone/>
               <a:defRPr sz="1600">
                 <a:solidFill>
@@ -1423,7 +1475,7 @@
                 </a:solidFill>
               </a:defRPr>
             </a:lvl3pPr>
-            <a:lvl4pPr marL="1371600" indent="0">
+            <a:lvl4pPr>
               <a:buNone/>
               <a:defRPr sz="1400">
                 <a:solidFill>
@@ -1433,7 +1485,7 @@
                 </a:solidFill>
               </a:defRPr>
             </a:lvl4pPr>
-            <a:lvl5pPr marL="1828800" indent="0">
+            <a:lvl5pPr>
               <a:buNone/>
               <a:defRPr sz="1400">
                 <a:solidFill>
@@ -1443,51 +1495,11 @@
                 </a:solidFill>
               </a:defRPr>
             </a:lvl5pPr>
-            <a:lvl6pPr marL="2286000" indent="0">
-              <a:buNone/>
-              <a:defRPr sz="1400">
-                <a:solidFill>
-                  <a:schemeClr val="tx1">
-                    <a:tint val="75000"/>
-                  </a:schemeClr>
-                </a:solidFill>
-              </a:defRPr>
-            </a:lvl6pPr>
-            <a:lvl7pPr marL="2743200" indent="0">
-              <a:buNone/>
-              <a:defRPr sz="1400">
-                <a:solidFill>
-                  <a:schemeClr val="tx1">
-                    <a:tint val="75000"/>
-                  </a:schemeClr>
-                </a:solidFill>
-              </a:defRPr>
-            </a:lvl7pPr>
-            <a:lvl8pPr marL="3200400" indent="0">
-              <a:buNone/>
-              <a:defRPr sz="1400">
-                <a:solidFill>
-                  <a:schemeClr val="tx1">
-                    <a:tint val="75000"/>
-                  </a:schemeClr>
-                </a:solidFill>
-              </a:defRPr>
-            </a:lvl8pPr>
-            <a:lvl9pPr marL="3657600" indent="0">
-              <a:buNone/>
-              <a:defRPr sz="1400">
-                <a:solidFill>
-                  <a:schemeClr val="tx1">
-                    <a:tint val="75000"/>
-                  </a:schemeClr>
-                </a:solidFill>
-              </a:defRPr>
-            </a:lvl9pPr>
           </a:lstStyle>
           <a:p>
-            <a:pPr lvl="0"/>
-            <a:r>
-              <a:rPr lang="en-US" smtClean="0"/>
+            <a:pPr lvl="0" eaLnBrk="1" latinLnBrk="0" hangingPunct="1"/>
+            <a:r>
+              <a:rPr kumimoji="0" lang="en-US" smtClean="0"/>
               <a:t>Click to edit Master text styles</a:t>
             </a:r>
           </a:p>
@@ -1510,7 +1522,7 @@
           <a:p>
             <a:fld id="{64A11B57-DEF7-4D73-A804-611474AE0F91}" type="datetimeFigureOut">
               <a:rPr lang="en-US" smtClean="0"/>
-              <a:t>1/13/2022</a:t>
+              <a:t>1/14/2022</a:t>
             </a:fld>
             <a:endParaRPr lang="en-US"/>
           </a:p>
@@ -1599,10 +1611,156 @@
           <a:lstStyle/>
           <a:p>
             <a:r>
+              <a:rPr kumimoji="0" lang="en-US" smtClean="0"/>
+              <a:t>Click to edit Master title style</a:t>
+            </a:r>
+            <a:endParaRPr kumimoji="0" lang="en-US"/>
+          </a:p>
+        </p:txBody>
+      </p:sp>
+      <p:sp>
+        <p:nvSpPr>
+          <p:cNvPr id="3" name="Content Placeholder 2"/>
+          <p:cNvSpPr>
+            <a:spLocks noGrp="1"/>
+          </p:cNvSpPr>
+          <p:nvPr>
+            <p:ph sz="half" idx="1"/>
+          </p:nvPr>
+        </p:nvSpPr>
+        <p:spPr>
+          <a:xfrm>
+            <a:off x="457200" y="2249424"/>
+            <a:ext cx="4038600" cy="4525963"/>
+          </a:xfrm>
+        </p:spPr>
+        <p:txBody>
+          <a:bodyPr/>
+          <a:lstStyle>
+            <a:lvl1pPr>
+              <a:defRPr sz="2000"/>
+            </a:lvl1pPr>
+            <a:lvl2pPr>
+              <a:defRPr sz="1900"/>
+            </a:lvl2pPr>
+            <a:lvl3pPr>
+              <a:defRPr sz="1800"/>
+            </a:lvl3pPr>
+            <a:lvl4pPr>
+              <a:defRPr sz="1800"/>
+            </a:lvl4pPr>
+            <a:lvl5pPr>
+              <a:defRPr sz="1800"/>
+            </a:lvl5pPr>
+          </a:lstStyle>
+          <a:p>
+            <a:pPr lvl="0" eaLnBrk="1" latinLnBrk="0" hangingPunct="1"/>
+            <a:r>
               <a:rPr lang="en-US" smtClean="0"/>
-              <a:t>Click to edit Master title style</a:t>
-            </a:r>
-            <a:endParaRPr lang="en-US"/>
+              <a:t>Click to edit Master text styles</a:t>
+            </a:r>
+          </a:p>
+          <a:p>
+            <a:pPr lvl="1" eaLnBrk="1" latinLnBrk="0" hangingPunct="1"/>
+            <a:r>
+              <a:rPr lang="en-US" smtClean="0"/>
+              <a:t>Second level</a:t>
+            </a:r>
+          </a:p>
+          <a:p>
+            <a:pPr lvl="2" eaLnBrk="1" latinLnBrk="0" hangingPunct="1"/>
+            <a:r>
+              <a:rPr lang="en-US" smtClean="0"/>
+              <a:t>Third level</a:t>
+            </a:r>
+          </a:p>
+          <a:p>
+            <a:pPr lvl="3" eaLnBrk="1" latinLnBrk="0" hangingPunct="1"/>
+            <a:r>
+              <a:rPr lang="en-US" smtClean="0"/>
+              <a:t>Fourth level</a:t>
+            </a:r>
+          </a:p>
+          <a:p>
+            <a:pPr lvl="4" eaLnBrk="1" latinLnBrk="0" hangingPunct="1"/>
+            <a:r>
+              <a:rPr lang="en-US" smtClean="0"/>
+              <a:t>Fifth level</a:t>
+            </a:r>
+            <a:endParaRPr kumimoji="0" lang="en-US"/>
+          </a:p>
+        </p:txBody>
+      </p:sp>
+      <p:sp>
+        <p:nvSpPr>
+          <p:cNvPr id="4" name="Content Placeholder 3"/>
+          <p:cNvSpPr>
+            <a:spLocks noGrp="1"/>
+          </p:cNvSpPr>
+          <p:nvPr>
+            <p:ph sz="half" idx="2"/>
+          </p:nvPr>
+        </p:nvSpPr>
+        <p:spPr>
+          <a:xfrm>
+            <a:off x="4648200" y="2249424"/>
+            <a:ext cx="4038600" cy="4525963"/>
+          </a:xfrm>
+        </p:spPr>
+        <p:txBody>
+          <a:bodyPr/>
+          <a:lstStyle>
+            <a:lvl1pPr>
+              <a:defRPr sz="2000"/>
+            </a:lvl1pPr>
+            <a:lvl2pPr>
+              <a:defRPr sz="1900"/>
+            </a:lvl2pPr>
+            <a:lvl3pPr>
+              <a:defRPr sz="1800"/>
+            </a:lvl3pPr>
+            <a:lvl4pPr>
+              <a:defRPr sz="1800"/>
+            </a:lvl4pPr>
+            <a:lvl5pPr>
+              <a:defRPr sz="1800"/>
+            </a:lvl5pPr>
+          </a:lstStyle>
+          <a:p>
+            <a:pPr lvl="0" eaLnBrk="1" latinLnBrk="0" hangingPunct="1"/>
+            <a:r>
+              <a:rPr lang="en-US" smtClean="0"/>
+              <a:t>Click to edit Master text styles</a:t>
+            </a:r>
+          </a:p>
+          <a:p>
+            <a:pPr lvl="1" eaLnBrk="1" latinLnBrk="0" hangingPunct="1"/>
+            <a:r>
+              <a:rPr lang="en-US" smtClean="0"/>
+              <a:t>Second level</a:t>
+            </a:r>
+          </a:p>
+          <a:p>
+            <a:pPr lvl="2" eaLnBrk="1" latinLnBrk="0" hangingPunct="1"/>
+            <a:r>
+              <a:rPr lang="en-US" smtClean="0"/>
+              <a:t>Third level</a:t>
+            </a:r>
+          </a:p>
+          <a:p>
+            <a:pPr lvl="3" eaLnBrk="1" latinLnBrk="0" hangingPunct="1"/>
+            <a:r>
+              <a:rPr lang="en-US" smtClean="0"/>
+              <a:t>Fourth level</a:t>
+            </a:r>
+          </a:p>
+          <a:p>
+            <a:pPr lvl="4" eaLnBrk="1" latinLnBrk="0" hangingPunct="1"/>
+            <a:r>
+              <a:rPr lang="en-US" smtClean="0"/>
+              <a:t>Fifth level</a:t>
+            </a:r>
+            <a:endParaRPr kumimoji="0" lang="en-US"/>
           </a:p>
         </p:txBody>
       </p:sp>
@@ -1623,7 +1781,7 @@
           <a:p>
             <a:fld id="{64A11B57-DEF7-4D73-A804-611474AE0F91}" type="datetimeFigureOut">
               <a:rPr lang="en-US" smtClean="0"/>
-              <a:t>1/13/2022</a:t>
+              <a:t>1/14/2022</a:t>
             </a:fld>
             <a:endParaRPr lang="en-US"/>
           </a:p>
@@ -1667,120 +1825,6 @@
               <a:rPr lang="en-US" smtClean="0"/>
               <a:t>‹#›</a:t>
             </a:fld>
-            <a:endParaRPr lang="en-US"/>
-          </a:p>
-        </p:txBody>
-      </p:sp>
-      <p:sp>
-        <p:nvSpPr>
-          <p:cNvPr id="9" name="Content Placeholder 8"/>
-          <p:cNvSpPr>
-            <a:spLocks noGrp="1"/>
-          </p:cNvSpPr>
-          <p:nvPr>
-            <p:ph sz="quarter" idx="13"/>
-          </p:nvPr>
-        </p:nvSpPr>
-        <p:spPr>
-          <a:xfrm>
-            <a:off x="1298448" y="2121407"/>
-            <a:ext cx="3200400" cy="3602736"/>
-          </a:xfrm>
-        </p:spPr>
-        <p:txBody>
-          <a:bodyPr/>
-          <a:lstStyle/>
-          <a:p>
-            <a:pPr lvl="0"/>
-            <a:r>
-              <a:rPr lang="en-US" smtClean="0"/>
-              <a:t>Click to edit Master text styles</a:t>
-            </a:r>
-          </a:p>
-          <a:p>
-            <a:pPr lvl="1"/>
-            <a:r>
-              <a:rPr lang="en-US" smtClean="0"/>
-              <a:t>Second level</a:t>
-            </a:r>
-          </a:p>
-          <a:p>
-            <a:pPr lvl="2"/>
-            <a:r>
-              <a:rPr lang="en-US" smtClean="0"/>
-              <a:t>Third level</a:t>
-            </a:r>
-          </a:p>
-          <a:p>
-            <a:pPr lvl="3"/>
-            <a:r>
-              <a:rPr lang="en-US" smtClean="0"/>
-              <a:t>Fourth level</a:t>
-            </a:r>
-          </a:p>
-          <a:p>
-            <a:pPr lvl="4"/>
-            <a:r>
-              <a:rPr lang="en-US" smtClean="0"/>
-              <a:t>Fifth level</a:t>
-            </a:r>
-            <a:endParaRPr lang="en-US"/>
-          </a:p>
-        </p:txBody>
-      </p:sp>
-      <p:sp>
-        <p:nvSpPr>
-          <p:cNvPr id="11" name="Content Placeholder 10"/>
-          <p:cNvSpPr>
-            <a:spLocks noGrp="1"/>
-          </p:cNvSpPr>
-          <p:nvPr>
-            <p:ph sz="quarter" idx="14"/>
-          </p:nvPr>
-        </p:nvSpPr>
-        <p:spPr>
-          <a:xfrm>
-            <a:off x="4663440" y="2119313"/>
-            <a:ext cx="3200400" cy="3605212"/>
-          </a:xfrm>
-        </p:spPr>
-        <p:txBody>
-          <a:bodyPr/>
-          <a:lstStyle/>
-          <a:p>
-            <a:pPr lvl="0"/>
-            <a:r>
-              <a:rPr lang="en-US" smtClean="0"/>
-              <a:t>Click to edit Master text styles</a:t>
-            </a:r>
-          </a:p>
-          <a:p>
-            <a:pPr lvl="1"/>
-            <a:r>
-              <a:rPr lang="en-US" smtClean="0"/>
-              <a:t>Second level</a:t>
-            </a:r>
-          </a:p>
-          <a:p>
-            <a:pPr lvl="2"/>
-            <a:r>
-              <a:rPr lang="en-US" smtClean="0"/>
-              <a:t>Third level</a:t>
-            </a:r>
-          </a:p>
-          <a:p>
-            <a:pPr lvl="3"/>
-            <a:r>
-              <a:rPr lang="en-US" smtClean="0"/>
-              <a:t>Fourth level</a:t>
-            </a:r>
-          </a:p>
-          <a:p>
-            <a:pPr lvl="4"/>
-            <a:r>
-              <a:rPr lang="en-US" smtClean="0"/>
-              <a:t>Fifth level</a:t>
-            </a:r>
             <a:endParaRPr lang="en-US"/>
           </a:p>
         </p:txBody>
@@ -1820,168 +1864,313 @@
             <p:ph type="title"/>
           </p:nvPr>
         </p:nvSpPr>
-        <p:spPr/>
+        <p:spPr>
+          <a:xfrm>
+            <a:off x="381000" y="1143000"/>
+            <a:ext cx="8382000" cy="1069848"/>
+          </a:xfrm>
+        </p:spPr>
+        <p:txBody>
+          <a:bodyPr anchor="ctr"/>
+          <a:lstStyle>
+            <a:lvl1pPr>
+              <a:defRPr sz="4000" b="0" i="0" cap="none" baseline="0"/>
+            </a:lvl1pPr>
+          </a:lstStyle>
+          <a:p>
+            <a:r>
+              <a:rPr kumimoji="0" lang="en-US" smtClean="0"/>
+              <a:t>Click to edit Master title style</a:t>
+            </a:r>
+            <a:endParaRPr kumimoji="0" lang="en-US"/>
+          </a:p>
+        </p:txBody>
+      </p:sp>
+      <p:sp>
+        <p:nvSpPr>
+          <p:cNvPr id="3" name="Text Placeholder 2"/>
+          <p:cNvSpPr>
+            <a:spLocks noGrp="1"/>
+          </p:cNvSpPr>
+          <p:nvPr>
+            <p:ph type="body" idx="1"/>
+          </p:nvPr>
+        </p:nvSpPr>
+        <p:spPr>
+          <a:xfrm>
+            <a:off x="381000" y="2244970"/>
+            <a:ext cx="4041648" cy="457200"/>
+          </a:xfrm>
+          <a:solidFill>
+            <a:schemeClr val="accent2">
+              <a:satMod val="150000"/>
+              <a:alpha val="25000"/>
+            </a:schemeClr>
+          </a:solidFill>
+          <a:ln w="12700">
+            <a:solidFill>
+              <a:schemeClr val="accent2"/>
+            </a:solidFill>
+          </a:ln>
+        </p:spPr>
+        <p:txBody>
+          <a:bodyPr anchor="ctr">
+            <a:noAutofit/>
+          </a:bodyPr>
+          <a:lstStyle>
+            <a:lvl1pPr marL="45720" indent="0">
+              <a:buNone/>
+              <a:defRPr sz="1900" b="1">
+                <a:solidFill>
+                  <a:schemeClr val="tx1">
+                    <a:tint val="95000"/>
+                  </a:schemeClr>
+                </a:solidFill>
+              </a:defRPr>
+            </a:lvl1pPr>
+            <a:lvl2pPr>
+              <a:buNone/>
+              <a:defRPr sz="2000" b="1"/>
+            </a:lvl2pPr>
+            <a:lvl3pPr>
+              <a:buNone/>
+              <a:defRPr sz="1800" b="1"/>
+            </a:lvl3pPr>
+            <a:lvl4pPr>
+              <a:buNone/>
+              <a:defRPr sz="1600" b="1"/>
+            </a:lvl4pPr>
+            <a:lvl5pPr>
+              <a:buNone/>
+              <a:defRPr sz="1600" b="1"/>
+            </a:lvl5pPr>
+          </a:lstStyle>
+          <a:p>
+            <a:pPr lvl="0" eaLnBrk="1" latinLnBrk="0" hangingPunct="1"/>
+            <a:r>
+              <a:rPr kumimoji="0" lang="en-US" smtClean="0"/>
+              <a:t>Click to edit Master text styles</a:t>
+            </a:r>
+          </a:p>
+        </p:txBody>
+      </p:sp>
+      <p:sp>
+        <p:nvSpPr>
+          <p:cNvPr id="4" name="Text Placeholder 3"/>
+          <p:cNvSpPr>
+            <a:spLocks noGrp="1"/>
+          </p:cNvSpPr>
+          <p:nvPr>
+            <p:ph type="body" sz="half" idx="3"/>
+          </p:nvPr>
+        </p:nvSpPr>
+        <p:spPr>
+          <a:xfrm>
+            <a:off x="4721225" y="2244970"/>
+            <a:ext cx="4041775" cy="457200"/>
+          </a:xfrm>
+          <a:solidFill>
+            <a:schemeClr val="accent2">
+              <a:satMod val="150000"/>
+              <a:alpha val="25000"/>
+            </a:schemeClr>
+          </a:solidFill>
+          <a:ln w="12700">
+            <a:solidFill>
+              <a:schemeClr val="accent2"/>
+            </a:solidFill>
+          </a:ln>
+        </p:spPr>
+        <p:txBody>
+          <a:bodyPr anchor="ctr">
+            <a:noAutofit/>
+          </a:bodyPr>
+          <a:lstStyle>
+            <a:lvl1pPr marL="45720" indent="0">
+              <a:buNone/>
+              <a:defRPr sz="1900" b="1">
+                <a:solidFill>
+                  <a:schemeClr val="tx1">
+                    <a:tint val="95000"/>
+                  </a:schemeClr>
+                </a:solidFill>
+              </a:defRPr>
+            </a:lvl1pPr>
+            <a:lvl2pPr>
+              <a:buNone/>
+              <a:defRPr sz="2000" b="1"/>
+            </a:lvl2pPr>
+            <a:lvl3pPr>
+              <a:buNone/>
+              <a:defRPr sz="1800" b="1"/>
+            </a:lvl3pPr>
+            <a:lvl4pPr>
+              <a:buNone/>
+              <a:defRPr sz="1600" b="1"/>
+            </a:lvl4pPr>
+            <a:lvl5pPr>
+              <a:buNone/>
+              <a:defRPr sz="1600" b="1"/>
+            </a:lvl5pPr>
+          </a:lstStyle>
+          <a:p>
+            <a:pPr lvl="0" eaLnBrk="1" latinLnBrk="0" hangingPunct="1"/>
+            <a:r>
+              <a:rPr kumimoji="0" lang="en-US" smtClean="0"/>
+              <a:t>Click to edit Master text styles</a:t>
+            </a:r>
+          </a:p>
+        </p:txBody>
+      </p:sp>
+      <p:sp>
+        <p:nvSpPr>
+          <p:cNvPr id="5" name="Content Placeholder 4"/>
+          <p:cNvSpPr>
+            <a:spLocks noGrp="1"/>
+          </p:cNvSpPr>
+          <p:nvPr>
+            <p:ph sz="quarter" idx="2"/>
+          </p:nvPr>
+        </p:nvSpPr>
+        <p:spPr>
+          <a:xfrm>
+            <a:off x="381000" y="2708519"/>
+            <a:ext cx="4041648" cy="3886200"/>
+          </a:xfrm>
+        </p:spPr>
         <p:txBody>
           <a:bodyPr/>
           <a:lstStyle>
             <a:lvl1pPr>
-              <a:defRPr/>
+              <a:defRPr sz="2000"/>
             </a:lvl1pPr>
+            <a:lvl2pPr>
+              <a:defRPr sz="2000"/>
+            </a:lvl2pPr>
+            <a:lvl3pPr>
+              <a:defRPr sz="1800"/>
+            </a:lvl3pPr>
+            <a:lvl4pPr>
+              <a:defRPr sz="1600"/>
+            </a:lvl4pPr>
+            <a:lvl5pPr>
+              <a:defRPr sz="1600"/>
+            </a:lvl5pPr>
           </a:lstStyle>
           <a:p>
+            <a:pPr lvl="0" eaLnBrk="1" latinLnBrk="0" hangingPunct="1"/>
             <a:r>
               <a:rPr lang="en-US" smtClean="0"/>
-              <a:t>Click to edit Master title style</a:t>
-            </a:r>
-            <a:endParaRPr lang="en-US"/>
-          </a:p>
-        </p:txBody>
-      </p:sp>
-      <p:sp>
-        <p:nvSpPr>
-          <p:cNvPr id="3" name="Text Placeholder 2"/>
-          <p:cNvSpPr>
-            <a:spLocks noGrp="1"/>
-          </p:cNvSpPr>
-          <p:nvPr>
-            <p:ph type="body" idx="1"/>
+              <a:t>Click to edit Master text styles</a:t>
+            </a:r>
+          </a:p>
+          <a:p>
+            <a:pPr lvl="1" eaLnBrk="1" latinLnBrk="0" hangingPunct="1"/>
+            <a:r>
+              <a:rPr lang="en-US" smtClean="0"/>
+              <a:t>Second level</a:t>
+            </a:r>
+          </a:p>
+          <a:p>
+            <a:pPr lvl="2" eaLnBrk="1" latinLnBrk="0" hangingPunct="1"/>
+            <a:r>
+              <a:rPr lang="en-US" smtClean="0"/>
+              <a:t>Third level</a:t>
+            </a:r>
+          </a:p>
+          <a:p>
+            <a:pPr lvl="3" eaLnBrk="1" latinLnBrk="0" hangingPunct="1"/>
+            <a:r>
+              <a:rPr lang="en-US" smtClean="0"/>
+              <a:t>Fourth level</a:t>
+            </a:r>
+          </a:p>
+          <a:p>
+            <a:pPr lvl="4" eaLnBrk="1" latinLnBrk="0" hangingPunct="1"/>
+            <a:r>
+              <a:rPr lang="en-US" smtClean="0"/>
+              <a:t>Fifth level</a:t>
+            </a:r>
+            <a:endParaRPr kumimoji="0" lang="en-US"/>
+          </a:p>
+        </p:txBody>
+      </p:sp>
+      <p:sp>
+        <p:nvSpPr>
+          <p:cNvPr id="6" name="Content Placeholder 5"/>
+          <p:cNvSpPr>
+            <a:spLocks noGrp="1"/>
+          </p:cNvSpPr>
+          <p:nvPr>
+            <p:ph sz="quarter" idx="4"/>
           </p:nvPr>
         </p:nvSpPr>
         <p:spPr>
           <a:xfrm>
-            <a:off x="1557869" y="2122312"/>
-            <a:ext cx="2939521" cy="820208"/>
+            <a:off x="4718304" y="2708519"/>
+            <a:ext cx="4041775" cy="3886200"/>
           </a:xfrm>
         </p:spPr>
         <p:txBody>
-          <a:bodyPr anchor="b">
-            <a:normAutofit/>
-          </a:bodyPr>
+          <a:bodyPr/>
           <a:lstStyle>
-            <a:lvl1pPr marL="0" indent="0" algn="ctr">
-              <a:buNone/>
-              <a:defRPr sz="2000" b="1">
-                <a:solidFill>
-                  <a:schemeClr val="tx2"/>
-                </a:solidFill>
-              </a:defRPr>
+            <a:lvl1pPr>
+              <a:defRPr sz="2000"/>
             </a:lvl1pPr>
-            <a:lvl2pPr marL="457200" indent="0">
-              <a:buNone/>
-              <a:defRPr sz="2000" b="1"/>
+            <a:lvl2pPr>
+              <a:defRPr sz="2000"/>
             </a:lvl2pPr>
-            <a:lvl3pPr marL="914400" indent="0">
-              <a:buNone/>
-              <a:defRPr sz="1800" b="1"/>
+            <a:lvl3pPr>
+              <a:defRPr sz="1800"/>
             </a:lvl3pPr>
-            <a:lvl4pPr marL="1371600" indent="0">
-              <a:buNone/>
-              <a:defRPr sz="1600" b="1"/>
+            <a:lvl4pPr>
+              <a:defRPr sz="1600"/>
             </a:lvl4pPr>
-            <a:lvl5pPr marL="1828800" indent="0">
-              <a:buNone/>
-              <a:defRPr sz="1600" b="1"/>
+            <a:lvl5pPr>
+              <a:defRPr sz="1600"/>
             </a:lvl5pPr>
-            <a:lvl6pPr marL="2286000" indent="0">
-              <a:buNone/>
-              <a:defRPr sz="1600" b="1"/>
-            </a:lvl6pPr>
-            <a:lvl7pPr marL="2743200" indent="0">
-              <a:buNone/>
-              <a:defRPr sz="1600" b="1"/>
-            </a:lvl7pPr>
-            <a:lvl8pPr marL="3200400" indent="0">
-              <a:buNone/>
-              <a:defRPr sz="1600" b="1"/>
-            </a:lvl8pPr>
-            <a:lvl9pPr marL="3657600" indent="0">
-              <a:buNone/>
-              <a:defRPr sz="1600" b="1"/>
-            </a:lvl9pPr>
           </a:lstStyle>
           <a:p>
-            <a:pPr lvl="0"/>
+            <a:pPr lvl="0" eaLnBrk="1" latinLnBrk="0" hangingPunct="1"/>
             <a:r>
               <a:rPr lang="en-US" smtClean="0"/>
               <a:t>Click to edit Master text styles</a:t>
             </a:r>
           </a:p>
-        </p:txBody>
-      </p:sp>
-      <p:sp>
-        <p:nvSpPr>
-          <p:cNvPr id="5" name="Text Placeholder 4"/>
-          <p:cNvSpPr>
-            <a:spLocks noGrp="1"/>
-          </p:cNvSpPr>
-          <p:nvPr>
-            <p:ph type="body" sz="quarter" idx="3"/>
-          </p:nvPr>
-        </p:nvSpPr>
-        <p:spPr>
-          <a:xfrm>
-            <a:off x="4910669" y="2122311"/>
-            <a:ext cx="2944368" cy="822960"/>
-          </a:xfrm>
-        </p:spPr>
-        <p:txBody>
-          <a:bodyPr anchor="b">
-            <a:normAutofit/>
-          </a:bodyPr>
-          <a:lstStyle>
-            <a:lvl1pPr marL="0" indent="0" algn="ctr">
-              <a:buNone/>
-              <a:defRPr sz="2000" b="1">
-                <a:solidFill>
-                  <a:schemeClr val="tx2"/>
-                </a:solidFill>
-              </a:defRPr>
-            </a:lvl1pPr>
-            <a:lvl2pPr marL="457200" indent="0">
-              <a:buNone/>
-              <a:defRPr sz="2000" b="1"/>
-            </a:lvl2pPr>
-            <a:lvl3pPr marL="914400" indent="0">
-              <a:buNone/>
-              <a:defRPr sz="1800" b="1"/>
-            </a:lvl3pPr>
-            <a:lvl4pPr marL="1371600" indent="0">
-              <a:buNone/>
-              <a:defRPr sz="1600" b="1"/>
-            </a:lvl4pPr>
-            <a:lvl5pPr marL="1828800" indent="0">
-              <a:buNone/>
-              <a:defRPr sz="1600" b="1"/>
-            </a:lvl5pPr>
-            <a:lvl6pPr marL="2286000" indent="0">
-              <a:buNone/>
-              <a:defRPr sz="1600" b="1"/>
-            </a:lvl6pPr>
-            <a:lvl7pPr marL="2743200" indent="0">
-              <a:buNone/>
-              <a:defRPr sz="1600" b="1"/>
-            </a:lvl7pPr>
-            <a:lvl8pPr marL="3200400" indent="0">
-              <a:buNone/>
-              <a:defRPr sz="1600" b="1"/>
-            </a:lvl8pPr>
-            <a:lvl9pPr marL="3657600" indent="0">
-              <a:buNone/>
-              <a:defRPr sz="1600" b="1"/>
-            </a:lvl9pPr>
-          </a:lstStyle>
-          <a:p>
-            <a:pPr lvl="0"/>
+          <a:p>
+            <a:pPr lvl="1" eaLnBrk="1" latinLnBrk="0" hangingPunct="1"/>
             <a:r>
               <a:rPr lang="en-US" smtClean="0"/>
-              <a:t>Click to edit Master text styles</a:t>
-            </a:r>
-          </a:p>
-        </p:txBody>
-      </p:sp>
-      <p:sp>
-        <p:nvSpPr>
-          <p:cNvPr id="7" name="Date Placeholder 6"/>
+              <a:t>Second level</a:t>
+            </a:r>
+          </a:p>
+          <a:p>
+            <a:pPr lvl="2" eaLnBrk="1" latinLnBrk="0" hangingPunct="1"/>
+            <a:r>
+              <a:rPr lang="en-US" smtClean="0"/>
+              <a:t>Third level</a:t>
+            </a:r>
+          </a:p>
+          <a:p>
+            <a:pPr lvl="3" eaLnBrk="1" latinLnBrk="0" hangingPunct="1"/>
+            <a:r>
+              <a:rPr lang="en-US" smtClean="0"/>
+              <a:t>Fourth level</a:t>
+            </a:r>
+          </a:p>
+          <a:p>
+            <a:pPr lvl="4" eaLnBrk="1" latinLnBrk="0" hangingPunct="1"/>
+            <a:r>
+              <a:rPr lang="en-US" smtClean="0"/>
+              <a:t>Fifth level</a:t>
+            </a:r>
+            <a:endParaRPr kumimoji="0" lang="en-US"/>
+          </a:p>
+        </p:txBody>
+      </p:sp>
+      <p:sp>
+        <p:nvSpPr>
+          <p:cNvPr id="26" name="Date Placeholder 25"/>
           <p:cNvSpPr>
             <a:spLocks noGrp="1"/>
           </p:cNvSpPr>
@@ -1991,12 +2180,12 @@
         </p:nvSpPr>
         <p:spPr/>
         <p:txBody>
-          <a:bodyPr/>
+          <a:bodyPr rtlCol="0"/>
           <a:lstStyle/>
           <a:p>
             <a:fld id="{64A11B57-DEF7-4D73-A804-611474AE0F91}" type="datetimeFigureOut">
               <a:rPr lang="en-US" smtClean="0"/>
-              <a:t>1/13/2022</a:t>
+              <a:t>1/14/2022</a:t>
             </a:fld>
             <a:endParaRPr lang="en-US"/>
           </a:p>
@@ -2004,36 +2193,17 @@
       </p:sp>
       <p:sp>
         <p:nvSpPr>
-          <p:cNvPr id="8" name="Footer Placeholder 7"/>
-          <p:cNvSpPr>
-            <a:spLocks noGrp="1"/>
-          </p:cNvSpPr>
-          <p:nvPr>
-            <p:ph type="ftr" sz="quarter" idx="11"/>
+          <p:cNvPr id="27" name="Slide Number Placeholder 26"/>
+          <p:cNvSpPr>
+            <a:spLocks noGrp="1"/>
+          </p:cNvSpPr>
+          <p:nvPr>
+            <p:ph type="sldNum" sz="quarter" idx="11"/>
           </p:nvPr>
         </p:nvSpPr>
         <p:spPr/>
         <p:txBody>
-          <a:bodyPr/>
-          <a:lstStyle/>
-          <a:p>
-            <a:endParaRPr lang="en-US"/>
-          </a:p>
-        </p:txBody>
-      </p:sp>
-      <p:sp>
-        <p:nvSpPr>
-          <p:cNvPr id="9" name="Slide Number Placeholder 8"/>
-          <p:cNvSpPr>
-            <a:spLocks noGrp="1"/>
-          </p:cNvSpPr>
-          <p:nvPr>
-            <p:ph type="sldNum" sz="quarter" idx="12"/>
-          </p:nvPr>
-        </p:nvSpPr>
-        <p:spPr/>
-        <p:txBody>
-          <a:bodyPr/>
+          <a:bodyPr rtlCol="0"/>
           <a:lstStyle/>
           <a:p>
             <a:fld id="{BB36F8CF-C58C-4D72-862C-C814AB9691A3}" type="slidenum">
@@ -2046,114 +2216,19 @@
       </p:sp>
       <p:sp>
         <p:nvSpPr>
-          <p:cNvPr id="11" name="Content Placeholder 10"/>
-          <p:cNvSpPr>
-            <a:spLocks noGrp="1"/>
-          </p:cNvSpPr>
-          <p:nvPr>
-            <p:ph sz="quarter" idx="13"/>
-          </p:nvPr>
-        </p:nvSpPr>
-        <p:spPr>
-          <a:xfrm>
-            <a:off x="1298448" y="2944368"/>
-            <a:ext cx="3227832" cy="2779776"/>
-          </a:xfrm>
-        </p:spPr>
-        <p:txBody>
-          <a:bodyPr/>
-          <a:lstStyle/>
-          <a:p>
-            <a:pPr lvl="0"/>
-            <a:r>
-              <a:rPr lang="en-US" smtClean="0"/>
-              <a:t>Click to edit Master text styles</a:t>
-            </a:r>
-          </a:p>
-          <a:p>
-            <a:pPr lvl="1"/>
-            <a:r>
-              <a:rPr lang="en-US" smtClean="0"/>
-              <a:t>Second level</a:t>
-            </a:r>
-          </a:p>
-          <a:p>
-            <a:pPr lvl="2"/>
-            <a:r>
-              <a:rPr lang="en-US" smtClean="0"/>
-              <a:t>Third level</a:t>
-            </a:r>
-          </a:p>
-          <a:p>
-            <a:pPr lvl="3"/>
-            <a:r>
-              <a:rPr lang="en-US" smtClean="0"/>
-              <a:t>Fourth level</a:t>
-            </a:r>
-          </a:p>
-          <a:p>
-            <a:pPr lvl="4"/>
-            <a:r>
-              <a:rPr lang="en-US" smtClean="0"/>
-              <a:t>Fifth level</a:t>
-            </a:r>
-            <a:endParaRPr lang="en-US" dirty="0"/>
-          </a:p>
-        </p:txBody>
-      </p:sp>
-      <p:sp>
-        <p:nvSpPr>
-          <p:cNvPr id="13" name="Content Placeholder 12"/>
-          <p:cNvSpPr>
-            <a:spLocks noGrp="1"/>
-          </p:cNvSpPr>
-          <p:nvPr>
-            <p:ph sz="quarter" idx="14"/>
-          </p:nvPr>
-        </p:nvSpPr>
-        <p:spPr>
-          <a:xfrm>
-            <a:off x="4645151" y="2944813"/>
-            <a:ext cx="3227832" cy="2779776"/>
-          </a:xfrm>
-        </p:spPr>
-        <p:txBody>
-          <a:bodyPr/>
-          <a:lstStyle/>
-          <a:p>
-            <a:pPr lvl="0"/>
-            <a:r>
-              <a:rPr lang="en-US" smtClean="0"/>
-              <a:t>Click to edit Master text styles</a:t>
-            </a:r>
-          </a:p>
-          <a:p>
-            <a:pPr lvl="1"/>
-            <a:r>
-              <a:rPr lang="en-US" smtClean="0"/>
-              <a:t>Second level</a:t>
-            </a:r>
-          </a:p>
-          <a:p>
-            <a:pPr lvl="2"/>
-            <a:r>
-              <a:rPr lang="en-US" smtClean="0"/>
-              <a:t>Third level</a:t>
-            </a:r>
-          </a:p>
-          <a:p>
-            <a:pPr lvl="3"/>
-            <a:r>
-              <a:rPr lang="en-US" smtClean="0"/>
-              <a:t>Fourth level</a:t>
-            </a:r>
-          </a:p>
-          <a:p>
-            <a:pPr lvl="4"/>
-            <a:r>
-              <a:rPr lang="en-US" smtClean="0"/>
-              <a:t>Fifth level</a:t>
-            </a:r>
+          <p:cNvPr id="28" name="Footer Placeholder 27"/>
+          <p:cNvSpPr>
+            <a:spLocks noGrp="1"/>
+          </p:cNvSpPr>
+          <p:nvPr>
+            <p:ph type="ftr" sz="quarter" idx="12"/>
+          </p:nvPr>
+        </p:nvSpPr>
+        <p:spPr/>
+        <p:txBody>
+          <a:bodyPr rtlCol="0"/>
+          <a:lstStyle/>
+          <a:p>
             <a:endParaRPr lang="en-US"/>
           </a:p>
         </p:txBody>
@@ -2193,16 +2268,29 @@
             <p:ph type="title"/>
           </p:nvPr>
         </p:nvSpPr>
-        <p:spPr/>
-        <p:txBody>
-          <a:bodyPr/>
-          <a:lstStyle/>
-          <a:p>
-            <a:r>
-              <a:rPr lang="en-US" smtClean="0"/>
+        <p:spPr>
+          <a:xfrm>
+            <a:off x="457200" y="1143000"/>
+            <a:ext cx="8229600" cy="1069848"/>
+          </a:xfrm>
+        </p:spPr>
+        <p:txBody>
+          <a:bodyPr anchor="ctr"/>
+          <a:lstStyle>
+            <a:lvl1pPr>
+              <a:defRPr sz="4000">
+                <a:solidFill>
+                  <a:schemeClr val="tx2"/>
+                </a:solidFill>
+              </a:defRPr>
+            </a:lvl1pPr>
+          </a:lstStyle>
+          <a:p>
+            <a:r>
+              <a:rPr kumimoji="0" lang="en-US" smtClean="0"/>
               <a:t>Click to edit Master title style</a:t>
             </a:r>
-            <a:endParaRPr lang="en-US"/>
+            <a:endParaRPr kumimoji="0" lang="en-US"/>
           </a:p>
         </p:txBody>
       </p:sp>
@@ -2216,14 +2304,19 @@
             <p:ph type="dt" sz="half" idx="10"/>
           </p:nvPr>
         </p:nvSpPr>
-        <p:spPr/>
+        <p:spPr>
+          <a:xfrm>
+            <a:off x="6583680" y="612648"/>
+            <a:ext cx="957264" cy="457200"/>
+          </a:xfrm>
+        </p:spPr>
         <p:txBody>
           <a:bodyPr/>
           <a:lstStyle/>
           <a:p>
             <a:fld id="{64A11B57-DEF7-4D73-A804-611474AE0F91}" type="datetimeFigureOut">
               <a:rPr lang="en-US" smtClean="0"/>
-              <a:t>1/13/2022</a:t>
+              <a:t>1/14/2022</a:t>
             </a:fld>
             <a:endParaRPr lang="en-US"/>
           </a:p>
@@ -2239,7 +2332,12 @@
             <p:ph type="ftr" sz="quarter" idx="11"/>
           </p:nvPr>
         </p:nvSpPr>
-        <p:spPr/>
+        <p:spPr>
+          <a:xfrm>
+            <a:off x="5257800" y="612648"/>
+            <a:ext cx="1325880" cy="457200"/>
+          </a:xfrm>
+        </p:spPr>
         <p:txBody>
           <a:bodyPr/>
           <a:lstStyle/>
@@ -2258,7 +2356,12 @@
             <p:ph type="sldNum" sz="quarter" idx="12"/>
           </p:nvPr>
         </p:nvSpPr>
-        <p:spPr/>
+        <p:spPr>
+          <a:xfrm>
+            <a:off x="8174736" y="2272"/>
+            <a:ext cx="762000" cy="365760"/>
+          </a:xfrm>
+        </p:spPr>
         <p:txBody>
           <a:bodyPr/>
           <a:lstStyle/>
@@ -2313,7 +2416,7 @@
           <a:p>
             <a:fld id="{64A11B57-DEF7-4D73-A804-611474AE0F91}" type="datetimeFigureOut">
               <a:rPr lang="en-US" smtClean="0"/>
-              <a:t>1/13/2022</a:t>
+              <a:t>1/14/2022</a:t>
             </a:fld>
             <a:endParaRPr lang="en-US"/>
           </a:p>
@@ -2370,7 +2473,7 @@
 </file>
 
 <file path=ppt/slideLayouts/slideLayout8.xml><?xml version="1.0" encoding="utf-8"?>
-<p:sldLayout xmlns:a="http://schemas.openxmlformats.org/drawingml/2006/main" xmlns:r="http://schemas.openxmlformats.org/officeDocument/2006/relationships" xmlns:p="http://schemas.openxmlformats.org/presentationml/2006/main" showMasterSp="0" type="objTx" preserve="1">
+<p:sldLayout xmlns:a="http://schemas.openxmlformats.org/drawingml/2006/main" xmlns:r="http://schemas.openxmlformats.org/officeDocument/2006/relationships" xmlns:p="http://schemas.openxmlformats.org/presentationml/2006/main" type="objTx" preserve="1">
   <p:cSld name="Content with Caption">
     <p:spTree>
       <p:nvGrpSpPr>
@@ -2386,736 +2489,159 @@
           <a:chExt cx="0" cy="0"/>
         </a:xfrm>
       </p:grpSpPr>
-      <p:grpSp>
-        <p:nvGrpSpPr>
-          <p:cNvPr id="8" name="Group 15"/>
-          <p:cNvGrpSpPr/>
-          <p:nvPr/>
-        </p:nvGrpSpPr>
-        <p:grpSpPr>
+      <p:sp>
+        <p:nvSpPr>
+          <p:cNvPr id="2" name="Title 1"/>
+          <p:cNvSpPr>
+            <a:spLocks noGrp="1"/>
+          </p:cNvSpPr>
+          <p:nvPr>
+            <p:ph type="title"/>
+          </p:nvPr>
+        </p:nvSpPr>
+        <p:spPr>
           <a:xfrm>
-            <a:off x="0" y="0"/>
-            <a:ext cx="9144000" cy="6858000"/>
-            <a:chOff x="0" y="0"/>
-            <a:chExt cx="9144000" cy="6858000"/>
-          </a:xfrm>
-        </p:grpSpPr>
-        <p:sp>
-          <p:nvSpPr>
-            <p:cNvPr id="9" name="Rectangle 8"/>
-            <p:cNvSpPr/>
-            <p:nvPr/>
-          </p:nvSpPr>
-          <p:spPr>
-            <a:xfrm>
-              <a:off x="0" y="0"/>
-              <a:ext cx="7162800" cy="6858000"/>
-            </a:xfrm>
-            <a:prstGeom prst="rect">
-              <a:avLst/>
-            </a:prstGeom>
-            <a:gradFill flip="none" rotWithShape="1">
-              <a:gsLst>
-                <a:gs pos="0">
-                  <a:srgbClr val="010101">
-                    <a:alpha val="51765"/>
-                  </a:srgbClr>
-                </a:gs>
-                <a:gs pos="60000">
-                  <a:srgbClr val="FEFEFE">
-                    <a:alpha val="0"/>
-                  </a:srgbClr>
-                </a:gs>
-              </a:gsLst>
-              <a:path path="circle">
-                <a:fillToRect t="100000" r="100000"/>
-              </a:path>
-              <a:tileRect l="-100000" b="-100000"/>
-            </a:gradFill>
-            <a:ln>
-              <a:noFill/>
-            </a:ln>
-          </p:spPr>
-          <p:style>
-            <a:lnRef idx="2">
-              <a:schemeClr val="accent1">
-                <a:shade val="50000"/>
-              </a:schemeClr>
-            </a:lnRef>
-            <a:fillRef idx="1">
-              <a:schemeClr val="accent1"/>
-            </a:fillRef>
-            <a:effectRef idx="0">
-              <a:schemeClr val="accent1"/>
-            </a:effectRef>
-            <a:fontRef idx="minor">
-              <a:schemeClr val="lt1"/>
-            </a:fontRef>
-          </p:style>
-          <p:txBody>
-            <a:bodyPr rtlCol="0" anchor="ctr"/>
-            <a:lstStyle/>
-            <a:p>
-              <a:pPr algn="ctr"/>
-              <a:endParaRPr lang="en-US"/>
-            </a:p>
-          </p:txBody>
-        </p:sp>
-        <p:sp>
-          <p:nvSpPr>
-            <p:cNvPr id="10" name="Rectangle 9"/>
-            <p:cNvSpPr/>
-            <p:nvPr/>
-          </p:nvSpPr>
-          <p:spPr>
-            <a:xfrm>
-              <a:off x="1143000" y="0"/>
-              <a:ext cx="8001000" cy="6858000"/>
-            </a:xfrm>
-            <a:prstGeom prst="rect">
-              <a:avLst/>
-            </a:prstGeom>
-            <a:gradFill flip="none" rotWithShape="1">
-              <a:gsLst>
-                <a:gs pos="0">
-                  <a:srgbClr val="010101">
-                    <a:alpha val="56000"/>
-                  </a:srgbClr>
-                </a:gs>
-                <a:gs pos="61000">
-                  <a:srgbClr val="FEFEFE">
-                    <a:alpha val="0"/>
-                  </a:srgbClr>
-                </a:gs>
-              </a:gsLst>
-              <a:path path="circle">
-                <a:fillToRect l="100000" t="100000"/>
-              </a:path>
-              <a:tileRect r="-100000" b="-100000"/>
-            </a:gradFill>
-            <a:ln>
-              <a:noFill/>
-            </a:ln>
-          </p:spPr>
-          <p:style>
-            <a:lnRef idx="2">
-              <a:schemeClr val="accent1">
-                <a:shade val="50000"/>
-              </a:schemeClr>
-            </a:lnRef>
-            <a:fillRef idx="1">
-              <a:schemeClr val="accent1"/>
-            </a:fillRef>
-            <a:effectRef idx="0">
-              <a:schemeClr val="accent1"/>
-            </a:effectRef>
-            <a:fontRef idx="minor">
-              <a:schemeClr val="lt1"/>
-            </a:fontRef>
-          </p:style>
-          <p:txBody>
-            <a:bodyPr rtlCol="0" anchor="ctr"/>
-            <a:lstStyle/>
-            <a:p>
-              <a:pPr algn="ctr"/>
-              <a:endParaRPr lang="en-US"/>
-            </a:p>
-          </p:txBody>
-        </p:sp>
-      </p:grpSp>
-      <p:sp>
-        <p:nvSpPr>
-          <p:cNvPr id="11" name="Freeform 10"/>
-          <p:cNvSpPr/>
-          <p:nvPr/>
-        </p:nvSpPr>
-        <p:spPr>
-          <a:xfrm rot="10800000">
-            <a:off x="632177" y="6058038"/>
-            <a:ext cx="7721601" cy="537210"/>
-          </a:xfrm>
-          <a:custGeom>
-            <a:avLst/>
-            <a:gdLst>
-              <a:gd name="connsiteX0" fmla="*/ 0 w 7955280"/>
-              <a:gd name="connsiteY0" fmla="*/ 495300 h 495300"/>
-              <a:gd name="connsiteX1" fmla="*/ 169546 w 7955280"/>
-              <a:gd name="connsiteY1" fmla="*/ 0 h 495300"/>
-              <a:gd name="connsiteX2" fmla="*/ 7785734 w 7955280"/>
-              <a:gd name="connsiteY2" fmla="*/ 0 h 495300"/>
-              <a:gd name="connsiteX3" fmla="*/ 7955280 w 7955280"/>
-              <a:gd name="connsiteY3" fmla="*/ 495300 h 495300"/>
-              <a:gd name="connsiteX4" fmla="*/ 0 w 7955280"/>
-              <a:gd name="connsiteY4" fmla="*/ 495300 h 495300"/>
-              <a:gd name="connsiteX0" fmla="*/ 0 w 7955280"/>
-              <a:gd name="connsiteY0" fmla="*/ 495300 h 495300"/>
-              <a:gd name="connsiteX1" fmla="*/ 169546 w 7955280"/>
-              <a:gd name="connsiteY1" fmla="*/ 0 h 495300"/>
-              <a:gd name="connsiteX2" fmla="*/ 3966210 w 7955280"/>
-              <a:gd name="connsiteY2" fmla="*/ 95250 h 495300"/>
-              <a:gd name="connsiteX3" fmla="*/ 7785734 w 7955280"/>
-              <a:gd name="connsiteY3" fmla="*/ 0 h 495300"/>
-              <a:gd name="connsiteX4" fmla="*/ 7955280 w 7955280"/>
-              <a:gd name="connsiteY4" fmla="*/ 495300 h 495300"/>
-              <a:gd name="connsiteX5" fmla="*/ 0 w 7955280"/>
-              <a:gd name="connsiteY5" fmla="*/ 495300 h 495300"/>
-            </a:gdLst>
-            <a:ahLst/>
-            <a:cxnLst>
-              <a:cxn ang="0">
-                <a:pos x="connsiteX0" y="connsiteY0"/>
-              </a:cxn>
-              <a:cxn ang="0">
-                <a:pos x="connsiteX1" y="connsiteY1"/>
-              </a:cxn>
-              <a:cxn ang="0">
-                <a:pos x="connsiteX2" y="connsiteY2"/>
-              </a:cxn>
-              <a:cxn ang="0">
-                <a:pos x="connsiteX3" y="connsiteY3"/>
-              </a:cxn>
-              <a:cxn ang="0">
-                <a:pos x="connsiteX4" y="connsiteY4"/>
-              </a:cxn>
-              <a:cxn ang="0">
-                <a:pos x="connsiteX5" y="connsiteY5"/>
-              </a:cxn>
-            </a:cxnLst>
-            <a:rect l="l" t="t" r="r" b="b"/>
-            <a:pathLst>
-              <a:path w="7955280" h="495300">
-                <a:moveTo>
-                  <a:pt x="0" y="495300"/>
-                </a:moveTo>
-                <a:lnTo>
-                  <a:pt x="169546" y="0"/>
-                </a:lnTo>
-                <a:lnTo>
-                  <a:pt x="3966210" y="95250"/>
-                </a:lnTo>
-                <a:lnTo>
-                  <a:pt x="7785734" y="0"/>
-                </a:lnTo>
-                <a:lnTo>
-                  <a:pt x="7955280" y="495300"/>
-                </a:lnTo>
-                <a:lnTo>
-                  <a:pt x="0" y="495300"/>
-                </a:lnTo>
-                <a:close/>
-              </a:path>
-            </a:pathLst>
-          </a:custGeom>
-          <a:gradFill flip="none" rotWithShape="1">
-            <a:gsLst>
-              <a:gs pos="30000">
-                <a:srgbClr val="010101">
-                  <a:alpha val="34000"/>
-                </a:srgbClr>
-              </a:gs>
-              <a:gs pos="100000">
-                <a:srgbClr val="010101">
-                  <a:alpha val="26000"/>
-                </a:srgbClr>
-              </a:gs>
-            </a:gsLst>
-            <a:path path="circle">
-              <a:fillToRect l="50000" t="50000" r="50000" b="50000"/>
-            </a:path>
-            <a:tileRect/>
-          </a:gradFill>
-          <a:ln>
-            <a:noFill/>
-          </a:ln>
-          <a:effectLst>
-            <a:softEdge rad="127000"/>
-          </a:effectLst>
-        </p:spPr>
-        <p:style>
-          <a:lnRef idx="2">
-            <a:schemeClr val="accent1">
-              <a:shade val="50000"/>
-            </a:schemeClr>
-          </a:lnRef>
-          <a:fillRef idx="1">
-            <a:schemeClr val="accent1"/>
-          </a:fillRef>
-          <a:effectRef idx="0">
-            <a:schemeClr val="accent1"/>
-          </a:effectRef>
-          <a:fontRef idx="minor">
-            <a:schemeClr val="lt1"/>
-          </a:fontRef>
-        </p:style>
-        <p:txBody>
-          <a:bodyPr rtlCol="0" anchor="ctr"/>
-          <a:lstStyle/>
-          <a:p>
-            <a:pPr algn="ctr"/>
-            <a:endParaRPr lang="en-US"/>
-          </a:p>
-        </p:txBody>
-      </p:sp>
-      <p:sp>
-        <p:nvSpPr>
-          <p:cNvPr id="16" name="Rectangle 15"/>
-          <p:cNvSpPr/>
-          <p:nvPr/>
-        </p:nvSpPr>
-        <p:spPr>
-          <a:xfrm rot="60000">
-            <a:off x="4468872" y="605163"/>
-            <a:ext cx="3788941" cy="5722296"/>
-          </a:xfrm>
-          <a:prstGeom prst="rect">
-            <a:avLst/>
-          </a:prstGeom>
-          <a:solidFill>
-            <a:schemeClr val="bg1"/>
-          </a:solidFill>
-          <a:ln w="6350">
-            <a:noFill/>
-          </a:ln>
-          <a:effectLst>
-            <a:outerShdw blurRad="101600" dist="50800" dir="5400000" algn="t" rotWithShape="0">
-              <a:prstClr val="black">
-                <a:alpha val="20000"/>
-              </a:prstClr>
-            </a:outerShdw>
-          </a:effectLst>
-        </p:spPr>
-        <p:style>
-          <a:lnRef idx="2">
-            <a:schemeClr val="accent1">
-              <a:shade val="50000"/>
-            </a:schemeClr>
-          </a:lnRef>
-          <a:fillRef idx="1">
-            <a:schemeClr val="accent1"/>
-          </a:fillRef>
-          <a:effectRef idx="0">
-            <a:schemeClr val="accent1"/>
-          </a:effectRef>
-          <a:fontRef idx="minor">
-            <a:schemeClr val="lt1"/>
-          </a:fontRef>
-        </p:style>
-        <p:txBody>
-          <a:bodyPr rtlCol="0" anchor="ctr"/>
-          <a:lstStyle/>
-          <a:p>
-            <a:pPr algn="ctr"/>
-            <a:endParaRPr lang="en-US"/>
-          </a:p>
-        </p:txBody>
-      </p:sp>
-      <p:sp>
-        <p:nvSpPr>
-          <p:cNvPr id="17" name="Rectangle 16"/>
-          <p:cNvSpPr/>
-          <p:nvPr/>
-        </p:nvSpPr>
-        <p:spPr>
-          <a:xfrm rot="60000">
-            <a:off x="4471416" y="603504"/>
-            <a:ext cx="3788941" cy="5722296"/>
-          </a:xfrm>
-          <a:prstGeom prst="rect">
-            <a:avLst/>
-          </a:prstGeom>
-          <a:blipFill dpi="0" rotWithShape="1">
-            <a:blip r:embed="rId2" cstate="print">
-              <a:alphaModFix amt="20000"/>
-              <a:grayscl/>
-              <a:lum contrast="12000"/>
-            </a:blip>
-            <a:srcRect/>
-            <a:tile tx="0" ty="0" sx="100000" sy="100000" flip="none" algn="tl"/>
-          </a:blipFill>
-          <a:ln w="6350">
-            <a:noFill/>
-          </a:ln>
-          <a:effectLst>
-            <a:outerShdw blurRad="101600" dist="50800" dir="5400000" algn="t" rotWithShape="0">
-              <a:prstClr val="black">
-                <a:alpha val="20000"/>
-              </a:prstClr>
-            </a:outerShdw>
-          </a:effectLst>
-        </p:spPr>
-        <p:style>
-          <a:lnRef idx="2">
-            <a:schemeClr val="accent1">
-              <a:shade val="50000"/>
-            </a:schemeClr>
-          </a:lnRef>
-          <a:fillRef idx="1">
-            <a:schemeClr val="accent1"/>
-          </a:fillRef>
-          <a:effectRef idx="0">
-            <a:schemeClr val="accent1"/>
-          </a:effectRef>
-          <a:fontRef idx="minor">
-            <a:schemeClr val="lt1"/>
-          </a:fontRef>
-        </p:style>
-        <p:txBody>
-          <a:bodyPr rtlCol="0" anchor="ctr"/>
-          <a:lstStyle/>
-          <a:p>
-            <a:pPr algn="ctr"/>
-            <a:endParaRPr lang="en-US"/>
-          </a:p>
-        </p:txBody>
-      </p:sp>
-      <p:sp>
-        <p:nvSpPr>
-          <p:cNvPr id="13" name="Rectangle 12"/>
-          <p:cNvSpPr/>
-          <p:nvPr/>
-        </p:nvSpPr>
-        <p:spPr>
-          <a:xfrm rot="21540000">
-            <a:off x="749204" y="576868"/>
-            <a:ext cx="3788941" cy="5722296"/>
-          </a:xfrm>
-          <a:prstGeom prst="rect">
-            <a:avLst/>
-          </a:prstGeom>
-          <a:solidFill>
-            <a:schemeClr val="bg1"/>
-          </a:solidFill>
-          <a:ln w="6350">
-            <a:noFill/>
-          </a:ln>
-          <a:effectLst>
-            <a:outerShdw blurRad="101600" dist="50800" dir="5400000" algn="t" rotWithShape="0">
-              <a:prstClr val="black">
-                <a:alpha val="20000"/>
-              </a:prstClr>
-            </a:outerShdw>
-          </a:effectLst>
-        </p:spPr>
-        <p:style>
-          <a:lnRef idx="2">
-            <a:schemeClr val="accent1">
-              <a:shade val="50000"/>
-            </a:schemeClr>
-          </a:lnRef>
-          <a:fillRef idx="1">
-            <a:schemeClr val="accent1"/>
-          </a:fillRef>
-          <a:effectRef idx="0">
-            <a:schemeClr val="accent1"/>
-          </a:effectRef>
-          <a:fontRef idx="minor">
-            <a:schemeClr val="lt1"/>
-          </a:fontRef>
-        </p:style>
-        <p:txBody>
-          <a:bodyPr rtlCol="0" anchor="ctr"/>
-          <a:lstStyle/>
-          <a:p>
-            <a:pPr algn="ctr"/>
-            <a:endParaRPr lang="en-US"/>
-          </a:p>
-        </p:txBody>
-      </p:sp>
-      <p:sp>
-        <p:nvSpPr>
-          <p:cNvPr id="14" name="Rectangle 13"/>
-          <p:cNvSpPr/>
-          <p:nvPr/>
-        </p:nvSpPr>
-        <p:spPr>
-          <a:xfrm rot="21540000">
-            <a:off x="749808" y="576072"/>
-            <a:ext cx="3788941" cy="5722296"/>
-          </a:xfrm>
-          <a:prstGeom prst="rect">
-            <a:avLst/>
-          </a:prstGeom>
-          <a:blipFill dpi="0" rotWithShape="1">
-            <a:blip r:embed="rId2" cstate="print">
-              <a:alphaModFix amt="20000"/>
-              <a:grayscl/>
-              <a:lum contrast="12000"/>
-            </a:blip>
-            <a:srcRect/>
-            <a:tile tx="0" ty="0" sx="100000" sy="100000" flip="none" algn="tl"/>
-          </a:blipFill>
-          <a:ln w="6350">
-            <a:noFill/>
-          </a:ln>
-          <a:effectLst>
-            <a:outerShdw blurRad="101600" dist="50800" dir="5400000" algn="t" rotWithShape="0">
-              <a:prstClr val="black">
-                <a:alpha val="20000"/>
-              </a:prstClr>
-            </a:outerShdw>
-          </a:effectLst>
-        </p:spPr>
-        <p:style>
-          <a:lnRef idx="2">
-            <a:schemeClr val="accent1">
-              <a:shade val="50000"/>
-            </a:schemeClr>
-          </a:lnRef>
-          <a:fillRef idx="1">
-            <a:schemeClr val="accent1"/>
-          </a:fillRef>
-          <a:effectRef idx="0">
-            <a:schemeClr val="accent1"/>
-          </a:effectRef>
-          <a:fontRef idx="minor">
-            <a:schemeClr val="lt1"/>
-          </a:fontRef>
-        </p:style>
-        <p:txBody>
-          <a:bodyPr rtlCol="0" anchor="ctr"/>
-          <a:lstStyle/>
-          <a:p>
-            <a:pPr algn="ctr"/>
-            <a:endParaRPr lang="en-US"/>
-          </a:p>
-        </p:txBody>
-      </p:sp>
-      <p:pic>
-        <p:nvPicPr>
-          <p:cNvPr id="18" name="Picture 2" descr="C:\Users\Administrator\Desktop\Pushpin Dev\Assets\pushpinLeft.png"/>
-          <p:cNvPicPr>
-            <a:picLocks noChangeAspect="1" noChangeArrowheads="1"/>
-          </p:cNvPicPr>
-          <p:nvPr/>
-        </p:nvPicPr>
-        <p:blipFill>
-          <a:blip r:embed="rId3" cstate="print"/>
-          <a:srcRect/>
-          <a:stretch>
-            <a:fillRect/>
-          </a:stretch>
-        </p:blipFill>
-        <p:spPr bwMode="auto">
-          <a:xfrm rot="1435684">
-            <a:off x="2371106" y="293953"/>
-            <a:ext cx="567831" cy="567830"/>
-          </a:xfrm>
-          <a:prstGeom prst="rect">
-            <a:avLst/>
-          </a:prstGeom>
-          <a:noFill/>
-        </p:spPr>
-      </p:pic>
-      <p:pic>
-        <p:nvPicPr>
-          <p:cNvPr id="19" name="Picture 2" descr="C:\Users\Administrator\Desktop\Pushpin Dev\Assets\pushpinLeft.png"/>
-          <p:cNvPicPr>
-            <a:picLocks noChangeAspect="1" noChangeArrowheads="1"/>
-          </p:cNvPicPr>
-          <p:nvPr/>
-        </p:nvPicPr>
-        <p:blipFill>
-          <a:blip r:embed="rId3" cstate="print"/>
-          <a:srcRect/>
-          <a:stretch>
-            <a:fillRect/>
-          </a:stretch>
-        </p:blipFill>
-        <p:spPr bwMode="auto">
-          <a:xfrm rot="4096196">
-            <a:off x="6279647" y="333163"/>
-            <a:ext cx="566928" cy="566928"/>
-          </a:xfrm>
-          <a:prstGeom prst="rect">
-            <a:avLst/>
-          </a:prstGeom>
-          <a:noFill/>
-        </p:spPr>
-      </p:pic>
-      <p:sp>
-        <p:nvSpPr>
-          <p:cNvPr id="2" name="Title 1"/>
-          <p:cNvSpPr>
-            <a:spLocks noGrp="1"/>
-          </p:cNvSpPr>
-          <p:nvPr>
-            <p:ph type="title"/>
-          </p:nvPr>
-        </p:nvSpPr>
-        <p:spPr>
-          <a:xfrm rot="-60000">
-            <a:off x="1108976" y="2020042"/>
-            <a:ext cx="3064827" cy="1503037"/>
+            <a:off x="5353496" y="1101970"/>
+            <a:ext cx="3383280" cy="877824"/>
           </a:xfrm>
         </p:spPr>
         <p:txBody>
-          <a:bodyPr anchor="b">
-            <a:normAutofit/>
-          </a:bodyPr>
+          <a:bodyPr anchor="b"/>
           <a:lstStyle>
-            <a:lvl1pPr algn="ctr">
-              <a:defRPr sz="2400" b="0"/>
+            <a:lvl1pPr algn="l">
+              <a:buNone/>
+              <a:defRPr sz="1800" b="1"/>
             </a:lvl1pPr>
           </a:lstStyle>
           <a:p>
             <a:r>
-              <a:rPr lang="en-US" smtClean="0"/>
+              <a:rPr kumimoji="0" lang="en-US" smtClean="0"/>
               <a:t>Click to edit Master title style</a:t>
             </a:r>
-            <a:endParaRPr lang="en-US"/>
-          </a:p>
-        </p:txBody>
-      </p:sp>
-      <p:sp>
-        <p:nvSpPr>
-          <p:cNvPr id="3" name="Content Placeholder 2"/>
-          <p:cNvSpPr>
-            <a:spLocks noGrp="1"/>
-          </p:cNvSpPr>
-          <p:nvPr>
-            <p:ph idx="1"/>
+            <a:endParaRPr kumimoji="0" lang="en-US"/>
+          </a:p>
+        </p:txBody>
+      </p:sp>
+      <p:sp>
+        <p:nvSpPr>
+          <p:cNvPr id="3" name="Text Placeholder 2"/>
+          <p:cNvSpPr>
+            <a:spLocks noGrp="1"/>
+          </p:cNvSpPr>
+          <p:nvPr>
+            <p:ph type="body" idx="2"/>
           </p:nvPr>
         </p:nvSpPr>
         <p:spPr>
-          <a:xfrm rot="60000">
-            <a:off x="4854291" y="1150993"/>
-            <a:ext cx="3020792" cy="4625489"/>
+          <a:xfrm>
+            <a:off x="5353496" y="2010727"/>
+            <a:ext cx="3383280" cy="4617720"/>
           </a:xfrm>
         </p:spPr>
         <p:txBody>
-          <a:bodyPr anchor="ctr"/>
+          <a:bodyPr/>
           <a:lstStyle>
-            <a:lvl1pPr>
-              <a:defRPr sz="2200"/>
+            <a:lvl1pPr marL="9144" indent="0">
+              <a:buNone/>
+              <a:defRPr sz="1400"/>
             </a:lvl1pPr>
             <a:lvl2pPr>
-              <a:defRPr sz="2000"/>
-            </a:lvl2pPr>
-            <a:lvl3pPr>
-              <a:defRPr sz="1800"/>
-            </a:lvl3pPr>
-            <a:lvl4pPr>
-              <a:defRPr sz="1600"/>
-            </a:lvl4pPr>
-            <a:lvl5pPr>
-              <a:defRPr sz="1400"/>
-            </a:lvl5pPr>
-            <a:lvl6pPr>
-              <a:defRPr sz="2000"/>
-            </a:lvl6pPr>
-            <a:lvl7pPr>
-              <a:defRPr sz="2000"/>
-            </a:lvl7pPr>
-            <a:lvl8pPr>
-              <a:defRPr sz="2000"/>
-            </a:lvl8pPr>
-            <a:lvl9pPr>
-              <a:defRPr sz="2000"/>
-            </a:lvl9pPr>
-          </a:lstStyle>
-          <a:p>
-            <a:pPr lvl="0"/>
-            <a:r>
-              <a:rPr lang="en-US" smtClean="0"/>
-              <a:t>Click to edit Master text styles</a:t>
-            </a:r>
-          </a:p>
-          <a:p>
-            <a:pPr lvl="1"/>
-            <a:r>
-              <a:rPr lang="en-US" smtClean="0"/>
-              <a:t>Second level</a:t>
-            </a:r>
-          </a:p>
-          <a:p>
-            <a:pPr lvl="2"/>
-            <a:r>
-              <a:rPr lang="en-US" smtClean="0"/>
-              <a:t>Third level</a:t>
-            </a:r>
-          </a:p>
-          <a:p>
-            <a:pPr lvl="3"/>
-            <a:r>
-              <a:rPr lang="en-US" smtClean="0"/>
-              <a:t>Fourth level</a:t>
-            </a:r>
-          </a:p>
-          <a:p>
-            <a:pPr lvl="4"/>
-            <a:r>
-              <a:rPr lang="en-US" smtClean="0"/>
-              <a:t>Fifth level</a:t>
-            </a:r>
-            <a:endParaRPr lang="en-US" dirty="0"/>
-          </a:p>
-        </p:txBody>
-      </p:sp>
-      <p:sp>
-        <p:nvSpPr>
-          <p:cNvPr id="4" name="Text Placeholder 3"/>
-          <p:cNvSpPr>
-            <a:spLocks noGrp="1"/>
-          </p:cNvSpPr>
-          <p:nvPr>
-            <p:ph type="body" sz="half" idx="2"/>
-          </p:nvPr>
-        </p:nvSpPr>
-        <p:spPr>
-          <a:xfrm rot="-60000">
-            <a:off x="1148125" y="3623748"/>
-            <a:ext cx="3048891" cy="2100400"/>
-          </a:xfrm>
-        </p:spPr>
-        <p:txBody>
-          <a:bodyPr>
-            <a:normAutofit/>
-          </a:bodyPr>
-          <a:lstStyle>
-            <a:lvl1pPr marL="0" indent="0" algn="ctr">
-              <a:buNone/>
-              <a:defRPr sz="1600"/>
-            </a:lvl1pPr>
-            <a:lvl2pPr marL="457200" indent="0">
               <a:buNone/>
               <a:defRPr sz="1200"/>
             </a:lvl2pPr>
-            <a:lvl3pPr marL="914400" indent="0">
+            <a:lvl3pPr>
               <a:buNone/>
               <a:defRPr sz="1000"/>
             </a:lvl3pPr>
-            <a:lvl4pPr marL="1371600" indent="0">
+            <a:lvl4pPr>
               <a:buNone/>
               <a:defRPr sz="900"/>
             </a:lvl4pPr>
-            <a:lvl5pPr marL="1828800" indent="0">
+            <a:lvl5pPr>
               <a:buNone/>
               <a:defRPr sz="900"/>
             </a:lvl5pPr>
-            <a:lvl6pPr marL="2286000" indent="0">
-              <a:buNone/>
-              <a:defRPr sz="900"/>
-            </a:lvl6pPr>
-            <a:lvl7pPr marL="2743200" indent="0">
-              <a:buNone/>
-              <a:defRPr sz="900"/>
-            </a:lvl7pPr>
-            <a:lvl8pPr marL="3200400" indent="0">
-              <a:buNone/>
-              <a:defRPr sz="900"/>
-            </a:lvl8pPr>
-            <a:lvl9pPr marL="3657600" indent="0">
-              <a:buNone/>
-              <a:defRPr sz="900"/>
-            </a:lvl9pPr>
           </a:lstStyle>
           <a:p>
-            <a:pPr lvl="0"/>
+            <a:pPr lvl="0" eaLnBrk="1" latinLnBrk="0" hangingPunct="1"/>
+            <a:r>
+              <a:rPr kumimoji="0" lang="en-US" smtClean="0"/>
+              <a:t>Click to edit Master text styles</a:t>
+            </a:r>
+          </a:p>
+        </p:txBody>
+      </p:sp>
+      <p:sp>
+        <p:nvSpPr>
+          <p:cNvPr id="4" name="Content Placeholder 3"/>
+          <p:cNvSpPr>
+            <a:spLocks noGrp="1"/>
+          </p:cNvSpPr>
+          <p:nvPr>
+            <p:ph sz="half" idx="1"/>
+          </p:nvPr>
+        </p:nvSpPr>
+        <p:spPr>
+          <a:xfrm>
+            <a:off x="152400" y="776287"/>
+            <a:ext cx="5102352" cy="5852160"/>
+          </a:xfrm>
+        </p:spPr>
+        <p:txBody>
+          <a:bodyPr/>
+          <a:lstStyle>
+            <a:lvl1pPr>
+              <a:defRPr sz="3200"/>
+            </a:lvl1pPr>
+            <a:lvl2pPr>
+              <a:defRPr sz="2800"/>
+            </a:lvl2pPr>
+            <a:lvl3pPr>
+              <a:defRPr sz="2400"/>
+            </a:lvl3pPr>
+            <a:lvl4pPr>
+              <a:defRPr sz="2000"/>
+            </a:lvl4pPr>
+            <a:lvl5pPr>
+              <a:defRPr sz="2000"/>
+            </a:lvl5pPr>
+          </a:lstStyle>
+          <a:p>
+            <a:pPr lvl="0" eaLnBrk="1" latinLnBrk="0" hangingPunct="1"/>
             <a:r>
               <a:rPr lang="en-US" smtClean="0"/>
               <a:t>Click to edit Master text styles</a:t>
             </a:r>
           </a:p>
+          <a:p>
+            <a:pPr lvl="1" eaLnBrk="1" latinLnBrk="0" hangingPunct="1"/>
+            <a:r>
+              <a:rPr lang="en-US" smtClean="0"/>
+              <a:t>Second level</a:t>
+            </a:r>
+          </a:p>
+          <a:p>
+            <a:pPr lvl="2" eaLnBrk="1" latinLnBrk="0" hangingPunct="1"/>
+            <a:r>
+              <a:rPr lang="en-US" smtClean="0"/>
+              <a:t>Third level</a:t>
+            </a:r>
+          </a:p>
+          <a:p>
+            <a:pPr lvl="3" eaLnBrk="1" latinLnBrk="0" hangingPunct="1"/>
+            <a:r>
+              <a:rPr lang="en-US" smtClean="0"/>
+              <a:t>Fourth level</a:t>
+            </a:r>
+          </a:p>
+          <a:p>
+            <a:pPr lvl="4" eaLnBrk="1" latinLnBrk="0" hangingPunct="1"/>
+            <a:r>
+              <a:rPr lang="en-US" smtClean="0"/>
+              <a:t>Fifth level</a:t>
+            </a:r>
+            <a:endParaRPr kumimoji="0" lang="en-US"/>
+          </a:p>
         </p:txBody>
       </p:sp>
       <p:sp>
@@ -3128,19 +2654,14 @@
             <p:ph type="dt" sz="half" idx="10"/>
           </p:nvPr>
         </p:nvSpPr>
-        <p:spPr>
-          <a:xfrm rot="60000">
-            <a:off x="6341698" y="5885672"/>
-            <a:ext cx="1213821" cy="365125"/>
-          </a:xfrm>
-        </p:spPr>
+        <p:spPr/>
         <p:txBody>
           <a:bodyPr/>
           <a:lstStyle/>
           <a:p>
             <a:fld id="{64A11B57-DEF7-4D73-A804-611474AE0F91}" type="datetimeFigureOut">
               <a:rPr lang="en-US" smtClean="0"/>
-              <a:t>1/13/2022</a:t>
+              <a:t>1/14/2022</a:t>
             </a:fld>
             <a:endParaRPr lang="en-US"/>
           </a:p>
@@ -3156,12 +2677,7 @@
             <p:ph type="ftr" sz="quarter" idx="11"/>
           </p:nvPr>
         </p:nvSpPr>
-        <p:spPr>
-          <a:xfrm rot="-60000">
-            <a:off x="914554" y="5829261"/>
-            <a:ext cx="3522607" cy="365125"/>
-          </a:xfrm>
-        </p:spPr>
+        <p:spPr/>
         <p:txBody>
           <a:bodyPr/>
           <a:lstStyle/>
@@ -3180,12 +2696,7 @@
             <p:ph type="sldNum" sz="quarter" idx="12"/>
           </p:nvPr>
         </p:nvSpPr>
-        <p:spPr>
-          <a:xfrm rot="60000">
-            <a:off x="7557313" y="5896961"/>
-            <a:ext cx="554023" cy="365125"/>
-          </a:xfrm>
-        </p:spPr>
+        <p:spPr/>
         <p:txBody>
           <a:bodyPr/>
           <a:lstStyle/>
@@ -3207,7 +2718,7 @@
 </file>
 
 <file path=ppt/slideLayouts/slideLayout9.xml><?xml version="1.0" encoding="utf-8"?>
-<p:sldLayout xmlns:a="http://schemas.openxmlformats.org/drawingml/2006/main" xmlns:r="http://schemas.openxmlformats.org/officeDocument/2006/relationships" xmlns:p="http://schemas.openxmlformats.org/presentationml/2006/main" showMasterSp="0" type="picTx" preserve="1">
+<p:sldLayout xmlns:a="http://schemas.openxmlformats.org/drawingml/2006/main" xmlns:r="http://schemas.openxmlformats.org/officeDocument/2006/relationships" xmlns:p="http://schemas.openxmlformats.org/presentationml/2006/main" type="picTx" preserve="1">
   <p:cSld name="Picture with Caption">
     <p:spTree>
       <p:nvGrpSpPr>
@@ -3223,583 +2734,36 @@
           <a:chExt cx="0" cy="0"/>
         </a:xfrm>
       </p:grpSpPr>
-      <p:grpSp>
-        <p:nvGrpSpPr>
-          <p:cNvPr id="8" name="Group 15"/>
-          <p:cNvGrpSpPr/>
-          <p:nvPr/>
-        </p:nvGrpSpPr>
-        <p:grpSpPr>
+      <p:sp>
+        <p:nvSpPr>
+          <p:cNvPr id="2" name="Title 1"/>
+          <p:cNvSpPr>
+            <a:spLocks noGrp="1"/>
+          </p:cNvSpPr>
+          <p:nvPr>
+            <p:ph type="title"/>
+          </p:nvPr>
+        </p:nvSpPr>
+        <p:spPr>
           <a:xfrm>
-            <a:off x="0" y="0"/>
-            <a:ext cx="9144000" cy="6858000"/>
-            <a:chOff x="0" y="0"/>
-            <a:chExt cx="9144000" cy="6858000"/>
-          </a:xfrm>
-        </p:grpSpPr>
-        <p:sp>
-          <p:nvSpPr>
-            <p:cNvPr id="9" name="Rectangle 8"/>
-            <p:cNvSpPr/>
-            <p:nvPr/>
-          </p:nvSpPr>
-          <p:spPr>
-            <a:xfrm>
-              <a:off x="0" y="0"/>
-              <a:ext cx="7162800" cy="6858000"/>
-            </a:xfrm>
-            <a:prstGeom prst="rect">
-              <a:avLst/>
-            </a:prstGeom>
-            <a:gradFill flip="none" rotWithShape="1">
-              <a:gsLst>
-                <a:gs pos="0">
-                  <a:srgbClr val="010101">
-                    <a:alpha val="51765"/>
-                  </a:srgbClr>
-                </a:gs>
-                <a:gs pos="60000">
-                  <a:srgbClr val="FEFEFE">
-                    <a:alpha val="0"/>
-                  </a:srgbClr>
-                </a:gs>
-              </a:gsLst>
-              <a:path path="circle">
-                <a:fillToRect t="100000" r="100000"/>
-              </a:path>
-              <a:tileRect l="-100000" b="-100000"/>
-            </a:gradFill>
-            <a:ln>
-              <a:noFill/>
-            </a:ln>
-          </p:spPr>
-          <p:style>
-            <a:lnRef idx="2">
-              <a:schemeClr val="accent1">
-                <a:shade val="50000"/>
-              </a:schemeClr>
-            </a:lnRef>
-            <a:fillRef idx="1">
-              <a:schemeClr val="accent1"/>
-            </a:fillRef>
-            <a:effectRef idx="0">
-              <a:schemeClr val="accent1"/>
-            </a:effectRef>
-            <a:fontRef idx="minor">
-              <a:schemeClr val="lt1"/>
-            </a:fontRef>
-          </p:style>
-          <p:txBody>
-            <a:bodyPr rtlCol="0" anchor="ctr"/>
-            <a:lstStyle/>
-            <a:p>
-              <a:pPr algn="ctr"/>
-              <a:endParaRPr lang="en-US"/>
-            </a:p>
-          </p:txBody>
-        </p:sp>
-        <p:sp>
-          <p:nvSpPr>
-            <p:cNvPr id="10" name="Rectangle 9"/>
-            <p:cNvSpPr/>
-            <p:nvPr/>
-          </p:nvSpPr>
-          <p:spPr>
-            <a:xfrm>
-              <a:off x="1143000" y="0"/>
-              <a:ext cx="8001000" cy="6858000"/>
-            </a:xfrm>
-            <a:prstGeom prst="rect">
-              <a:avLst/>
-            </a:prstGeom>
-            <a:gradFill flip="none" rotWithShape="1">
-              <a:gsLst>
-                <a:gs pos="0">
-                  <a:srgbClr val="010101">
-                    <a:alpha val="56000"/>
-                  </a:srgbClr>
-                </a:gs>
-                <a:gs pos="61000">
-                  <a:srgbClr val="FEFEFE">
-                    <a:alpha val="0"/>
-                  </a:srgbClr>
-                </a:gs>
-              </a:gsLst>
-              <a:path path="circle">
-                <a:fillToRect l="100000" t="100000"/>
-              </a:path>
-              <a:tileRect r="-100000" b="-100000"/>
-            </a:gradFill>
-            <a:ln>
-              <a:noFill/>
-            </a:ln>
-          </p:spPr>
-          <p:style>
-            <a:lnRef idx="2">
-              <a:schemeClr val="accent1">
-                <a:shade val="50000"/>
-              </a:schemeClr>
-            </a:lnRef>
-            <a:fillRef idx="1">
-              <a:schemeClr val="accent1"/>
-            </a:fillRef>
-            <a:effectRef idx="0">
-              <a:schemeClr val="accent1"/>
-            </a:effectRef>
-            <a:fontRef idx="minor">
-              <a:schemeClr val="lt1"/>
-            </a:fontRef>
-          </p:style>
-          <p:txBody>
-            <a:bodyPr rtlCol="0" anchor="ctr"/>
-            <a:lstStyle/>
-            <a:p>
-              <a:pPr algn="ctr"/>
-              <a:endParaRPr lang="en-US"/>
-            </a:p>
-          </p:txBody>
-        </p:sp>
-      </p:grpSp>
-      <p:sp>
-        <p:nvSpPr>
-          <p:cNvPr id="31" name="Freeform 30"/>
-          <p:cNvSpPr/>
-          <p:nvPr/>
-        </p:nvSpPr>
-        <p:spPr>
-          <a:xfrm rot="10800000">
-            <a:off x="632177" y="6058038"/>
-            <a:ext cx="7721601" cy="537210"/>
-          </a:xfrm>
-          <a:custGeom>
-            <a:avLst/>
-            <a:gdLst>
-              <a:gd name="connsiteX0" fmla="*/ 0 w 7955280"/>
-              <a:gd name="connsiteY0" fmla="*/ 495300 h 495300"/>
-              <a:gd name="connsiteX1" fmla="*/ 169546 w 7955280"/>
-              <a:gd name="connsiteY1" fmla="*/ 0 h 495300"/>
-              <a:gd name="connsiteX2" fmla="*/ 7785734 w 7955280"/>
-              <a:gd name="connsiteY2" fmla="*/ 0 h 495300"/>
-              <a:gd name="connsiteX3" fmla="*/ 7955280 w 7955280"/>
-              <a:gd name="connsiteY3" fmla="*/ 495300 h 495300"/>
-              <a:gd name="connsiteX4" fmla="*/ 0 w 7955280"/>
-              <a:gd name="connsiteY4" fmla="*/ 495300 h 495300"/>
-              <a:gd name="connsiteX0" fmla="*/ 0 w 7955280"/>
-              <a:gd name="connsiteY0" fmla="*/ 495300 h 495300"/>
-              <a:gd name="connsiteX1" fmla="*/ 169546 w 7955280"/>
-              <a:gd name="connsiteY1" fmla="*/ 0 h 495300"/>
-              <a:gd name="connsiteX2" fmla="*/ 3966210 w 7955280"/>
-              <a:gd name="connsiteY2" fmla="*/ 95250 h 495300"/>
-              <a:gd name="connsiteX3" fmla="*/ 7785734 w 7955280"/>
-              <a:gd name="connsiteY3" fmla="*/ 0 h 495300"/>
-              <a:gd name="connsiteX4" fmla="*/ 7955280 w 7955280"/>
-              <a:gd name="connsiteY4" fmla="*/ 495300 h 495300"/>
-              <a:gd name="connsiteX5" fmla="*/ 0 w 7955280"/>
-              <a:gd name="connsiteY5" fmla="*/ 495300 h 495300"/>
-            </a:gdLst>
-            <a:ahLst/>
-            <a:cxnLst>
-              <a:cxn ang="0">
-                <a:pos x="connsiteX0" y="connsiteY0"/>
-              </a:cxn>
-              <a:cxn ang="0">
-                <a:pos x="connsiteX1" y="connsiteY1"/>
-              </a:cxn>
-              <a:cxn ang="0">
-                <a:pos x="connsiteX2" y="connsiteY2"/>
-              </a:cxn>
-              <a:cxn ang="0">
-                <a:pos x="connsiteX3" y="connsiteY3"/>
-              </a:cxn>
-              <a:cxn ang="0">
-                <a:pos x="connsiteX4" y="connsiteY4"/>
-              </a:cxn>
-              <a:cxn ang="0">
-                <a:pos x="connsiteX5" y="connsiteY5"/>
-              </a:cxn>
-            </a:cxnLst>
-            <a:rect l="l" t="t" r="r" b="b"/>
-            <a:pathLst>
-              <a:path w="7955280" h="495300">
-                <a:moveTo>
-                  <a:pt x="0" y="495300"/>
-                </a:moveTo>
-                <a:lnTo>
-                  <a:pt x="169546" y="0"/>
-                </a:lnTo>
-                <a:lnTo>
-                  <a:pt x="3966210" y="95250"/>
-                </a:lnTo>
-                <a:lnTo>
-                  <a:pt x="7785734" y="0"/>
-                </a:lnTo>
-                <a:lnTo>
-                  <a:pt x="7955280" y="495300"/>
-                </a:lnTo>
-                <a:lnTo>
-                  <a:pt x="0" y="495300"/>
-                </a:lnTo>
-                <a:close/>
-              </a:path>
-            </a:pathLst>
-          </a:custGeom>
-          <a:gradFill flip="none" rotWithShape="1">
-            <a:gsLst>
-              <a:gs pos="30000">
-                <a:srgbClr val="010101">
-                  <a:alpha val="34000"/>
-                </a:srgbClr>
-              </a:gs>
-              <a:gs pos="100000">
-                <a:srgbClr val="010101">
-                  <a:alpha val="26000"/>
-                </a:srgbClr>
-              </a:gs>
-            </a:gsLst>
-            <a:path path="circle">
-              <a:fillToRect l="50000" t="50000" r="50000" b="50000"/>
-            </a:path>
-            <a:tileRect/>
-          </a:gradFill>
-          <a:ln>
-            <a:noFill/>
-          </a:ln>
-          <a:effectLst>
-            <a:softEdge rad="127000"/>
-          </a:effectLst>
-        </p:spPr>
-        <p:style>
-          <a:lnRef idx="2">
-            <a:schemeClr val="accent1">
-              <a:shade val="50000"/>
-            </a:schemeClr>
-          </a:lnRef>
-          <a:fillRef idx="1">
-            <a:schemeClr val="accent1"/>
-          </a:fillRef>
-          <a:effectRef idx="0">
-            <a:schemeClr val="accent1"/>
-          </a:effectRef>
-          <a:fontRef idx="minor">
-            <a:schemeClr val="lt1"/>
-          </a:fontRef>
-        </p:style>
-        <p:txBody>
-          <a:bodyPr rtlCol="0" anchor="ctr"/>
-          <a:lstStyle/>
-          <a:p>
-            <a:pPr algn="ctr"/>
-            <a:endParaRPr lang="en-US"/>
-          </a:p>
-        </p:txBody>
-      </p:sp>
-      <p:sp>
-        <p:nvSpPr>
-          <p:cNvPr id="12" name="Rectangle 11"/>
-          <p:cNvSpPr/>
-          <p:nvPr/>
-        </p:nvSpPr>
-        <p:spPr>
-          <a:xfrm rot="21540000">
-            <a:off x="749204" y="576868"/>
-            <a:ext cx="3788941" cy="5722296"/>
-          </a:xfrm>
-          <a:prstGeom prst="rect">
-            <a:avLst/>
-          </a:prstGeom>
-          <a:solidFill>
-            <a:schemeClr val="bg1"/>
-          </a:solidFill>
-          <a:ln w="6350">
-            <a:noFill/>
-          </a:ln>
-          <a:effectLst>
-            <a:outerShdw blurRad="101600" dist="50800" dir="5400000" algn="t" rotWithShape="0">
-              <a:prstClr val="black">
-                <a:alpha val="20000"/>
-              </a:prstClr>
-            </a:outerShdw>
-          </a:effectLst>
-        </p:spPr>
-        <p:style>
-          <a:lnRef idx="2">
-            <a:schemeClr val="accent1">
-              <a:shade val="50000"/>
-            </a:schemeClr>
-          </a:lnRef>
-          <a:fillRef idx="1">
-            <a:schemeClr val="accent1"/>
-          </a:fillRef>
-          <a:effectRef idx="0">
-            <a:schemeClr val="accent1"/>
-          </a:effectRef>
-          <a:fontRef idx="minor">
-            <a:schemeClr val="lt1"/>
-          </a:fontRef>
-        </p:style>
-        <p:txBody>
-          <a:bodyPr rtlCol="0" anchor="ctr"/>
-          <a:lstStyle/>
-          <a:p>
-            <a:pPr algn="ctr"/>
-            <a:endParaRPr lang="en-US"/>
-          </a:p>
-        </p:txBody>
-      </p:sp>
-      <p:sp>
-        <p:nvSpPr>
-          <p:cNvPr id="13" name="Rectangle 12"/>
-          <p:cNvSpPr/>
-          <p:nvPr/>
-        </p:nvSpPr>
-        <p:spPr>
-          <a:xfrm rot="21540000">
-            <a:off x="745058" y="575769"/>
-            <a:ext cx="3788941" cy="5722296"/>
-          </a:xfrm>
-          <a:prstGeom prst="rect">
-            <a:avLst/>
-          </a:prstGeom>
-          <a:blipFill dpi="0" rotWithShape="1">
-            <a:blip r:embed="rId2" cstate="print">
-              <a:alphaModFix amt="20000"/>
-              <a:grayscl/>
-              <a:lum contrast="12000"/>
-            </a:blip>
-            <a:srcRect/>
-            <a:tile tx="0" ty="0" sx="100000" sy="100000" flip="none" algn="tl"/>
-          </a:blipFill>
-          <a:ln w="6350">
-            <a:noFill/>
-          </a:ln>
-          <a:effectLst>
-            <a:outerShdw blurRad="101600" dist="50800" dir="5400000" algn="t" rotWithShape="0">
-              <a:prstClr val="black">
-                <a:alpha val="20000"/>
-              </a:prstClr>
-            </a:outerShdw>
-          </a:effectLst>
-        </p:spPr>
-        <p:style>
-          <a:lnRef idx="2">
-            <a:schemeClr val="accent1">
-              <a:shade val="50000"/>
-            </a:schemeClr>
-          </a:lnRef>
-          <a:fillRef idx="1">
-            <a:schemeClr val="accent1"/>
-          </a:fillRef>
-          <a:effectRef idx="0">
-            <a:schemeClr val="accent1"/>
-          </a:effectRef>
-          <a:fontRef idx="minor">
-            <a:schemeClr val="lt1"/>
-          </a:fontRef>
-        </p:style>
-        <p:txBody>
-          <a:bodyPr rtlCol="0" anchor="ctr"/>
-          <a:lstStyle/>
-          <a:p>
-            <a:pPr algn="ctr"/>
-            <a:endParaRPr lang="en-US"/>
-          </a:p>
-        </p:txBody>
-      </p:sp>
-      <p:sp>
-        <p:nvSpPr>
-          <p:cNvPr id="29" name="Rectangle 28"/>
-          <p:cNvSpPr/>
-          <p:nvPr/>
-        </p:nvSpPr>
-        <p:spPr>
-          <a:xfrm rot="60000">
-            <a:off x="4468872" y="605163"/>
-            <a:ext cx="3788941" cy="5722296"/>
-          </a:xfrm>
-          <a:prstGeom prst="rect">
-            <a:avLst/>
-          </a:prstGeom>
-          <a:solidFill>
-            <a:schemeClr val="bg1"/>
-          </a:solidFill>
-          <a:ln w="6350">
-            <a:noFill/>
-          </a:ln>
-          <a:effectLst>
-            <a:outerShdw blurRad="101600" dist="50800" dir="5400000" algn="t" rotWithShape="0">
-              <a:prstClr val="black">
-                <a:alpha val="20000"/>
-              </a:prstClr>
-            </a:outerShdw>
-          </a:effectLst>
-        </p:spPr>
-        <p:style>
-          <a:lnRef idx="2">
-            <a:schemeClr val="accent1">
-              <a:shade val="50000"/>
-            </a:schemeClr>
-          </a:lnRef>
-          <a:fillRef idx="1">
-            <a:schemeClr val="accent1"/>
-          </a:fillRef>
-          <a:effectRef idx="0">
-            <a:schemeClr val="accent1"/>
-          </a:effectRef>
-          <a:fontRef idx="minor">
-            <a:schemeClr val="lt1"/>
-          </a:fontRef>
-        </p:style>
-        <p:txBody>
-          <a:bodyPr rtlCol="0" anchor="ctr"/>
-          <a:lstStyle/>
-          <a:p>
-            <a:pPr algn="ctr"/>
-            <a:endParaRPr lang="en-US"/>
-          </a:p>
-        </p:txBody>
-      </p:sp>
-      <p:sp>
-        <p:nvSpPr>
-          <p:cNvPr id="30" name="Rectangle 29"/>
-          <p:cNvSpPr/>
-          <p:nvPr/>
-        </p:nvSpPr>
-        <p:spPr>
-          <a:xfrm rot="60000">
-            <a:off x="4464768" y="603920"/>
-            <a:ext cx="3788941" cy="5722296"/>
-          </a:xfrm>
-          <a:prstGeom prst="rect">
-            <a:avLst/>
-          </a:prstGeom>
-          <a:blipFill dpi="0" rotWithShape="1">
-            <a:blip r:embed="rId2" cstate="print">
-              <a:alphaModFix amt="20000"/>
-              <a:grayscl/>
-              <a:lum contrast="12000"/>
-            </a:blip>
-            <a:srcRect/>
-            <a:tile tx="0" ty="0" sx="100000" sy="100000" flip="none" algn="tl"/>
-          </a:blipFill>
-          <a:ln w="6350">
-            <a:noFill/>
-          </a:ln>
-          <a:effectLst>
-            <a:outerShdw blurRad="101600" dist="50800" dir="5400000" algn="t" rotWithShape="0">
-              <a:prstClr val="black">
-                <a:alpha val="20000"/>
-              </a:prstClr>
-            </a:outerShdw>
-          </a:effectLst>
-        </p:spPr>
-        <p:style>
-          <a:lnRef idx="2">
-            <a:schemeClr val="accent1">
-              <a:shade val="50000"/>
-            </a:schemeClr>
-          </a:lnRef>
-          <a:fillRef idx="1">
-            <a:schemeClr val="accent1"/>
-          </a:fillRef>
-          <a:effectRef idx="0">
-            <a:schemeClr val="accent1"/>
-          </a:effectRef>
-          <a:fontRef idx="minor">
-            <a:schemeClr val="lt1"/>
-          </a:fontRef>
-        </p:style>
-        <p:txBody>
-          <a:bodyPr rtlCol="0" anchor="ctr"/>
-          <a:lstStyle/>
-          <a:p>
-            <a:pPr algn="ctr"/>
-            <a:endParaRPr lang="en-US"/>
-          </a:p>
-        </p:txBody>
-      </p:sp>
-      <p:pic>
-        <p:nvPicPr>
-          <p:cNvPr id="14" name="Picture 2" descr="C:\Users\Administrator\Desktop\Pushpin Dev\Assets\pushpinLeft.png"/>
-          <p:cNvPicPr>
-            <a:picLocks noChangeAspect="1" noChangeArrowheads="1"/>
-          </p:cNvPicPr>
-          <p:nvPr/>
-        </p:nvPicPr>
-        <p:blipFill>
-          <a:blip r:embed="rId3" cstate="print"/>
-          <a:srcRect/>
-          <a:stretch>
-            <a:fillRect/>
-          </a:stretch>
-        </p:blipFill>
-        <p:spPr bwMode="auto">
-          <a:xfrm rot="1435684">
-            <a:off x="2371106" y="293953"/>
-            <a:ext cx="567831" cy="567830"/>
-          </a:xfrm>
-          <a:prstGeom prst="rect">
-            <a:avLst/>
-          </a:prstGeom>
-          <a:noFill/>
-        </p:spPr>
-      </p:pic>
-      <p:pic>
-        <p:nvPicPr>
-          <p:cNvPr id="15" name="Picture 2" descr="C:\Users\Administrator\Desktop\Pushpin Dev\Assets\pushpinLeft.png"/>
-          <p:cNvPicPr>
-            <a:picLocks noChangeAspect="1" noChangeArrowheads="1"/>
-          </p:cNvPicPr>
-          <p:nvPr/>
-        </p:nvPicPr>
-        <p:blipFill>
-          <a:blip r:embed="rId3" cstate="print"/>
-          <a:srcRect/>
-          <a:stretch>
-            <a:fillRect/>
-          </a:stretch>
-        </p:blipFill>
-        <p:spPr bwMode="auto">
-          <a:xfrm rot="4096196">
-            <a:off x="6279647" y="333163"/>
-            <a:ext cx="566928" cy="566928"/>
-          </a:xfrm>
-          <a:prstGeom prst="rect">
-            <a:avLst/>
-          </a:prstGeom>
-          <a:noFill/>
-        </p:spPr>
-      </p:pic>
-      <p:sp>
-        <p:nvSpPr>
-          <p:cNvPr id="2" name="Title 1"/>
-          <p:cNvSpPr>
-            <a:spLocks noGrp="1"/>
-          </p:cNvSpPr>
-          <p:nvPr>
-            <p:ph type="title"/>
-          </p:nvPr>
-        </p:nvSpPr>
-        <p:spPr>
-          <a:xfrm rot="-60000">
-            <a:off x="1106424" y="2020824"/>
-            <a:ext cx="3063240" cy="1499616"/>
+            <a:off x="5440434" y="1109160"/>
+            <a:ext cx="586803" cy="4681637"/>
           </a:xfrm>
         </p:spPr>
         <p:txBody>
-          <a:bodyPr anchor="b">
-            <a:normAutofit/>
-          </a:bodyPr>
+          <a:bodyPr vert="vert270" lIns="45720" tIns="0" rIns="45720" anchor="t"/>
           <a:lstStyle>
             <a:lvl1pPr algn="ctr">
-              <a:defRPr sz="2400" b="0"/>
+              <a:buNone/>
+              <a:defRPr sz="2000" b="1"/>
             </a:lvl1pPr>
           </a:lstStyle>
           <a:p>
             <a:r>
-              <a:rPr lang="en-US" smtClean="0"/>
+              <a:rPr kumimoji="0" lang="en-US" smtClean="0"/>
               <a:t>Click to edit Master title style</a:t>
             </a:r>
-            <a:endParaRPr lang="en-US" dirty="0"/>
+            <a:endParaRPr kumimoji="0" lang="en-US"/>
           </a:p>
         </p:txBody>
       </p:sp>
@@ -3814,71 +2778,53 @@
           </p:nvPr>
         </p:nvSpPr>
         <p:spPr>
-          <a:xfrm rot="60000">
-            <a:off x="4898615" y="1207272"/>
-            <a:ext cx="2913863" cy="4539412"/>
+          <a:xfrm>
+            <a:off x="403671" y="1143000"/>
+            <a:ext cx="4572000" cy="4572000"/>
           </a:xfrm>
-          <a:ln w="101600" cap="rnd">
+          <a:solidFill>
+            <a:srgbClr val="EAEAEA"/>
+          </a:solidFill>
+          <a:ln w="50800">
             <a:solidFill>
               <a:srgbClr val="FFFFFF"/>
             </a:solidFill>
+            <a:miter lim="800000"/>
           </a:ln>
           <a:effectLst>
-            <a:outerShdw blurRad="88900" dir="2700000" algn="tl" rotWithShape="0">
-              <a:prstClr val="black">
-                <a:alpha val="40000"/>
-              </a:prstClr>
+            <a:outerShdw blurRad="57150" dist="31750" dir="4800000" algn="tl" rotWithShape="0">
+              <a:srgbClr val="000000">
+                <a:alpha val="25000"/>
+              </a:srgbClr>
             </a:outerShdw>
           </a:effectLst>
+          <a:scene3d>
+            <a:camera prst="orthographicFront"/>
+            <a:lightRig rig="twoPt" dir="t">
+              <a:rot lat="0" lon="0" rev="7200000"/>
+            </a:lightRig>
+          </a:scene3d>
+          <a:sp3d contourW="2540">
+            <a:bevelT w="25400" h="19050"/>
+            <a:contourClr>
+              <a:srgbClr val="AEAEAE"/>
+            </a:contourClr>
+          </a:sp3d>
         </p:spPr>
         <p:txBody>
-          <a:bodyPr>
-            <a:normAutofit/>
-          </a:bodyPr>
+          <a:bodyPr/>
           <a:lstStyle>
             <a:lvl1pPr marL="0" indent="0">
               <a:buNone/>
-              <a:defRPr sz="2400"/>
+              <a:defRPr sz="3200"/>
             </a:lvl1pPr>
-            <a:lvl2pPr marL="457200" indent="0">
-              <a:buNone/>
-              <a:defRPr sz="2800"/>
-            </a:lvl2pPr>
-            <a:lvl3pPr marL="914400" indent="0">
-              <a:buNone/>
-              <a:defRPr sz="2400"/>
-            </a:lvl3pPr>
-            <a:lvl4pPr marL="1371600" indent="0">
-              <a:buNone/>
-              <a:defRPr sz="2000"/>
-            </a:lvl4pPr>
-            <a:lvl5pPr marL="1828800" indent="0">
-              <a:buNone/>
-              <a:defRPr sz="2000"/>
-            </a:lvl5pPr>
-            <a:lvl6pPr marL="2286000" indent="0">
-              <a:buNone/>
-              <a:defRPr sz="2000"/>
-            </a:lvl6pPr>
-            <a:lvl7pPr marL="2743200" indent="0">
-              <a:buNone/>
-              <a:defRPr sz="2000"/>
-            </a:lvl7pPr>
-            <a:lvl8pPr marL="3200400" indent="0">
-              <a:buNone/>
-              <a:defRPr sz="2000"/>
-            </a:lvl8pPr>
-            <a:lvl9pPr marL="3657600" indent="0">
-              <a:buNone/>
-              <a:defRPr sz="2000"/>
-            </a:lvl9pPr>
           </a:lstStyle>
           <a:p>
             <a:r>
-              <a:rPr lang="en-US" smtClean="0"/>
+              <a:rPr kumimoji="0" lang="en-US" smtClean="0"/>
               <a:t>Click icon to add picture</a:t>
             </a:r>
-            <a:endParaRPr lang="en-US"/>
+            <a:endParaRPr kumimoji="0" lang="en-US" dirty="0"/>
           </a:p>
         </p:txBody>
       </p:sp>
@@ -3893,57 +2839,50 @@
           </p:nvPr>
         </p:nvSpPr>
         <p:spPr>
-          <a:xfrm rot="-60000">
-            <a:off x="1152144" y="3621024"/>
-            <a:ext cx="3044952" cy="2103120"/>
+          <a:xfrm>
+            <a:off x="6088443" y="3274308"/>
+            <a:ext cx="2590800" cy="2516489"/>
           </a:xfrm>
         </p:spPr>
         <p:txBody>
-          <a:bodyPr>
-            <a:normAutofit/>
-          </a:bodyPr>
+          <a:bodyPr lIns="0" tIns="0" rIns="45720" anchor="t"/>
           <a:lstStyle>
-            <a:lvl1pPr marL="0" indent="0" algn="ctr">
+            <a:lvl1pPr marL="0" indent="0">
+              <a:lnSpc>
+                <a:spcPct val="100000"/>
+              </a:lnSpc>
+              <a:spcBef>
+                <a:spcPts val="0"/>
+              </a:spcBef>
+              <a:buFontTx/>
               <a:buNone/>
-              <a:defRPr sz="1600"/>
+              <a:defRPr sz="1300"/>
             </a:lvl1pPr>
-            <a:lvl2pPr marL="457200" indent="0">
+            <a:lvl2pPr>
+              <a:buFontTx/>
               <a:buNone/>
               <a:defRPr sz="1200"/>
             </a:lvl2pPr>
-            <a:lvl3pPr marL="914400" indent="0">
+            <a:lvl3pPr>
+              <a:buFontTx/>
               <a:buNone/>
               <a:defRPr sz="1000"/>
             </a:lvl3pPr>
-            <a:lvl4pPr marL="1371600" indent="0">
+            <a:lvl4pPr>
+              <a:buFontTx/>
               <a:buNone/>
               <a:defRPr sz="900"/>
             </a:lvl4pPr>
-            <a:lvl5pPr marL="1828800" indent="0">
+            <a:lvl5pPr>
+              <a:buFontTx/>
               <a:buNone/>
               <a:defRPr sz="900"/>
             </a:lvl5pPr>
-            <a:lvl6pPr marL="2286000" indent="0">
-              <a:buNone/>
-              <a:defRPr sz="900"/>
-            </a:lvl6pPr>
-            <a:lvl7pPr marL="2743200" indent="0">
-              <a:buNone/>
-              <a:defRPr sz="900"/>
-            </a:lvl7pPr>
-            <a:lvl8pPr marL="3200400" indent="0">
-              <a:buNone/>
-              <a:defRPr sz="900"/>
-            </a:lvl8pPr>
-            <a:lvl9pPr marL="3657600" indent="0">
-              <a:buNone/>
-              <a:defRPr sz="900"/>
-            </a:lvl9pPr>
           </a:lstStyle>
           <a:p>
-            <a:pPr lvl="0"/>
-            <a:r>
-              <a:rPr lang="en-US" smtClean="0"/>
+            <a:pPr lvl="0" eaLnBrk="1" latinLnBrk="0" hangingPunct="1"/>
+            <a:r>
+              <a:rPr kumimoji="0" lang="en-US" smtClean="0"/>
               <a:t>Click to edit Master text styles</a:t>
             </a:r>
           </a:p>
@@ -3959,19 +2898,14 @@
             <p:ph type="dt" sz="half" idx="10"/>
           </p:nvPr>
         </p:nvSpPr>
-        <p:spPr>
-          <a:xfrm rot="60000">
-            <a:off x="6345936" y="5888737"/>
-            <a:ext cx="1213821" cy="365125"/>
-          </a:xfrm>
-        </p:spPr>
+        <p:spPr/>
         <p:txBody>
           <a:bodyPr/>
           <a:lstStyle/>
           <a:p>
             <a:fld id="{64A11B57-DEF7-4D73-A804-611474AE0F91}" type="datetimeFigureOut">
               <a:rPr lang="en-US" smtClean="0"/>
-              <a:t>1/13/2022</a:t>
+              <a:t>1/14/2022</a:t>
             </a:fld>
             <a:endParaRPr lang="en-US"/>
           </a:p>
@@ -3987,12 +2921,7 @@
             <p:ph type="ftr" sz="quarter" idx="11"/>
           </p:nvPr>
         </p:nvSpPr>
-        <p:spPr>
-          <a:xfrm rot="-60000">
-            <a:off x="914569" y="5831037"/>
-            <a:ext cx="3319043" cy="365125"/>
-          </a:xfrm>
-        </p:spPr>
+        <p:spPr/>
         <p:txBody>
           <a:bodyPr/>
           <a:lstStyle/>
@@ -4011,12 +2940,7 @@
             <p:ph type="sldNum" sz="quarter" idx="12"/>
           </p:nvPr>
         </p:nvSpPr>
-        <p:spPr>
-          <a:xfrm rot="60000">
-            <a:off x="7562089" y="5900026"/>
-            <a:ext cx="554023" cy="365125"/>
-          </a:xfrm>
-        </p:spPr>
+        <p:spPr/>
         <p:txBody>
           <a:bodyPr/>
           <a:lstStyle/>
@@ -4041,8 +2965,8 @@
 <p:sldMaster xmlns:a="http://schemas.openxmlformats.org/drawingml/2006/main" xmlns:r="http://schemas.openxmlformats.org/officeDocument/2006/relationships" xmlns:p="http://schemas.openxmlformats.org/presentationml/2006/main">
   <p:cSld>
     <p:bg>
-      <p:bgRef idx="1002">
-        <a:schemeClr val="bg2"/>
+      <p:bgRef idx="1001">
+        <a:schemeClr val="bg1"/>
       </p:bgRef>
     </p:bg>
     <p:spTree>
@@ -4059,261 +2983,39 @@
           <a:chExt cx="0" cy="0"/>
         </a:xfrm>
       </p:grpSpPr>
-      <p:grpSp>
-        <p:nvGrpSpPr>
-          <p:cNvPr id="7" name="Group 15"/>
-          <p:cNvGrpSpPr/>
-          <p:nvPr/>
-        </p:nvGrpSpPr>
-        <p:grpSpPr>
-          <a:xfrm>
-            <a:off x="0" y="0"/>
-            <a:ext cx="9144000" cy="6858000"/>
-            <a:chOff x="0" y="0"/>
-            <a:chExt cx="9144000" cy="6858000"/>
-          </a:xfrm>
-        </p:grpSpPr>
-        <p:sp>
-          <p:nvSpPr>
-            <p:cNvPr id="8" name="Rectangle 7"/>
-            <p:cNvSpPr/>
-            <p:nvPr/>
-          </p:nvSpPr>
-          <p:spPr>
-            <a:xfrm>
-              <a:off x="0" y="0"/>
-              <a:ext cx="7162800" cy="6858000"/>
-            </a:xfrm>
-            <a:prstGeom prst="rect">
-              <a:avLst/>
-            </a:prstGeom>
-            <a:gradFill flip="none" rotWithShape="1">
-              <a:gsLst>
-                <a:gs pos="0">
-                  <a:srgbClr val="010101">
-                    <a:alpha val="51765"/>
-                  </a:srgbClr>
-                </a:gs>
-                <a:gs pos="60000">
-                  <a:srgbClr val="FEFEFE">
-                    <a:alpha val="0"/>
-                  </a:srgbClr>
-                </a:gs>
-              </a:gsLst>
-              <a:path path="circle">
-                <a:fillToRect t="100000" r="100000"/>
-              </a:path>
-              <a:tileRect l="-100000" b="-100000"/>
-            </a:gradFill>
-            <a:ln>
-              <a:noFill/>
-            </a:ln>
-          </p:spPr>
-          <p:style>
-            <a:lnRef idx="2">
-              <a:schemeClr val="accent1">
-                <a:shade val="50000"/>
-              </a:schemeClr>
-            </a:lnRef>
-            <a:fillRef idx="1">
-              <a:schemeClr val="accent1"/>
-            </a:fillRef>
-            <a:effectRef idx="0">
-              <a:schemeClr val="accent1"/>
-            </a:effectRef>
-            <a:fontRef idx="minor">
-              <a:schemeClr val="lt1"/>
-            </a:fontRef>
-          </p:style>
-          <p:txBody>
-            <a:bodyPr rtlCol="0" anchor="ctr"/>
-            <a:lstStyle/>
-            <a:p>
-              <a:pPr algn="ctr"/>
-              <a:endParaRPr lang="en-US"/>
-            </a:p>
-          </p:txBody>
-        </p:sp>
-        <p:sp>
-          <p:nvSpPr>
-            <p:cNvPr id="9" name="Rectangle 8"/>
-            <p:cNvSpPr/>
-            <p:nvPr/>
-          </p:nvSpPr>
-          <p:spPr>
-            <a:xfrm>
-              <a:off x="1143000" y="0"/>
-              <a:ext cx="8001000" cy="6858000"/>
-            </a:xfrm>
-            <a:prstGeom prst="rect">
-              <a:avLst/>
-            </a:prstGeom>
-            <a:gradFill flip="none" rotWithShape="1">
-              <a:gsLst>
-                <a:gs pos="0">
-                  <a:srgbClr val="010101">
-                    <a:alpha val="56000"/>
-                  </a:srgbClr>
-                </a:gs>
-                <a:gs pos="61000">
-                  <a:srgbClr val="FEFEFE">
-                    <a:alpha val="0"/>
-                  </a:srgbClr>
-                </a:gs>
-              </a:gsLst>
-              <a:path path="circle">
-                <a:fillToRect l="100000" t="100000"/>
-              </a:path>
-              <a:tileRect r="-100000" b="-100000"/>
-            </a:gradFill>
-            <a:ln>
-              <a:noFill/>
-            </a:ln>
-          </p:spPr>
-          <p:style>
-            <a:lnRef idx="2">
-              <a:schemeClr val="accent1">
-                <a:shade val="50000"/>
-              </a:schemeClr>
-            </a:lnRef>
-            <a:fillRef idx="1">
-              <a:schemeClr val="accent1"/>
-            </a:fillRef>
-            <a:effectRef idx="0">
-              <a:schemeClr val="accent1"/>
-            </a:effectRef>
-            <a:fontRef idx="minor">
-              <a:schemeClr val="lt1"/>
-            </a:fontRef>
-          </p:style>
-          <p:txBody>
-            <a:bodyPr rtlCol="0" anchor="ctr"/>
-            <a:lstStyle/>
-            <a:p>
-              <a:pPr algn="ctr"/>
-              <a:endParaRPr lang="en-US"/>
-            </a:p>
-          </p:txBody>
-        </p:sp>
-      </p:grpSp>
-      <p:sp>
-        <p:nvSpPr>
-          <p:cNvPr id="10" name="Freeform 9"/>
+      <p:sp>
+        <p:nvSpPr>
+          <p:cNvPr id="28" name="Rectangle 27"/>
           <p:cNvSpPr/>
           <p:nvPr/>
         </p:nvSpPr>
         <p:spPr>
-          <a:xfrm rot="10800000">
-            <a:off x="628650" y="6069330"/>
-            <a:ext cx="7920991" cy="537210"/>
+          <a:xfrm>
+            <a:off x="1" y="366818"/>
+            <a:ext cx="9144000" cy="84407"/>
           </a:xfrm>
-          <a:custGeom>
+          <a:prstGeom prst="rect">
             <a:avLst/>
-            <a:gdLst>
-              <a:gd name="connsiteX0" fmla="*/ 0 w 7955280"/>
-              <a:gd name="connsiteY0" fmla="*/ 495300 h 495300"/>
-              <a:gd name="connsiteX1" fmla="*/ 169546 w 7955280"/>
-              <a:gd name="connsiteY1" fmla="*/ 0 h 495300"/>
-              <a:gd name="connsiteX2" fmla="*/ 7785734 w 7955280"/>
-              <a:gd name="connsiteY2" fmla="*/ 0 h 495300"/>
-              <a:gd name="connsiteX3" fmla="*/ 7955280 w 7955280"/>
-              <a:gd name="connsiteY3" fmla="*/ 495300 h 495300"/>
-              <a:gd name="connsiteX4" fmla="*/ 0 w 7955280"/>
-              <a:gd name="connsiteY4" fmla="*/ 495300 h 495300"/>
-              <a:gd name="connsiteX0" fmla="*/ 0 w 7955280"/>
-              <a:gd name="connsiteY0" fmla="*/ 495300 h 495300"/>
-              <a:gd name="connsiteX1" fmla="*/ 169546 w 7955280"/>
-              <a:gd name="connsiteY1" fmla="*/ 0 h 495300"/>
-              <a:gd name="connsiteX2" fmla="*/ 3966210 w 7955280"/>
-              <a:gd name="connsiteY2" fmla="*/ 95250 h 495300"/>
-              <a:gd name="connsiteX3" fmla="*/ 7785734 w 7955280"/>
-              <a:gd name="connsiteY3" fmla="*/ 0 h 495300"/>
-              <a:gd name="connsiteX4" fmla="*/ 7955280 w 7955280"/>
-              <a:gd name="connsiteY4" fmla="*/ 495300 h 495300"/>
-              <a:gd name="connsiteX5" fmla="*/ 0 w 7955280"/>
-              <a:gd name="connsiteY5" fmla="*/ 495300 h 495300"/>
-            </a:gdLst>
-            <a:ahLst/>
-            <a:cxnLst>
-              <a:cxn ang="0">
-                <a:pos x="connsiteX0" y="connsiteY0"/>
-              </a:cxn>
-              <a:cxn ang="0">
-                <a:pos x="connsiteX1" y="connsiteY1"/>
-              </a:cxn>
-              <a:cxn ang="0">
-                <a:pos x="connsiteX2" y="connsiteY2"/>
-              </a:cxn>
-              <a:cxn ang="0">
-                <a:pos x="connsiteX3" y="connsiteY3"/>
-              </a:cxn>
-              <a:cxn ang="0">
-                <a:pos x="connsiteX4" y="connsiteY4"/>
-              </a:cxn>
-              <a:cxn ang="0">
-                <a:pos x="connsiteX5" y="connsiteY5"/>
-              </a:cxn>
-            </a:cxnLst>
-            <a:rect l="l" t="t" r="r" b="b"/>
-            <a:pathLst>
-              <a:path w="7955280" h="495300">
-                <a:moveTo>
-                  <a:pt x="0" y="495300"/>
-                </a:moveTo>
-                <a:lnTo>
-                  <a:pt x="169546" y="0"/>
-                </a:lnTo>
-                <a:lnTo>
-                  <a:pt x="3966210" y="95250"/>
-                </a:lnTo>
-                <a:lnTo>
-                  <a:pt x="7785734" y="0"/>
-                </a:lnTo>
-                <a:lnTo>
-                  <a:pt x="7955280" y="495300"/>
-                </a:lnTo>
-                <a:lnTo>
-                  <a:pt x="0" y="495300"/>
-                </a:lnTo>
-                <a:close/>
-              </a:path>
-            </a:pathLst>
-          </a:custGeom>
-          <a:gradFill flip="none" rotWithShape="1">
-            <a:gsLst>
-              <a:gs pos="30000">
-                <a:srgbClr val="010101">
-                  <a:alpha val="34000"/>
-                </a:srgbClr>
-              </a:gs>
-              <a:gs pos="100000">
-                <a:srgbClr val="010101">
-                  <a:alpha val="26000"/>
-                </a:srgbClr>
-              </a:gs>
-            </a:gsLst>
-            <a:path path="circle">
-              <a:fillToRect l="50000" t="50000" r="50000" b="50000"/>
-            </a:path>
-            <a:tileRect/>
-          </a:gradFill>
-          <a:ln>
+          </a:prstGeom>
+          <a:solidFill>
+            <a:schemeClr val="accent2">
+              <a:alpha val="50000"/>
+            </a:schemeClr>
+          </a:solidFill>
+          <a:ln w="50800" cap="rnd" cmpd="thickThin" algn="ctr">
             <a:noFill/>
+            <a:prstDash val="solid"/>
           </a:ln>
-          <a:effectLst>
-            <a:softEdge rad="127000"/>
-          </a:effectLst>
+          <a:effectLst/>
         </p:spPr>
         <p:style>
-          <a:lnRef idx="2">
-            <a:schemeClr val="accent1">
-              <a:shade val="50000"/>
-            </a:schemeClr>
+          <a:lnRef idx="3">
+            <a:schemeClr val="lt1"/>
           </a:lnRef>
           <a:fillRef idx="1">
             <a:schemeClr val="accent1"/>
           </a:fillRef>
-          <a:effectRef idx="0">
+          <a:effectRef idx="1">
             <a:schemeClr val="accent1"/>
           </a:effectRef>
           <a:fontRef idx="minor">
@@ -4321,55 +3023,47 @@
           </a:fontRef>
         </p:style>
         <p:txBody>
-          <a:bodyPr rtlCol="0" anchor="ctr"/>
-          <a:lstStyle/>
-          <a:p>
-            <a:pPr algn="ctr"/>
-            <a:endParaRPr lang="en-US"/>
-          </a:p>
-        </p:txBody>
-      </p:sp>
-      <p:sp>
-        <p:nvSpPr>
-          <p:cNvPr id="11" name="Rectangle 10"/>
+          <a:bodyPr anchor="ctr"/>
+          <a:lstStyle/>
+          <a:p>
+            <a:pPr algn="ctr" eaLnBrk="1" latinLnBrk="0" hangingPunct="1"/>
+            <a:endParaRPr kumimoji="0" lang="en-US"/>
+          </a:p>
+        </p:txBody>
+      </p:sp>
+      <p:sp>
+        <p:nvSpPr>
+          <p:cNvPr id="29" name="Rectangle 28"/>
           <p:cNvSpPr/>
           <p:nvPr/>
         </p:nvSpPr>
         <p:spPr>
           <a:xfrm>
-            <a:off x="731520" y="575310"/>
-            <a:ext cx="7696200" cy="5715000"/>
+            <a:off x="0" y="-1"/>
+            <a:ext cx="9144000" cy="310663"/>
           </a:xfrm>
           <a:prstGeom prst="rect">
             <a:avLst/>
           </a:prstGeom>
           <a:solidFill>
-            <a:schemeClr val="bg1">
-              <a:lumMod val="75000"/>
-              <a:lumOff val="25000"/>
+            <a:schemeClr val="tx2">
+              <a:alpha val="100000"/>
             </a:schemeClr>
           </a:solidFill>
-          <a:ln w="6350">
+          <a:ln w="50800" cap="rnd" cmpd="thickThin" algn="ctr">
             <a:noFill/>
+            <a:prstDash val="solid"/>
           </a:ln>
-          <a:effectLst>
-            <a:outerShdw blurRad="101600" dist="50800" dir="5400000" algn="t" rotWithShape="0">
-              <a:prstClr val="black">
-                <a:alpha val="20000"/>
-              </a:prstClr>
-            </a:outerShdw>
-          </a:effectLst>
+          <a:effectLst/>
         </p:spPr>
         <p:style>
-          <a:lnRef idx="2">
-            <a:schemeClr val="accent1">
-              <a:shade val="50000"/>
-            </a:schemeClr>
+          <a:lnRef idx="3">
+            <a:schemeClr val="lt1"/>
           </a:lnRef>
           <a:fillRef idx="1">
             <a:schemeClr val="accent1"/>
           </a:fillRef>
-          <a:effectRef idx="0">
+          <a:effectRef idx="1">
             <a:schemeClr val="accent1"/>
           </a:effectRef>
           <a:fontRef idx="minor">
@@ -4377,58 +3071,47 @@
           </a:fontRef>
         </p:style>
         <p:txBody>
-          <a:bodyPr rtlCol="0" anchor="ctr"/>
-          <a:lstStyle/>
-          <a:p>
-            <a:pPr algn="ctr"/>
-            <a:endParaRPr lang="en-US"/>
-          </a:p>
-        </p:txBody>
-      </p:sp>
-      <p:sp>
-        <p:nvSpPr>
-          <p:cNvPr id="12" name="Rectangle 11"/>
+          <a:bodyPr anchor="ctr"/>
+          <a:lstStyle/>
+          <a:p>
+            <a:pPr algn="ctr" eaLnBrk="1" latinLnBrk="0" hangingPunct="1"/>
+            <a:endParaRPr kumimoji="0" lang="en-US"/>
+          </a:p>
+        </p:txBody>
+      </p:sp>
+      <p:sp>
+        <p:nvSpPr>
+          <p:cNvPr id="30" name="Rectangle 29"/>
           <p:cNvSpPr/>
           <p:nvPr/>
         </p:nvSpPr>
         <p:spPr>
           <a:xfrm>
-            <a:off x="731520" y="576072"/>
-            <a:ext cx="7696200" cy="5715000"/>
+            <a:off x="0" y="308276"/>
+            <a:ext cx="9144001" cy="91441"/>
           </a:xfrm>
           <a:prstGeom prst="rect">
             <a:avLst/>
           </a:prstGeom>
-          <a:blipFill dpi="0" rotWithShape="1">
-            <a:blip r:embed="rId13" cstate="print">
-              <a:alphaModFix amt="20000"/>
-              <a:grayscl/>
-              <a:lum contrast="12000"/>
-            </a:blip>
-            <a:srcRect/>
-            <a:tile tx="0" ty="0" sx="100000" sy="100000" flip="none" algn="tl"/>
-          </a:blipFill>
-          <a:ln w="6350">
+          <a:solidFill>
+            <a:schemeClr val="accent2">
+              <a:alpha val="100000"/>
+            </a:schemeClr>
+          </a:solidFill>
+          <a:ln w="50800" cap="rnd" cmpd="thickThin" algn="ctr">
             <a:noFill/>
+            <a:prstDash val="solid"/>
           </a:ln>
-          <a:effectLst>
-            <a:outerShdw blurRad="101600" dist="50800" dir="5400000" algn="t" rotWithShape="0">
-              <a:prstClr val="black">
-                <a:alpha val="20000"/>
-              </a:prstClr>
-            </a:outerShdw>
-          </a:effectLst>
+          <a:effectLst/>
         </p:spPr>
         <p:style>
-          <a:lnRef idx="2">
-            <a:schemeClr val="accent1">
-              <a:shade val="50000"/>
-            </a:schemeClr>
+          <a:lnRef idx="3">
+            <a:schemeClr val="lt1"/>
           </a:lnRef>
           <a:fillRef idx="1">
             <a:schemeClr val="accent1"/>
           </a:fillRef>
-          <a:effectRef idx="0">
+          <a:effectRef idx="1">
             <a:schemeClr val="accent1"/>
           </a:effectRef>
           <a:fontRef idx="minor">
@@ -4436,69 +3119,491 @@
           </a:fontRef>
         </p:style>
         <p:txBody>
-          <a:bodyPr rtlCol="0" anchor="ctr"/>
-          <a:lstStyle/>
-          <a:p>
-            <a:pPr algn="ctr"/>
-            <a:endParaRPr lang="en-US"/>
-          </a:p>
-        </p:txBody>
-      </p:sp>
-      <p:pic>
-        <p:nvPicPr>
-          <p:cNvPr id="13" name="Picture 2" descr="C:\Users\Administrator\Desktop\Pushpin Dev\Assets\pushpinLeft.png"/>
-          <p:cNvPicPr>
-            <a:picLocks noChangeAspect="1" noChangeArrowheads="1"/>
-          </p:cNvPicPr>
+          <a:bodyPr anchor="ctr"/>
+          <a:lstStyle/>
+          <a:p>
+            <a:pPr algn="ctr" eaLnBrk="1" latinLnBrk="0" hangingPunct="1"/>
+            <a:endParaRPr kumimoji="0" lang="en-US"/>
+          </a:p>
+        </p:txBody>
+      </p:sp>
+      <p:sp>
+        <p:nvSpPr>
+          <p:cNvPr id="31" name="Rectangle 30"/>
+          <p:cNvSpPr/>
           <p:nvPr/>
-        </p:nvPicPr>
-        <p:blipFill>
-          <a:blip r:embed="rId14" cstate="print"/>
-          <a:srcRect/>
-          <a:stretch>
-            <a:fillRect/>
-          </a:stretch>
-        </p:blipFill>
-        <p:spPr bwMode="auto">
-          <a:xfrm rot="1435684">
-            <a:off x="543741" y="273091"/>
-            <a:ext cx="567831" cy="567830"/>
+        </p:nvSpPr>
+        <p:spPr>
+          <a:xfrm flipV="1">
+            <a:off x="5410182" y="360246"/>
+            <a:ext cx="3733819" cy="91087"/>
           </a:xfrm>
           <a:prstGeom prst="rect">
             <a:avLst/>
           </a:prstGeom>
-          <a:noFill/>
+          <a:solidFill>
+            <a:schemeClr val="accent2">
+              <a:alpha val="100000"/>
+            </a:schemeClr>
+          </a:solidFill>
+          <a:ln w="50800" cap="rnd" cmpd="thickThin" algn="ctr">
+            <a:noFill/>
+            <a:prstDash val="solid"/>
+          </a:ln>
+          <a:effectLst/>
         </p:spPr>
-      </p:pic>
-      <p:pic>
-        <p:nvPicPr>
-          <p:cNvPr id="14" name="Picture 2" descr="C:\Users\Administrator\Desktop\Pushpin Dev\Assets\pushpinLeft.png"/>
-          <p:cNvPicPr>
-            <a:picLocks noChangeAspect="1" noChangeArrowheads="1"/>
-          </p:cNvPicPr>
+        <p:style>
+          <a:lnRef idx="3">
+            <a:schemeClr val="lt1"/>
+          </a:lnRef>
+          <a:fillRef idx="1">
+            <a:schemeClr val="accent1"/>
+          </a:fillRef>
+          <a:effectRef idx="1">
+            <a:schemeClr val="accent1"/>
+          </a:effectRef>
+          <a:fontRef idx="minor">
+            <a:schemeClr val="lt1"/>
+          </a:fontRef>
+        </p:style>
+        <p:txBody>
+          <a:bodyPr anchor="ctr"/>
+          <a:lstStyle/>
+          <a:p>
+            <a:pPr algn="ctr" eaLnBrk="1" latinLnBrk="0" hangingPunct="1"/>
+            <a:endParaRPr kumimoji="0" lang="en-US"/>
+          </a:p>
+        </p:txBody>
+      </p:sp>
+      <p:sp>
+        <p:nvSpPr>
+          <p:cNvPr id="32" name="Rectangle 31"/>
+          <p:cNvSpPr/>
           <p:nvPr/>
-        </p:nvPicPr>
-        <p:blipFill>
-          <a:blip r:embed="rId14" cstate="print"/>
-          <a:srcRect/>
-          <a:stretch>
-            <a:fillRect/>
-          </a:stretch>
-        </p:blipFill>
-        <p:spPr bwMode="auto">
-          <a:xfrm rot="4096196">
-            <a:off x="8115079" y="298163"/>
-            <a:ext cx="566928" cy="566928"/>
+        </p:nvSpPr>
+        <p:spPr>
+          <a:xfrm flipV="1">
+            <a:off x="5410200" y="440112"/>
+            <a:ext cx="3733801" cy="180035"/>
           </a:xfrm>
           <a:prstGeom prst="rect">
             <a:avLst/>
           </a:prstGeom>
-          <a:noFill/>
+          <a:solidFill>
+            <a:schemeClr val="accent2">
+              <a:alpha val="50000"/>
+            </a:schemeClr>
+          </a:solidFill>
+          <a:ln w="50800" cap="rnd" cmpd="thickThin" algn="ctr">
+            <a:noFill/>
+            <a:prstDash val="solid"/>
+          </a:ln>
+          <a:effectLst/>
         </p:spPr>
-      </p:pic>
-      <p:sp>
-        <p:nvSpPr>
-          <p:cNvPr id="2" name="Title Placeholder 1"/>
+        <p:style>
+          <a:lnRef idx="3">
+            <a:schemeClr val="lt1"/>
+          </a:lnRef>
+          <a:fillRef idx="1">
+            <a:schemeClr val="accent1"/>
+          </a:fillRef>
+          <a:effectRef idx="1">
+            <a:schemeClr val="accent1"/>
+          </a:effectRef>
+          <a:fontRef idx="minor">
+            <a:schemeClr val="lt1"/>
+          </a:fontRef>
+        </p:style>
+        <p:txBody>
+          <a:bodyPr anchor="ctr"/>
+          <a:lstStyle/>
+          <a:p>
+            <a:pPr algn="ctr" eaLnBrk="1" latinLnBrk="0" hangingPunct="1"/>
+            <a:endParaRPr kumimoji="0" lang="en-US"/>
+          </a:p>
+        </p:txBody>
+      </p:sp>
+      <p:sp useBgFill="1">
+        <p:nvSpPr>
+          <p:cNvPr id="33" name="Rounded Rectangle 32"/>
+          <p:cNvSpPr/>
+          <p:nvPr/>
+        </p:nvSpPr>
+        <p:spPr bwMode="white">
+          <a:xfrm>
+            <a:off x="5407339" y="497504"/>
+            <a:ext cx="3063240" cy="27432"/>
+          </a:xfrm>
+          <a:prstGeom prst="roundRect">
+            <a:avLst>
+              <a:gd name="adj" fmla="val 16667"/>
+            </a:avLst>
+          </a:prstGeom>
+          <a:ln w="50800" cap="rnd" cmpd="thickThin" algn="ctr">
+            <a:noFill/>
+            <a:prstDash val="solid"/>
+          </a:ln>
+          <a:effectLst/>
+        </p:spPr>
+        <p:style>
+          <a:lnRef idx="3">
+            <a:schemeClr val="lt1"/>
+          </a:lnRef>
+          <a:fillRef idx="1">
+            <a:schemeClr val="accent1"/>
+          </a:fillRef>
+          <a:effectRef idx="1">
+            <a:schemeClr val="accent1"/>
+          </a:effectRef>
+          <a:fontRef idx="minor">
+            <a:schemeClr val="lt1"/>
+          </a:fontRef>
+        </p:style>
+        <p:txBody>
+          <a:bodyPr anchor="ctr"/>
+          <a:lstStyle/>
+          <a:p>
+            <a:pPr algn="ctr" eaLnBrk="1" latinLnBrk="0" hangingPunct="1"/>
+            <a:endParaRPr kumimoji="0" lang="en-US"/>
+          </a:p>
+        </p:txBody>
+      </p:sp>
+      <p:sp useBgFill="1">
+        <p:nvSpPr>
+          <p:cNvPr id="34" name="Rounded Rectangle 33"/>
+          <p:cNvSpPr/>
+          <p:nvPr/>
+        </p:nvSpPr>
+        <p:spPr bwMode="white">
+          <a:xfrm>
+            <a:off x="7373646" y="588943"/>
+            <a:ext cx="1600200" cy="36576"/>
+          </a:xfrm>
+          <a:prstGeom prst="roundRect">
+            <a:avLst>
+              <a:gd name="adj" fmla="val 16667"/>
+            </a:avLst>
+          </a:prstGeom>
+          <a:ln w="50800" cap="rnd" cmpd="thickThin" algn="ctr">
+            <a:noFill/>
+            <a:prstDash val="solid"/>
+          </a:ln>
+          <a:effectLst/>
+        </p:spPr>
+        <p:style>
+          <a:lnRef idx="3">
+            <a:schemeClr val="lt1"/>
+          </a:lnRef>
+          <a:fillRef idx="1">
+            <a:schemeClr val="accent1"/>
+          </a:fillRef>
+          <a:effectRef idx="1">
+            <a:schemeClr val="accent1"/>
+          </a:effectRef>
+          <a:fontRef idx="minor">
+            <a:schemeClr val="lt1"/>
+          </a:fontRef>
+        </p:style>
+        <p:txBody>
+          <a:bodyPr anchor="ctr"/>
+          <a:lstStyle/>
+          <a:p>
+            <a:pPr algn="ctr" eaLnBrk="1" latinLnBrk="0" hangingPunct="1"/>
+            <a:endParaRPr kumimoji="0" lang="en-US"/>
+          </a:p>
+        </p:txBody>
+      </p:sp>
+      <p:sp>
+        <p:nvSpPr>
+          <p:cNvPr id="35" name="Rectangle 34"/>
+          <p:cNvSpPr/>
+          <p:nvPr/>
+        </p:nvSpPr>
+        <p:spPr bwMode="invGray">
+          <a:xfrm>
+            <a:off x="9084966" y="-2001"/>
+            <a:ext cx="57626" cy="621792"/>
+          </a:xfrm>
+          <a:prstGeom prst="rect">
+            <a:avLst/>
+          </a:prstGeom>
+          <a:solidFill>
+            <a:srgbClr val="FFFFFF">
+              <a:alpha val="65098"/>
+            </a:srgbClr>
+          </a:solidFill>
+          <a:ln w="50800" cap="rnd" cmpd="thickThin" algn="ctr">
+            <a:noFill/>
+            <a:prstDash val="solid"/>
+          </a:ln>
+          <a:effectLst/>
+        </p:spPr>
+        <p:style>
+          <a:lnRef idx="3">
+            <a:schemeClr val="lt1"/>
+          </a:lnRef>
+          <a:fillRef idx="1">
+            <a:schemeClr val="accent1"/>
+          </a:fillRef>
+          <a:effectRef idx="1">
+            <a:schemeClr val="accent1"/>
+          </a:effectRef>
+          <a:fontRef idx="minor">
+            <a:schemeClr val="lt1"/>
+          </a:fontRef>
+        </p:style>
+        <p:txBody>
+          <a:bodyPr anchor="ctr"/>
+          <a:lstStyle/>
+          <a:p>
+            <a:pPr algn="ctr" eaLnBrk="1" latinLnBrk="0" hangingPunct="1"/>
+            <a:endParaRPr kumimoji="0" lang="en-US" dirty="0"/>
+          </a:p>
+        </p:txBody>
+      </p:sp>
+      <p:sp>
+        <p:nvSpPr>
+          <p:cNvPr id="36" name="Rectangle 35"/>
+          <p:cNvSpPr/>
+          <p:nvPr/>
+        </p:nvSpPr>
+        <p:spPr bwMode="invGray">
+          <a:xfrm>
+            <a:off x="9044481" y="-2001"/>
+            <a:ext cx="27432" cy="621792"/>
+          </a:xfrm>
+          <a:prstGeom prst="rect">
+            <a:avLst/>
+          </a:prstGeom>
+          <a:solidFill>
+            <a:srgbClr val="FFFFFF">
+              <a:alpha val="65098"/>
+            </a:srgbClr>
+          </a:solidFill>
+          <a:ln w="50800" cap="rnd" cmpd="thickThin" algn="ctr">
+            <a:noFill/>
+            <a:prstDash val="solid"/>
+          </a:ln>
+          <a:effectLst/>
+        </p:spPr>
+        <p:style>
+          <a:lnRef idx="3">
+            <a:schemeClr val="lt1"/>
+          </a:lnRef>
+          <a:fillRef idx="1">
+            <a:schemeClr val="accent1"/>
+          </a:fillRef>
+          <a:effectRef idx="1">
+            <a:schemeClr val="accent1"/>
+          </a:effectRef>
+          <a:fontRef idx="minor">
+            <a:schemeClr val="lt1"/>
+          </a:fontRef>
+        </p:style>
+        <p:txBody>
+          <a:bodyPr anchor="ctr"/>
+          <a:lstStyle/>
+          <a:p>
+            <a:pPr algn="ctr" eaLnBrk="1" latinLnBrk="0" hangingPunct="1"/>
+            <a:endParaRPr kumimoji="0" lang="en-US" dirty="0"/>
+          </a:p>
+        </p:txBody>
+      </p:sp>
+      <p:sp>
+        <p:nvSpPr>
+          <p:cNvPr id="37" name="Rectangle 36"/>
+          <p:cNvSpPr/>
+          <p:nvPr/>
+        </p:nvSpPr>
+        <p:spPr bwMode="invGray">
+          <a:xfrm>
+            <a:off x="9025428" y="-2001"/>
+            <a:ext cx="9144" cy="621792"/>
+          </a:xfrm>
+          <a:prstGeom prst="rect">
+            <a:avLst/>
+          </a:prstGeom>
+          <a:solidFill>
+            <a:srgbClr val="FFFFFF">
+              <a:alpha val="60000"/>
+            </a:srgbClr>
+          </a:solidFill>
+          <a:ln w="50800" cap="rnd" cmpd="thickThin" algn="ctr">
+            <a:noFill/>
+            <a:prstDash val="solid"/>
+          </a:ln>
+          <a:effectLst/>
+        </p:spPr>
+        <p:style>
+          <a:lnRef idx="3">
+            <a:schemeClr val="lt1"/>
+          </a:lnRef>
+          <a:fillRef idx="1">
+            <a:schemeClr val="accent1"/>
+          </a:fillRef>
+          <a:effectRef idx="1">
+            <a:schemeClr val="accent1"/>
+          </a:effectRef>
+          <a:fontRef idx="minor">
+            <a:schemeClr val="lt1"/>
+          </a:fontRef>
+        </p:style>
+        <p:txBody>
+          <a:bodyPr anchor="ctr"/>
+          <a:lstStyle/>
+          <a:p>
+            <a:pPr algn="ctr" eaLnBrk="1" latinLnBrk="0" hangingPunct="1"/>
+            <a:endParaRPr kumimoji="0" lang="en-US"/>
+          </a:p>
+        </p:txBody>
+      </p:sp>
+      <p:sp>
+        <p:nvSpPr>
+          <p:cNvPr id="38" name="Rectangle 37"/>
+          <p:cNvSpPr/>
+          <p:nvPr/>
+        </p:nvSpPr>
+        <p:spPr bwMode="invGray">
+          <a:xfrm>
+            <a:off x="8975423" y="-2001"/>
+            <a:ext cx="27432" cy="621792"/>
+          </a:xfrm>
+          <a:prstGeom prst="rect">
+            <a:avLst/>
+          </a:prstGeom>
+          <a:solidFill>
+            <a:srgbClr val="FFFFFF">
+              <a:alpha val="40000"/>
+            </a:srgbClr>
+          </a:solidFill>
+          <a:ln w="50800" cap="rnd" cmpd="thickThin" algn="ctr">
+            <a:noFill/>
+            <a:prstDash val="solid"/>
+          </a:ln>
+          <a:effectLst/>
+        </p:spPr>
+        <p:style>
+          <a:lnRef idx="3">
+            <a:schemeClr val="lt1"/>
+          </a:lnRef>
+          <a:fillRef idx="1">
+            <a:schemeClr val="accent1"/>
+          </a:fillRef>
+          <a:effectRef idx="1">
+            <a:schemeClr val="accent1"/>
+          </a:effectRef>
+          <a:fontRef idx="minor">
+            <a:schemeClr val="lt1"/>
+          </a:fontRef>
+        </p:style>
+        <p:txBody>
+          <a:bodyPr anchor="ctr"/>
+          <a:lstStyle/>
+          <a:p>
+            <a:pPr algn="ctr" eaLnBrk="1" latinLnBrk="0" hangingPunct="1"/>
+            <a:endParaRPr kumimoji="0" lang="en-US"/>
+          </a:p>
+        </p:txBody>
+      </p:sp>
+      <p:sp>
+        <p:nvSpPr>
+          <p:cNvPr id="39" name="Rectangle 38"/>
+          <p:cNvSpPr/>
+          <p:nvPr/>
+        </p:nvSpPr>
+        <p:spPr bwMode="invGray">
+          <a:xfrm>
+            <a:off x="8915677" y="380"/>
+            <a:ext cx="54864" cy="585216"/>
+          </a:xfrm>
+          <a:prstGeom prst="rect">
+            <a:avLst/>
+          </a:prstGeom>
+          <a:solidFill>
+            <a:srgbClr val="FFFFFF">
+              <a:alpha val="20000"/>
+            </a:srgbClr>
+          </a:solidFill>
+          <a:ln w="50800" cap="rnd" cmpd="thickThin" algn="ctr">
+            <a:noFill/>
+            <a:prstDash val="solid"/>
+          </a:ln>
+          <a:effectLst/>
+        </p:spPr>
+        <p:style>
+          <a:lnRef idx="3">
+            <a:schemeClr val="lt1"/>
+          </a:lnRef>
+          <a:fillRef idx="1">
+            <a:schemeClr val="accent1"/>
+          </a:fillRef>
+          <a:effectRef idx="1">
+            <a:schemeClr val="accent1"/>
+          </a:effectRef>
+          <a:fontRef idx="minor">
+            <a:schemeClr val="lt1"/>
+          </a:fontRef>
+        </p:style>
+        <p:txBody>
+          <a:bodyPr anchor="ctr"/>
+          <a:lstStyle/>
+          <a:p>
+            <a:pPr algn="ctr" eaLnBrk="1" latinLnBrk="0" hangingPunct="1"/>
+            <a:endParaRPr kumimoji="0" lang="en-US"/>
+          </a:p>
+        </p:txBody>
+      </p:sp>
+      <p:sp>
+        <p:nvSpPr>
+          <p:cNvPr id="40" name="Rectangle 39"/>
+          <p:cNvSpPr/>
+          <p:nvPr/>
+        </p:nvSpPr>
+        <p:spPr bwMode="invGray">
+          <a:xfrm>
+            <a:off x="8873475" y="380"/>
+            <a:ext cx="9144" cy="585216"/>
+          </a:xfrm>
+          <a:prstGeom prst="rect">
+            <a:avLst/>
+          </a:prstGeom>
+          <a:solidFill>
+            <a:srgbClr val="FFFFFF">
+              <a:alpha val="30196"/>
+            </a:srgbClr>
+          </a:solidFill>
+          <a:ln w="50800" cap="rnd" cmpd="thickThin" algn="ctr">
+            <a:noFill/>
+            <a:prstDash val="solid"/>
+          </a:ln>
+          <a:effectLst/>
+        </p:spPr>
+        <p:style>
+          <a:lnRef idx="3">
+            <a:schemeClr val="lt1"/>
+          </a:lnRef>
+          <a:fillRef idx="1">
+            <a:schemeClr val="accent1"/>
+          </a:fillRef>
+          <a:effectRef idx="1">
+            <a:schemeClr val="accent1"/>
+          </a:effectRef>
+          <a:fontRef idx="minor">
+            <a:schemeClr val="lt1"/>
+          </a:fontRef>
+        </p:style>
+        <p:txBody>
+          <a:bodyPr anchor="ctr"/>
+          <a:lstStyle/>
+          <a:p>
+            <a:pPr algn="ctr" eaLnBrk="1" latinLnBrk="0" hangingPunct="1"/>
+            <a:endParaRPr kumimoji="0" lang="en-US" dirty="0"/>
+          </a:p>
+        </p:txBody>
+      </p:sp>
+      <p:sp>
+        <p:nvSpPr>
+          <p:cNvPr id="22" name="Title Placeholder 21"/>
           <p:cNvSpPr>
             <a:spLocks noGrp="1"/>
           </p:cNvSpPr>
@@ -4508,30 +3613,30 @@
         </p:nvSpPr>
         <p:spPr>
           <a:xfrm>
-            <a:off x="1095023" y="817582"/>
-            <a:ext cx="6965245" cy="1202485"/>
+            <a:off x="457200" y="1143000"/>
+            <a:ext cx="8229600" cy="1066800"/>
           </a:xfrm>
           <a:prstGeom prst="rect">
             <a:avLst/>
           </a:prstGeom>
         </p:spPr>
         <p:txBody>
-          <a:bodyPr vert="horz" lIns="91440" tIns="45720" rIns="91440" bIns="45720" rtlCol="0" anchor="ctr">
+          <a:bodyPr vert="horz" anchor="ctr">
             <a:normAutofit/>
           </a:bodyPr>
           <a:lstStyle/>
           <a:p>
             <a:r>
-              <a:rPr lang="en-US" smtClean="0"/>
+              <a:rPr kumimoji="0" lang="en-US" smtClean="0"/>
               <a:t>Click to edit Master title style</a:t>
             </a:r>
-            <a:endParaRPr lang="en-US" dirty="0"/>
-          </a:p>
-        </p:txBody>
-      </p:sp>
-      <p:sp>
-        <p:nvSpPr>
-          <p:cNvPr id="3" name="Text Placeholder 2"/>
+            <a:endParaRPr kumimoji="0" lang="en-US"/>
+          </a:p>
+        </p:txBody>
+      </p:sp>
+      <p:sp>
+        <p:nvSpPr>
+          <p:cNvPr id="13" name="Text Placeholder 12"/>
           <p:cNvSpPr>
             <a:spLocks noGrp="1"/>
           </p:cNvSpPr>
@@ -4541,59 +3646,59 @@
         </p:nvSpPr>
         <p:spPr>
           <a:xfrm>
-            <a:off x="1463040" y="2119257"/>
-            <a:ext cx="6196405" cy="3603812"/>
+            <a:off x="457200" y="2249424"/>
+            <a:ext cx="8229600" cy="4325112"/>
           </a:xfrm>
           <a:prstGeom prst="rect">
             <a:avLst/>
           </a:prstGeom>
         </p:spPr>
         <p:txBody>
-          <a:bodyPr vert="horz" lIns="91440" tIns="45720" rIns="91440" bIns="45720" rtlCol="0" anchor="t">
+          <a:bodyPr vert="horz">
             <a:normAutofit/>
           </a:bodyPr>
           <a:lstStyle/>
           <a:p>
-            <a:pPr lvl="0"/>
-            <a:r>
-              <a:rPr lang="en-US" smtClean="0"/>
+            <a:pPr lvl="0" eaLnBrk="1" latinLnBrk="0" hangingPunct="1"/>
+            <a:r>
+              <a:rPr kumimoji="0" lang="en-US" smtClean="0"/>
               <a:t>Click to edit Master text styles</a:t>
             </a:r>
           </a:p>
           <a:p>
-            <a:pPr lvl="1"/>
-            <a:r>
-              <a:rPr lang="en-US" smtClean="0"/>
+            <a:pPr lvl="1" eaLnBrk="1" latinLnBrk="0" hangingPunct="1"/>
+            <a:r>
+              <a:rPr kumimoji="0" lang="en-US" smtClean="0"/>
               <a:t>Second level</a:t>
             </a:r>
           </a:p>
           <a:p>
-            <a:pPr lvl="2"/>
-            <a:r>
-              <a:rPr lang="en-US" smtClean="0"/>
+            <a:pPr lvl="2" eaLnBrk="1" latinLnBrk="0" hangingPunct="1"/>
+            <a:r>
+              <a:rPr kumimoji="0" lang="en-US" smtClean="0"/>
               <a:t>Third level</a:t>
             </a:r>
           </a:p>
           <a:p>
-            <a:pPr lvl="3"/>
-            <a:r>
-              <a:rPr lang="en-US" smtClean="0"/>
+            <a:pPr lvl="3" eaLnBrk="1" latinLnBrk="0" hangingPunct="1"/>
+            <a:r>
+              <a:rPr kumimoji="0" lang="en-US" smtClean="0"/>
               <a:t>Fourth level</a:t>
             </a:r>
           </a:p>
           <a:p>
-            <a:pPr lvl="4"/>
-            <a:r>
-              <a:rPr lang="en-US" smtClean="0"/>
+            <a:pPr lvl="4" eaLnBrk="1" latinLnBrk="0" hangingPunct="1"/>
+            <a:r>
+              <a:rPr kumimoji="0" lang="en-US" smtClean="0"/>
               <a:t>Fifth level</a:t>
             </a:r>
-            <a:endParaRPr lang="en-US" dirty="0"/>
-          </a:p>
-        </p:txBody>
-      </p:sp>
-      <p:sp>
-        <p:nvSpPr>
-          <p:cNvPr id="4" name="Date Placeholder 3"/>
+            <a:endParaRPr kumimoji="0" lang="en-US"/>
+          </a:p>
+        </p:txBody>
+      </p:sp>
+      <p:sp>
+        <p:nvSpPr>
+          <p:cNvPr id="14" name="Date Placeholder 13"/>
           <p:cNvSpPr>
             <a:spLocks noGrp="1"/>
           </p:cNvSpPr>
@@ -4603,29 +3708,28 @@
         </p:nvSpPr>
         <p:spPr>
           <a:xfrm>
-            <a:off x="6454588" y="5809152"/>
-            <a:ext cx="1213821" cy="365125"/>
+            <a:off x="6586536" y="612648"/>
+            <a:ext cx="957264" cy="457200"/>
           </a:xfrm>
           <a:prstGeom prst="rect">
             <a:avLst/>
           </a:prstGeom>
         </p:spPr>
         <p:txBody>
-          <a:bodyPr vert="horz" lIns="91440" tIns="45720" rIns="91440" bIns="45720" rtlCol="0" anchor="ctr"/>
+          <a:bodyPr vert="horz"/>
           <a:lstStyle>
-            <a:lvl1pPr algn="r">
-              <a:defRPr sz="1200">
+            <a:lvl1pPr algn="l" eaLnBrk="1" latinLnBrk="0" hangingPunct="1">
+              <a:defRPr kumimoji="0" sz="800">
                 <a:solidFill>
-                  <a:schemeClr val="tx2"/>
+                  <a:schemeClr val="accent2"/>
                 </a:solidFill>
-                <a:latin typeface="Rage Italic" pitchFamily="66" charset="0"/>
               </a:defRPr>
             </a:lvl1pPr>
           </a:lstStyle>
           <a:p>
             <a:fld id="{64A11B57-DEF7-4D73-A804-611474AE0F91}" type="datetimeFigureOut">
               <a:rPr lang="en-US" smtClean="0"/>
-              <a:t>1/13/2022</a:t>
+              <a:t>1/14/2022</a:t>
             </a:fld>
             <a:endParaRPr lang="en-US"/>
           </a:p>
@@ -4633,7 +3737,7 @@
       </p:sp>
       <p:sp>
         <p:nvSpPr>
-          <p:cNvPr id="5" name="Footer Placeholder 4"/>
+          <p:cNvPr id="3" name="Footer Placeholder 2"/>
           <p:cNvSpPr>
             <a:spLocks noGrp="1"/>
           </p:cNvSpPr>
@@ -4643,22 +3747,21 @@
         </p:nvSpPr>
         <p:spPr>
           <a:xfrm>
-            <a:off x="914401" y="5809152"/>
-            <a:ext cx="5540188" cy="365125"/>
+            <a:off x="5257800" y="612648"/>
+            <a:ext cx="1325880" cy="457200"/>
           </a:xfrm>
           <a:prstGeom prst="rect">
             <a:avLst/>
           </a:prstGeom>
         </p:spPr>
         <p:txBody>
-          <a:bodyPr vert="horz" lIns="91440" tIns="45720" rIns="91440" bIns="45720" rtlCol="0" anchor="ctr"/>
+          <a:bodyPr vert="horz"/>
           <a:lstStyle>
-            <a:lvl1pPr algn="l">
-              <a:defRPr sz="1400">
+            <a:lvl1pPr algn="r" eaLnBrk="1" latinLnBrk="0" hangingPunct="1">
+              <a:defRPr kumimoji="0" sz="800">
                 <a:solidFill>
-                  <a:schemeClr val="tx2"/>
+                  <a:schemeClr val="accent2"/>
                 </a:solidFill>
-                <a:latin typeface="Rage Italic" pitchFamily="66" charset="0"/>
               </a:defRPr>
             </a:lvl1pPr>
           </a:lstStyle>
@@ -4669,7 +3772,7 @@
       </p:sp>
       <p:sp>
         <p:nvSpPr>
-          <p:cNvPr id="6" name="Slide Number Placeholder 5"/>
+          <p:cNvPr id="23" name="Slide Number Placeholder 22"/>
           <p:cNvSpPr>
             <a:spLocks noGrp="1"/>
           </p:cNvSpPr>
@@ -4679,22 +3782,21 @@
         </p:nvSpPr>
         <p:spPr>
           <a:xfrm>
-            <a:off x="7670202" y="5809152"/>
-            <a:ext cx="554023" cy="365125"/>
+            <a:off x="8174736" y="2272"/>
+            <a:ext cx="762000" cy="365760"/>
           </a:xfrm>
           <a:prstGeom prst="rect">
             <a:avLst/>
           </a:prstGeom>
         </p:spPr>
         <p:txBody>
-          <a:bodyPr vert="horz" lIns="91440" tIns="45720" rIns="91440" bIns="45720" rtlCol="0" anchor="ctr"/>
+          <a:bodyPr vert="horz" anchor="b"/>
           <a:lstStyle>
-            <a:lvl1pPr algn="r">
-              <a:defRPr sz="1400">
+            <a:lvl1pPr algn="r" eaLnBrk="1" latinLnBrk="0" hangingPunct="1">
+              <a:defRPr kumimoji="0" sz="1800">
                 <a:solidFill>
-                  <a:schemeClr val="tx2"/>
+                  <a:srgbClr val="FFFFFF"/>
                 </a:solidFill>
-                <a:latin typeface="Rage Italic" pitchFamily="66" charset="0"/>
               </a:defRPr>
             </a:lvl1pPr>
           </a:lstStyle>
@@ -4711,103 +3813,46 @@
   </p:cSld>
   <p:clrMap bg1="lt1" tx1="dk1" bg2="lt2" tx2="dk2" accent1="accent1" accent2="accent2" accent3="accent3" accent4="accent4" accent5="accent5" accent6="accent6" hlink="hlink" folHlink="folHlink"/>
   <p:sldLayoutIdLst>
-    <p:sldLayoutId id="2147483709" r:id="rId1"/>
-    <p:sldLayoutId id="2147483710" r:id="rId2"/>
-    <p:sldLayoutId id="2147483711" r:id="rId3"/>
-    <p:sldLayoutId id="2147483712" r:id="rId4"/>
-    <p:sldLayoutId id="2147483713" r:id="rId5"/>
-    <p:sldLayoutId id="2147483714" r:id="rId6"/>
-    <p:sldLayoutId id="2147483715" r:id="rId7"/>
-    <p:sldLayoutId id="2147483716" r:id="rId8"/>
-    <p:sldLayoutId id="2147483717" r:id="rId9"/>
-    <p:sldLayoutId id="2147483718" r:id="rId10"/>
-    <p:sldLayoutId id="2147483719" r:id="rId11"/>
+    <p:sldLayoutId id="2147483721" r:id="rId1"/>
+    <p:sldLayoutId id="2147483722" r:id="rId2"/>
+    <p:sldLayoutId id="2147483723" r:id="rId3"/>
+    <p:sldLayoutId id="2147483724" r:id="rId4"/>
+    <p:sldLayoutId id="2147483725" r:id="rId5"/>
+    <p:sldLayoutId id="2147483726" r:id="rId6"/>
+    <p:sldLayoutId id="2147483727" r:id="rId7"/>
+    <p:sldLayoutId id="2147483728" r:id="rId8"/>
+    <p:sldLayoutId id="2147483729" r:id="rId9"/>
+    <p:sldLayoutId id="2147483730" r:id="rId10"/>
+    <p:sldLayoutId id="2147483731" r:id="rId11"/>
   </p:sldLayoutIdLst>
   <p:txStyles>
     <p:titleStyle>
-      <a:lvl1pPr algn="ctr" defTabSz="914400" rtl="0" eaLnBrk="1" latinLnBrk="0" hangingPunct="1">
+      <a:lvl1pPr algn="l" rtl="0" eaLnBrk="1" latinLnBrk="0" hangingPunct="1">
         <a:spcBef>
           <a:spcPct val="0"/>
         </a:spcBef>
         <a:buNone/>
-        <a:defRPr sz="4400" kern="1200">
+        <a:defRPr kumimoji="0" sz="4000" kern="1200">
           <a:solidFill>
-            <a:schemeClr val="tx1"/>
+            <a:schemeClr val="tx2"/>
           </a:solidFill>
           <a:latin typeface="+mj-lt"/>
           <a:ea typeface="+mj-ea"/>
           <a:cs typeface="+mj-cs"/>
         </a:defRPr>
       </a:lvl1pPr>
-      <a:lvl2pPr eaLnBrk="1" hangingPunct="1">
-        <a:defRPr>
-          <a:solidFill>
-            <a:schemeClr val="tx2"/>
-          </a:solidFill>
-        </a:defRPr>
-      </a:lvl2pPr>
-      <a:lvl3pPr eaLnBrk="1" hangingPunct="1">
-        <a:defRPr>
-          <a:solidFill>
-            <a:schemeClr val="tx2"/>
-          </a:solidFill>
-        </a:defRPr>
-      </a:lvl3pPr>
-      <a:lvl4pPr eaLnBrk="1" hangingPunct="1">
-        <a:defRPr>
-          <a:solidFill>
-            <a:schemeClr val="tx2"/>
-          </a:solidFill>
-        </a:defRPr>
-      </a:lvl4pPr>
-      <a:lvl5pPr eaLnBrk="1" hangingPunct="1">
-        <a:defRPr>
-          <a:solidFill>
-            <a:schemeClr val="tx2"/>
-          </a:solidFill>
-        </a:defRPr>
-      </a:lvl5pPr>
-      <a:lvl6pPr eaLnBrk="1" hangingPunct="1">
-        <a:defRPr>
-          <a:solidFill>
-            <a:schemeClr val="tx2"/>
-          </a:solidFill>
-        </a:defRPr>
-      </a:lvl6pPr>
-      <a:lvl7pPr eaLnBrk="1" hangingPunct="1">
-        <a:defRPr>
-          <a:solidFill>
-            <a:schemeClr val="tx2"/>
-          </a:solidFill>
-        </a:defRPr>
-      </a:lvl7pPr>
-      <a:lvl8pPr eaLnBrk="1" hangingPunct="1">
-        <a:defRPr>
-          <a:solidFill>
-            <a:schemeClr val="tx2"/>
-          </a:solidFill>
-        </a:defRPr>
-      </a:lvl8pPr>
-      <a:lvl9pPr eaLnBrk="1" hangingPunct="1">
-        <a:defRPr>
-          <a:solidFill>
-            <a:schemeClr val="tx2"/>
-          </a:solidFill>
-        </a:defRPr>
-      </a:lvl9pPr>
     </p:titleStyle>
     <p:bodyStyle>
-      <a:lvl1pPr marL="274320" indent="-274320" algn="l" defTabSz="914400" rtl="0" eaLnBrk="1" latinLnBrk="0" hangingPunct="1">
+      <a:lvl1pPr marL="365760" indent="-256032" algn="l" rtl="0" eaLnBrk="1" latinLnBrk="0" hangingPunct="1">
         <a:spcBef>
-          <a:spcPct val="20000"/>
+          <a:spcPts val="300"/>
         </a:spcBef>
         <a:buClr>
-          <a:schemeClr val="accent2"/>
+          <a:schemeClr val="accent3"/>
         </a:buClr>
-        <a:buSzPct val="85000"/>
-        <a:buFont typeface="Brush Script MT" pitchFamily="66" charset="0"/>
-        <a:buChar char="O"/>
-        <a:defRPr sz="2400" kern="1200">
+        <a:buFont typeface="Georgia"/>
+        <a:buChar char="•"/>
+        <a:defRPr kumimoji="0" sz="2800" kern="1200">
           <a:solidFill>
             <a:schemeClr val="tx1"/>
           </a:solidFill>
@@ -4816,17 +3861,164 @@
           <a:cs typeface="+mn-cs"/>
         </a:defRPr>
       </a:lvl1pPr>
-      <a:lvl2pPr marL="640080" indent="-274320" algn="l" defTabSz="914400" rtl="0" eaLnBrk="1" latinLnBrk="0" hangingPunct="1">
+      <a:lvl2pPr marL="658368" indent="-246888" algn="l" rtl="0" eaLnBrk="1" latinLnBrk="0" hangingPunct="1">
         <a:spcBef>
-          <a:spcPct val="20000"/>
+          <a:spcPts val="300"/>
         </a:spcBef>
         <a:buClr>
           <a:schemeClr val="accent2"/>
         </a:buClr>
-        <a:buSzPct val="85000"/>
-        <a:buFont typeface="Brush Script MT" pitchFamily="66" charset="0"/>
-        <a:buChar char="O"/>
-        <a:defRPr sz="2200" kern="1200">
+        <a:buFont typeface="Georgia"/>
+        <a:buChar char="▫"/>
+        <a:defRPr kumimoji="0" sz="2600" kern="1200">
+          <a:solidFill>
+            <a:schemeClr val="accent2"/>
+          </a:solidFill>
+          <a:latin typeface="+mn-lt"/>
+          <a:ea typeface="+mn-ea"/>
+          <a:cs typeface="+mn-cs"/>
+        </a:defRPr>
+      </a:lvl2pPr>
+      <a:lvl3pPr marL="923544" indent="-219456" algn="l" rtl="0" eaLnBrk="1" latinLnBrk="0" hangingPunct="1">
+        <a:spcBef>
+          <a:spcPts val="300"/>
+        </a:spcBef>
+        <a:buClr>
+          <a:schemeClr val="accent1"/>
+        </a:buClr>
+        <a:buFont typeface="Wingdings 2"/>
+        <a:buChar char=""/>
+        <a:defRPr kumimoji="0" sz="2400" kern="1200">
+          <a:solidFill>
+            <a:schemeClr val="accent1"/>
+          </a:solidFill>
+          <a:latin typeface="+mn-lt"/>
+          <a:ea typeface="+mn-ea"/>
+          <a:cs typeface="+mn-cs"/>
+        </a:defRPr>
+      </a:lvl3pPr>
+      <a:lvl4pPr marL="1179576" indent="-201168" algn="l" rtl="0" eaLnBrk="1" latinLnBrk="0" hangingPunct="1">
+        <a:spcBef>
+          <a:spcPts val="300"/>
+        </a:spcBef>
+        <a:buClr>
+          <a:schemeClr val="accent1"/>
+        </a:buClr>
+        <a:buFont typeface="Wingdings 2"/>
+        <a:buChar char=""/>
+        <a:defRPr kumimoji="0" sz="2200" kern="1200">
+          <a:solidFill>
+            <a:schemeClr val="accent1"/>
+          </a:solidFill>
+          <a:latin typeface="+mn-lt"/>
+          <a:ea typeface="+mn-ea"/>
+          <a:cs typeface="+mn-cs"/>
+        </a:defRPr>
+      </a:lvl4pPr>
+      <a:lvl5pPr marL="1389888" indent="-182880" algn="l" rtl="0" eaLnBrk="1" latinLnBrk="0" hangingPunct="1">
+        <a:spcBef>
+          <a:spcPts val="300"/>
+        </a:spcBef>
+        <a:buClr>
+          <a:schemeClr val="accent3"/>
+        </a:buClr>
+        <a:buFont typeface="Georgia"/>
+        <a:buChar char="▫"/>
+        <a:defRPr kumimoji="0" sz="2000" kern="1200">
+          <a:solidFill>
+            <a:schemeClr val="accent3"/>
+          </a:solidFill>
+          <a:latin typeface="+mn-lt"/>
+          <a:ea typeface="+mn-ea"/>
+          <a:cs typeface="+mn-cs"/>
+        </a:defRPr>
+      </a:lvl5pPr>
+      <a:lvl6pPr marL="1609344" indent="-182880" algn="l" rtl="0" eaLnBrk="1" latinLnBrk="0" hangingPunct="1">
+        <a:spcBef>
+          <a:spcPts val="300"/>
+        </a:spcBef>
+        <a:buClr>
+          <a:schemeClr val="accent3"/>
+        </a:buClr>
+        <a:buFont typeface="Georgia"/>
+        <a:buChar char="▫"/>
+        <a:defRPr kumimoji="0" sz="1800" kern="1200">
+          <a:solidFill>
+            <a:schemeClr val="accent3"/>
+          </a:solidFill>
+          <a:latin typeface="+mn-lt"/>
+          <a:ea typeface="+mn-ea"/>
+          <a:cs typeface="+mn-cs"/>
+        </a:defRPr>
+      </a:lvl6pPr>
+      <a:lvl7pPr marL="1828800" indent="-182880" algn="l" rtl="0" eaLnBrk="1" latinLnBrk="0" hangingPunct="1">
+        <a:spcBef>
+          <a:spcPts val="300"/>
+        </a:spcBef>
+        <a:buClr>
+          <a:schemeClr val="accent3"/>
+        </a:buClr>
+        <a:buFont typeface="Georgia"/>
+        <a:buChar char="▫"/>
+        <a:defRPr kumimoji="0" sz="1600" kern="1200">
+          <a:solidFill>
+            <a:schemeClr val="accent3"/>
+          </a:solidFill>
+          <a:latin typeface="+mn-lt"/>
+          <a:ea typeface="+mn-ea"/>
+          <a:cs typeface="+mn-cs"/>
+        </a:defRPr>
+      </a:lvl7pPr>
+      <a:lvl8pPr marL="2029968" indent="-182880" algn="l" rtl="0" eaLnBrk="1" latinLnBrk="0" hangingPunct="1">
+        <a:spcBef>
+          <a:spcPts val="300"/>
+        </a:spcBef>
+        <a:buClr>
+          <a:schemeClr val="accent3"/>
+        </a:buClr>
+        <a:buFont typeface="Georgia"/>
+        <a:buChar char="◦"/>
+        <a:defRPr kumimoji="0" sz="1500" kern="1200">
+          <a:solidFill>
+            <a:schemeClr val="accent3"/>
+          </a:solidFill>
+          <a:latin typeface="+mn-lt"/>
+          <a:ea typeface="+mn-ea"/>
+          <a:cs typeface="+mn-cs"/>
+        </a:defRPr>
+      </a:lvl8pPr>
+      <a:lvl9pPr marL="2240280" indent="-182880" algn="l" rtl="0" eaLnBrk="1" latinLnBrk="0" hangingPunct="1">
+        <a:spcBef>
+          <a:spcPts val="300"/>
+        </a:spcBef>
+        <a:buClr>
+          <a:schemeClr val="accent3"/>
+        </a:buClr>
+        <a:buFont typeface="Georgia"/>
+        <a:buChar char="◦"/>
+        <a:defRPr kumimoji="0" sz="1400" kern="1200" baseline="0">
+          <a:solidFill>
+            <a:schemeClr val="accent3"/>
+          </a:solidFill>
+          <a:latin typeface="+mn-lt"/>
+          <a:ea typeface="+mn-ea"/>
+          <a:cs typeface="+mn-cs"/>
+        </a:defRPr>
+      </a:lvl9pPr>
+    </p:bodyStyle>
+    <p:otherStyle>
+      <a:lvl1pPr marL="0" algn="l" rtl="0" eaLnBrk="1" latinLnBrk="0" hangingPunct="1">
+        <a:defRPr kumimoji="0" kern="1200">
+          <a:solidFill>
+            <a:schemeClr val="tx1"/>
+          </a:solidFill>
+          <a:latin typeface="+mn-lt"/>
+          <a:ea typeface="+mn-ea"/>
+          <a:cs typeface="+mn-cs"/>
+        </a:defRPr>
+      </a:lvl1pPr>
+      <a:lvl2pPr marL="457200" algn="l" rtl="0" eaLnBrk="1" latinLnBrk="0" hangingPunct="1">
+        <a:defRPr kumimoji="0" kern="1200">
           <a:solidFill>
             <a:schemeClr val="tx1"/>
           </a:solidFill>
@@ -4835,17 +4027,8 @@
           <a:cs typeface="+mn-cs"/>
         </a:defRPr>
       </a:lvl2pPr>
-      <a:lvl3pPr marL="914400" indent="-228600" algn="l" defTabSz="914400" rtl="0" eaLnBrk="1" latinLnBrk="0" hangingPunct="1">
-        <a:spcBef>
-          <a:spcPct val="20000"/>
-        </a:spcBef>
-        <a:buClr>
-          <a:schemeClr val="accent2"/>
-        </a:buClr>
-        <a:buSzPct val="85000"/>
-        <a:buFont typeface="Brush Script MT" pitchFamily="66" charset="0"/>
-        <a:buChar char="O"/>
-        <a:defRPr sz="2000" kern="1200">
+      <a:lvl3pPr marL="914400" algn="l" rtl="0" eaLnBrk="1" latinLnBrk="0" hangingPunct="1">
+        <a:defRPr kumimoji="0" kern="1200">
           <a:solidFill>
             <a:schemeClr val="tx1"/>
           </a:solidFill>
@@ -4854,17 +4037,8 @@
           <a:cs typeface="+mn-cs"/>
         </a:defRPr>
       </a:lvl3pPr>
-      <a:lvl4pPr marL="1280160" indent="-228600" algn="l" defTabSz="914400" rtl="0" eaLnBrk="1" latinLnBrk="0" hangingPunct="1">
-        <a:spcBef>
-          <a:spcPct val="20000"/>
-        </a:spcBef>
-        <a:buClr>
-          <a:schemeClr val="accent2"/>
-        </a:buClr>
-        <a:buSzPct val="85000"/>
-        <a:buFont typeface="Brush Script MT" pitchFamily="66" charset="0"/>
-        <a:buChar char="O"/>
-        <a:defRPr sz="1800" kern="1200">
+      <a:lvl4pPr marL="1371600" algn="l" rtl="0" eaLnBrk="1" latinLnBrk="0" hangingPunct="1">
+        <a:defRPr kumimoji="0" kern="1200">
           <a:solidFill>
             <a:schemeClr val="tx1"/>
           </a:solidFill>
@@ -4873,17 +4047,8 @@
           <a:cs typeface="+mn-cs"/>
         </a:defRPr>
       </a:lvl4pPr>
-      <a:lvl5pPr marL="1645920" indent="-228600" algn="l" defTabSz="914400" rtl="0" eaLnBrk="1" latinLnBrk="0" hangingPunct="1">
-        <a:spcBef>
-          <a:spcPct val="20000"/>
-        </a:spcBef>
-        <a:buClr>
-          <a:schemeClr val="accent2"/>
-        </a:buClr>
-        <a:buSzPct val="85000"/>
-        <a:buFont typeface="Brush Script MT" pitchFamily="66" charset="0"/>
-        <a:buChar char="O"/>
-        <a:defRPr sz="1600" kern="1200">
+      <a:lvl5pPr marL="1828800" algn="l" rtl="0" eaLnBrk="1" latinLnBrk="0" hangingPunct="1">
+        <a:defRPr kumimoji="0" kern="1200">
           <a:solidFill>
             <a:schemeClr val="tx1"/>
           </a:solidFill>
@@ -4892,17 +4057,8 @@
           <a:cs typeface="+mn-cs"/>
         </a:defRPr>
       </a:lvl5pPr>
-      <a:lvl6pPr marL="2011680" indent="-228600" algn="l" defTabSz="914400" rtl="0" eaLnBrk="1" latinLnBrk="0" hangingPunct="1">
-        <a:spcBef>
-          <a:spcPct val="20000"/>
-        </a:spcBef>
-        <a:buClr>
-          <a:schemeClr val="accent2"/>
-        </a:buClr>
-        <a:buSzPct val="85000"/>
-        <a:buFont typeface="Brush Script MT" pitchFamily="66" charset="0"/>
-        <a:buChar char="O"/>
-        <a:defRPr sz="1600" kern="1200">
+      <a:lvl6pPr marL="2286000" algn="l" rtl="0" eaLnBrk="1" latinLnBrk="0" hangingPunct="1">
+        <a:defRPr kumimoji="0" kern="1200">
           <a:solidFill>
             <a:schemeClr val="tx1"/>
           </a:solidFill>
@@ -4911,17 +4067,8 @@
           <a:cs typeface="+mn-cs"/>
         </a:defRPr>
       </a:lvl6pPr>
-      <a:lvl7pPr marL="2377440" indent="-228600" algn="l" defTabSz="914400" rtl="0" eaLnBrk="1" latinLnBrk="0" hangingPunct="1">
-        <a:spcBef>
-          <a:spcPct val="20000"/>
-        </a:spcBef>
-        <a:buClr>
-          <a:schemeClr val="accent2"/>
-        </a:buClr>
-        <a:buSzPct val="85000"/>
-        <a:buFont typeface="Brush Script MT" pitchFamily="66" charset="0"/>
-        <a:buChar char="O"/>
-        <a:defRPr sz="1600" kern="1200">
+      <a:lvl7pPr marL="2743200" algn="l" rtl="0" eaLnBrk="1" latinLnBrk="0" hangingPunct="1">
+        <a:defRPr kumimoji="0" kern="1200">
           <a:solidFill>
             <a:schemeClr val="tx1"/>
           </a:solidFill>
@@ -4930,17 +4077,8 @@
           <a:cs typeface="+mn-cs"/>
         </a:defRPr>
       </a:lvl7pPr>
-      <a:lvl8pPr marL="2743200" indent="-228600" algn="l" defTabSz="914400" rtl="0" eaLnBrk="1" latinLnBrk="0" hangingPunct="1">
-        <a:spcBef>
-          <a:spcPct val="20000"/>
-        </a:spcBef>
-        <a:buClr>
-          <a:schemeClr val="accent2"/>
-        </a:buClr>
-        <a:buSzPct val="85000"/>
-        <a:buFont typeface="Brush Script MT" pitchFamily="66" charset="0"/>
-        <a:buChar char="O"/>
-        <a:defRPr sz="1600" kern="1200">
+      <a:lvl8pPr marL="3200400" algn="l" rtl="0" eaLnBrk="1" latinLnBrk="0" hangingPunct="1">
+        <a:defRPr kumimoji="0" kern="1200">
           <a:solidFill>
             <a:schemeClr val="tx1"/>
           </a:solidFill>
@@ -4949,112 +4087,8 @@
           <a:cs typeface="+mn-cs"/>
         </a:defRPr>
       </a:lvl8pPr>
-      <a:lvl9pPr marL="3108960" indent="-228600" algn="l" defTabSz="914400" rtl="0" eaLnBrk="1" latinLnBrk="0" hangingPunct="1">
-        <a:spcBef>
-          <a:spcPct val="20000"/>
-        </a:spcBef>
-        <a:buClr>
-          <a:schemeClr val="accent2"/>
-        </a:buClr>
-        <a:buSzPct val="85000"/>
-        <a:buFont typeface="Brush Script MT" pitchFamily="66" charset="0"/>
-        <a:buChar char="O"/>
-        <a:defRPr sz="1600" kern="1200">
-          <a:solidFill>
-            <a:schemeClr val="tx1"/>
-          </a:solidFill>
-          <a:latin typeface="+mn-lt"/>
-          <a:ea typeface="+mn-ea"/>
-          <a:cs typeface="+mn-cs"/>
-        </a:defRPr>
-      </a:lvl9pPr>
-    </p:bodyStyle>
-    <p:otherStyle>
-      <a:defPPr>
-        <a:defRPr lang="en-US"/>
-      </a:defPPr>
-      <a:lvl1pPr marL="0" algn="l" defTabSz="914400" rtl="0" eaLnBrk="1" latinLnBrk="0" hangingPunct="1">
-        <a:defRPr sz="1800" kern="1200">
-          <a:solidFill>
-            <a:schemeClr val="tx1"/>
-          </a:solidFill>
-          <a:latin typeface="+mn-lt"/>
-          <a:ea typeface="+mn-ea"/>
-          <a:cs typeface="+mn-cs"/>
-        </a:defRPr>
-      </a:lvl1pPr>
-      <a:lvl2pPr marL="457200" algn="l" defTabSz="914400" rtl="0" eaLnBrk="1" latinLnBrk="0" hangingPunct="1">
-        <a:defRPr sz="1800" kern="1200">
-          <a:solidFill>
-            <a:schemeClr val="tx1"/>
-          </a:solidFill>
-          <a:latin typeface="+mn-lt"/>
-          <a:ea typeface="+mn-ea"/>
-          <a:cs typeface="+mn-cs"/>
-        </a:defRPr>
-      </a:lvl2pPr>
-      <a:lvl3pPr marL="914400" algn="l" defTabSz="914400" rtl="0" eaLnBrk="1" latinLnBrk="0" hangingPunct="1">
-        <a:defRPr sz="1800" kern="1200">
-          <a:solidFill>
-            <a:schemeClr val="tx1"/>
-          </a:solidFill>
-          <a:latin typeface="+mn-lt"/>
-          <a:ea typeface="+mn-ea"/>
-          <a:cs typeface="+mn-cs"/>
-        </a:defRPr>
-      </a:lvl3pPr>
-      <a:lvl4pPr marL="1371600" algn="l" defTabSz="914400" rtl="0" eaLnBrk="1" latinLnBrk="0" hangingPunct="1">
-        <a:defRPr sz="1800" kern="1200">
-          <a:solidFill>
-            <a:schemeClr val="tx1"/>
-          </a:solidFill>
-          <a:latin typeface="+mn-lt"/>
-          <a:ea typeface="+mn-ea"/>
-          <a:cs typeface="+mn-cs"/>
-        </a:defRPr>
-      </a:lvl4pPr>
-      <a:lvl5pPr marL="1828800" algn="l" defTabSz="914400" rtl="0" eaLnBrk="1" latinLnBrk="0" hangingPunct="1">
-        <a:defRPr sz="1800" kern="1200">
-          <a:solidFill>
-            <a:schemeClr val="tx1"/>
-          </a:solidFill>
-          <a:latin typeface="+mn-lt"/>
-          <a:ea typeface="+mn-ea"/>
-          <a:cs typeface="+mn-cs"/>
-        </a:defRPr>
-      </a:lvl5pPr>
-      <a:lvl6pPr marL="2286000" algn="l" defTabSz="914400" rtl="0" eaLnBrk="1" latinLnBrk="0" hangingPunct="1">
-        <a:defRPr sz="1800" kern="1200">
-          <a:solidFill>
-            <a:schemeClr val="tx1"/>
-          </a:solidFill>
-          <a:latin typeface="+mn-lt"/>
-          <a:ea typeface="+mn-ea"/>
-          <a:cs typeface="+mn-cs"/>
-        </a:defRPr>
-      </a:lvl6pPr>
-      <a:lvl7pPr marL="2743200" algn="l" defTabSz="914400" rtl="0" eaLnBrk="1" latinLnBrk="0" hangingPunct="1">
-        <a:defRPr sz="1800" kern="1200">
-          <a:solidFill>
-            <a:schemeClr val="tx1"/>
-          </a:solidFill>
-          <a:latin typeface="+mn-lt"/>
-          <a:ea typeface="+mn-ea"/>
-          <a:cs typeface="+mn-cs"/>
-        </a:defRPr>
-      </a:lvl7pPr>
-      <a:lvl8pPr marL="3200400" algn="l" defTabSz="914400" rtl="0" eaLnBrk="1" latinLnBrk="0" hangingPunct="1">
-        <a:defRPr sz="1800" kern="1200">
-          <a:solidFill>
-            <a:schemeClr val="tx1"/>
-          </a:solidFill>
-          <a:latin typeface="+mn-lt"/>
-          <a:ea typeface="+mn-ea"/>
-          <a:cs typeface="+mn-cs"/>
-        </a:defRPr>
-      </a:lvl8pPr>
-      <a:lvl9pPr marL="3657600" algn="l" defTabSz="914400" rtl="0" eaLnBrk="1" latinLnBrk="0" hangingPunct="1">
-        <a:defRPr sz="1800" kern="1200">
+      <a:lvl9pPr marL="3657600" algn="l" rtl="0" eaLnBrk="1" latinLnBrk="0" hangingPunct="1">
+        <a:defRPr kumimoji="0" kern="1200">
           <a:solidFill>
             <a:schemeClr val="tx1"/>
           </a:solidFill>
@@ -5183,344 +4217,6 @@
           </a:p>
         </p:txBody>
       </p:sp>
-      <p:sp>
-        <p:nvSpPr>
-          <p:cNvPr id="3" name="Content Placeholder 2"/>
-          <p:cNvSpPr>
-            <a:spLocks noGrp="1"/>
-          </p:cNvSpPr>
-          <p:nvPr>
-            <p:ph idx="1"/>
-          </p:nvPr>
-        </p:nvSpPr>
-        <p:spPr/>
-        <p:txBody>
-          <a:bodyPr/>
-          <a:lstStyle/>
-          <a:p>
-            <a:endParaRPr lang="en-US" dirty="0" smtClean="0"/>
-          </a:p>
-          <a:p>
-            <a:r>
-              <a:rPr lang="sr-Latn-RS" dirty="0" smtClean="0"/>
-              <a:t>-Vrsi </a:t>
-            </a:r>
-            <a:r>
-              <a:rPr lang="sr-Latn-RS" dirty="0"/>
-              <a:t>se provera da li je korisnik registrovan.</a:t>
-            </a:r>
-            <a:endParaRPr lang="en-US" dirty="0"/>
-          </a:p>
-          <a:p>
-            <a:endParaRPr lang="en-US" dirty="0"/>
-          </a:p>
-          <a:p>
-            <a:endParaRPr lang="en-US" dirty="0" smtClean="0"/>
-          </a:p>
-          <a:p>
-            <a:endParaRPr lang="en-US" dirty="0"/>
-          </a:p>
-          <a:p>
-            <a:r>
-              <a:rPr lang="sr-Latn-RS" dirty="0" smtClean="0"/>
-              <a:t>-</a:t>
-            </a:r>
-            <a:r>
-              <a:rPr lang="sr-Latn-RS" dirty="0"/>
-              <a:t>Korisnik unosi licne podatke i nacin placanja.</a:t>
-            </a:r>
-            <a:endParaRPr lang="en-US" dirty="0"/>
-          </a:p>
-          <a:p>
-            <a:endParaRPr lang="en-US" dirty="0"/>
-          </a:p>
-        </p:txBody>
-      </p:sp>
-    </p:spTree>
-    <p:extLst>
-      <p:ext uri="{BB962C8B-B14F-4D97-AF65-F5344CB8AC3E}">
-        <p14:creationId xmlns:p14="http://schemas.microsoft.com/office/powerpoint/2010/main" val="2642278263"/>
-      </p:ext>
-    </p:extLst>
-  </p:cSld>
-  <p:clrMapOvr>
-    <a:masterClrMapping/>
-  </p:clrMapOvr>
-  <p:timing>
-    <p:tnLst>
-      <p:par>
-        <p:cTn id="1" dur="indefinite" restart="never" nodeType="tmRoot">
-          <p:childTnLst>
-            <p:seq concurrent="1" nextAc="seek">
-              <p:cTn id="2" dur="indefinite" nodeType="mainSeq">
-                <p:childTnLst>
-                  <p:par>
-                    <p:cTn id="3" fill="hold">
-                      <p:stCondLst>
-                        <p:cond delay="indefinite"/>
-                      </p:stCondLst>
-                      <p:childTnLst>
-                        <p:par>
-                          <p:cTn id="4" fill="hold">
-                            <p:stCondLst>
-                              <p:cond delay="0"/>
-                            </p:stCondLst>
-                            <p:childTnLst>
-                              <p:par>
-                                <p:cTn id="5" presetID="2" presetClass="entr" presetSubtype="4" fill="hold" nodeType="clickEffect">
-                                  <p:stCondLst>
-                                    <p:cond delay="0"/>
-                                  </p:stCondLst>
-                                  <p:childTnLst>
-                                    <p:set>
-                                      <p:cBhvr>
-                                        <p:cTn id="6" dur="1" fill="hold">
-                                          <p:stCondLst>
-                                            <p:cond delay="0"/>
-                                          </p:stCondLst>
-                                        </p:cTn>
-                                        <p:tgtEl>
-                                          <p:spTgt spid="3">
-                                            <p:txEl>
-                                              <p:pRg st="1" end="1"/>
-                                            </p:txEl>
-                                          </p:spTgt>
-                                        </p:tgtEl>
-                                        <p:attrNameLst>
-                                          <p:attrName>style.visibility</p:attrName>
-                                        </p:attrNameLst>
-                                      </p:cBhvr>
-                                      <p:to>
-                                        <p:strVal val="visible"/>
-                                      </p:to>
-                                    </p:set>
-                                    <p:anim calcmode="lin" valueType="num">
-                                      <p:cBhvr additive="base">
-                                        <p:cTn id="7" dur="500" fill="hold"/>
-                                        <p:tgtEl>
-                                          <p:spTgt spid="3">
-                                            <p:txEl>
-                                              <p:pRg st="1" end="1"/>
-                                            </p:txEl>
-                                          </p:spTgt>
-                                        </p:tgtEl>
-                                        <p:attrNameLst>
-                                          <p:attrName>ppt_x</p:attrName>
-                                        </p:attrNameLst>
-                                      </p:cBhvr>
-                                      <p:tavLst>
-                                        <p:tav tm="0">
-                                          <p:val>
-                                            <p:strVal val="#ppt_x"/>
-                                          </p:val>
-                                        </p:tav>
-                                        <p:tav tm="100000">
-                                          <p:val>
-                                            <p:strVal val="#ppt_x"/>
-                                          </p:val>
-                                        </p:tav>
-                                      </p:tavLst>
-                                    </p:anim>
-                                    <p:anim calcmode="lin" valueType="num">
-                                      <p:cBhvr additive="base">
-                                        <p:cTn id="8" dur="500" fill="hold"/>
-                                        <p:tgtEl>
-                                          <p:spTgt spid="3">
-                                            <p:txEl>
-                                              <p:pRg st="1" end="1"/>
-                                            </p:txEl>
-                                          </p:spTgt>
-                                        </p:tgtEl>
-                                        <p:attrNameLst>
-                                          <p:attrName>ppt_y</p:attrName>
-                                        </p:attrNameLst>
-                                      </p:cBhvr>
-                                      <p:tavLst>
-                                        <p:tav tm="0">
-                                          <p:val>
-                                            <p:strVal val="1+#ppt_h/2"/>
-                                          </p:val>
-                                        </p:tav>
-                                        <p:tav tm="100000">
-                                          <p:val>
-                                            <p:strVal val="#ppt_y"/>
-                                          </p:val>
-                                        </p:tav>
-                                      </p:tavLst>
-                                    </p:anim>
-                                  </p:childTnLst>
-                                </p:cTn>
-                              </p:par>
-                            </p:childTnLst>
-                          </p:cTn>
-                        </p:par>
-                      </p:childTnLst>
-                    </p:cTn>
-                  </p:par>
-                  <p:par>
-                    <p:cTn id="9" fill="hold">
-                      <p:stCondLst>
-                        <p:cond delay="indefinite"/>
-                      </p:stCondLst>
-                      <p:childTnLst>
-                        <p:par>
-                          <p:cTn id="10" fill="hold">
-                            <p:stCondLst>
-                              <p:cond delay="0"/>
-                            </p:stCondLst>
-                            <p:childTnLst>
-                              <p:par>
-                                <p:cTn id="11" presetID="2" presetClass="entr" presetSubtype="4" fill="hold" nodeType="clickEffect">
-                                  <p:stCondLst>
-                                    <p:cond delay="0"/>
-                                  </p:stCondLst>
-                                  <p:childTnLst>
-                                    <p:set>
-                                      <p:cBhvr>
-                                        <p:cTn id="12" dur="1" fill="hold">
-                                          <p:stCondLst>
-                                            <p:cond delay="0"/>
-                                          </p:stCondLst>
-                                        </p:cTn>
-                                        <p:tgtEl>
-                                          <p:spTgt spid="3">
-                                            <p:txEl>
-                                              <p:pRg st="5" end="5"/>
-                                            </p:txEl>
-                                          </p:spTgt>
-                                        </p:tgtEl>
-                                        <p:attrNameLst>
-                                          <p:attrName>style.visibility</p:attrName>
-                                        </p:attrNameLst>
-                                      </p:cBhvr>
-                                      <p:to>
-                                        <p:strVal val="visible"/>
-                                      </p:to>
-                                    </p:set>
-                                    <p:anim calcmode="lin" valueType="num">
-                                      <p:cBhvr additive="base">
-                                        <p:cTn id="13" dur="500" fill="hold"/>
-                                        <p:tgtEl>
-                                          <p:spTgt spid="3">
-                                            <p:txEl>
-                                              <p:pRg st="5" end="5"/>
-                                            </p:txEl>
-                                          </p:spTgt>
-                                        </p:tgtEl>
-                                        <p:attrNameLst>
-                                          <p:attrName>ppt_x</p:attrName>
-                                        </p:attrNameLst>
-                                      </p:cBhvr>
-                                      <p:tavLst>
-                                        <p:tav tm="0">
-                                          <p:val>
-                                            <p:strVal val="#ppt_x"/>
-                                          </p:val>
-                                        </p:tav>
-                                        <p:tav tm="100000">
-                                          <p:val>
-                                            <p:strVal val="#ppt_x"/>
-                                          </p:val>
-                                        </p:tav>
-                                      </p:tavLst>
-                                    </p:anim>
-                                    <p:anim calcmode="lin" valueType="num">
-                                      <p:cBhvr additive="base">
-                                        <p:cTn id="14" dur="500" fill="hold"/>
-                                        <p:tgtEl>
-                                          <p:spTgt spid="3">
-                                            <p:txEl>
-                                              <p:pRg st="5" end="5"/>
-                                            </p:txEl>
-                                          </p:spTgt>
-                                        </p:tgtEl>
-                                        <p:attrNameLst>
-                                          <p:attrName>ppt_y</p:attrName>
-                                        </p:attrNameLst>
-                                      </p:cBhvr>
-                                      <p:tavLst>
-                                        <p:tav tm="0">
-                                          <p:val>
-                                            <p:strVal val="1+#ppt_h/2"/>
-                                          </p:val>
-                                        </p:tav>
-                                        <p:tav tm="100000">
-                                          <p:val>
-                                            <p:strVal val="#ppt_y"/>
-                                          </p:val>
-                                        </p:tav>
-                                      </p:tavLst>
-                                    </p:anim>
-                                  </p:childTnLst>
-                                </p:cTn>
-                              </p:par>
-                            </p:childTnLst>
-                          </p:cTn>
-                        </p:par>
-                      </p:childTnLst>
-                    </p:cTn>
-                  </p:par>
-                </p:childTnLst>
-              </p:cTn>
-              <p:prevCondLst>
-                <p:cond evt="onPrev" delay="0">
-                  <p:tgtEl>
-                    <p:sldTgt/>
-                  </p:tgtEl>
-                </p:cond>
-              </p:prevCondLst>
-              <p:nextCondLst>
-                <p:cond evt="onNext" delay="0">
-                  <p:tgtEl>
-                    <p:sldTgt/>
-                  </p:tgtEl>
-                </p:cond>
-              </p:nextCondLst>
-            </p:seq>
-          </p:childTnLst>
-        </p:cTn>
-      </p:par>
-    </p:tnLst>
-  </p:timing>
-</p:sld>
-</file>
-
-<file path=ppt/slides/slide11.xml><?xml version="1.0" encoding="utf-8"?>
-<p:sld xmlns:a="http://schemas.openxmlformats.org/drawingml/2006/main" xmlns:r="http://schemas.openxmlformats.org/officeDocument/2006/relationships" xmlns:p="http://schemas.openxmlformats.org/presentationml/2006/main">
-  <p:cSld>
-    <p:spTree>
-      <p:nvGrpSpPr>
-        <p:cNvPr id="1" name=""/>
-        <p:cNvGrpSpPr/>
-        <p:nvPr/>
-      </p:nvGrpSpPr>
-      <p:grpSpPr>
-        <a:xfrm>
-          <a:off x="0" y="0"/>
-          <a:ext cx="0" cy="0"/>
-          <a:chOff x="0" y="0"/>
-          <a:chExt cx="0" cy="0"/>
-        </a:xfrm>
-      </p:grpSpPr>
-      <p:sp>
-        <p:nvSpPr>
-          <p:cNvPr id="2" name="Title 1"/>
-          <p:cNvSpPr>
-            <a:spLocks noGrp="1"/>
-          </p:cNvSpPr>
-          <p:nvPr>
-            <p:ph type="title"/>
-          </p:nvPr>
-        </p:nvSpPr>
-        <p:spPr/>
-        <p:txBody>
-          <a:bodyPr/>
-          <a:lstStyle/>
-          <a:p>
-            <a:endParaRPr lang="en-US"/>
-          </a:p>
-        </p:txBody>
-      </p:sp>
       <p:pic>
         <p:nvPicPr>
           <p:cNvPr id="4" name="Content Placeholder 3"/>
@@ -5545,15 +4241,15 @@
         </p:blipFill>
         <p:spPr>
           <a:xfrm>
-            <a:off x="1219200" y="1295400"/>
-            <a:ext cx="6519881" cy="4704687"/>
+            <a:off x="990600" y="762000"/>
+            <a:ext cx="7195750" cy="5189538"/>
           </a:xfrm>
         </p:spPr>
       </p:pic>
     </p:spTree>
     <p:extLst>
       <p:ext uri="{BB962C8B-B14F-4D97-AF65-F5344CB8AC3E}">
-        <p14:creationId xmlns:p14="http://schemas.microsoft.com/office/powerpoint/2010/main" val="726990224"/>
+        <p14:creationId xmlns:p14="http://schemas.microsoft.com/office/powerpoint/2010/main" val="3056980239"/>
       </p:ext>
     </p:extLst>
   </p:cSld>
@@ -5570,7 +4266,7 @@
 </p:sld>
 </file>
 
-<file path=ppt/slides/slide12.xml><?xml version="1.0" encoding="utf-8"?>
+<file path=ppt/slides/slide11.xml><?xml version="1.0" encoding="utf-8"?>
 <p:sld xmlns:a="http://schemas.openxmlformats.org/drawingml/2006/main" xmlns:r="http://schemas.openxmlformats.org/officeDocument/2006/relationships" xmlns:p="http://schemas.openxmlformats.org/presentationml/2006/main">
   <p:cSld>
     <p:spTree>
@@ -5655,7 +4351,7 @@
 </p:sld>
 </file>
 
-<file path=ppt/slides/slide13.xml><?xml version="1.0" encoding="utf-8"?>
+<file path=ppt/slides/slide12.xml><?xml version="1.0" encoding="utf-8"?>
 <p:sld xmlns:a="http://schemas.openxmlformats.org/drawingml/2006/main" xmlns:r="http://schemas.openxmlformats.org/officeDocument/2006/relationships" xmlns:p="http://schemas.openxmlformats.org/presentationml/2006/main">
   <p:cSld>
     <p:spTree>
@@ -5899,7 +4595,7 @@
 </p:sld>
 </file>
 
-<file path=ppt/slides/slide14.xml><?xml version="1.0" encoding="utf-8"?>
+<file path=ppt/slides/slide13.xml><?xml version="1.0" encoding="utf-8"?>
 <p:sld xmlns:a="http://schemas.openxmlformats.org/drawingml/2006/main" xmlns:r="http://schemas.openxmlformats.org/officeDocument/2006/relationships" xmlns:p="http://schemas.openxmlformats.org/presentationml/2006/main">
   <p:cSld>
     <p:spTree>
@@ -5984,7 +4680,7 @@
 </p:sld>
 </file>
 
-<file path=ppt/slides/slide15.xml><?xml version="1.0" encoding="utf-8"?>
+<file path=ppt/slides/slide14.xml><?xml version="1.0" encoding="utf-8"?>
 <p:sld xmlns:a="http://schemas.openxmlformats.org/drawingml/2006/main" xmlns:r="http://schemas.openxmlformats.org/officeDocument/2006/relationships" xmlns:p="http://schemas.openxmlformats.org/presentationml/2006/main">
   <p:cSld>
     <p:spTree>
@@ -6122,7 +4818,23 @@
           <a:p>
             <a:r>
               <a:rPr lang="sr-Latn-RS" dirty="0"/>
-              <a:t>Projekat je zasnovan na funkcionalnim karakteristikama aplikacije jedne teretane(KING’S GYM), koja se nalazi na vecem broju lokacija.</a:t>
+              <a:t>Projekat je zasnovan na funkcionalnim karakteristikama </a:t>
+            </a:r>
+            <a:r>
+              <a:rPr lang="en-US" dirty="0" smtClean="0"/>
+              <a:t>web </a:t>
+            </a:r>
+            <a:r>
+              <a:rPr lang="en-US" dirty="0" err="1" smtClean="0"/>
+              <a:t>sajta</a:t>
+            </a:r>
+            <a:r>
+              <a:rPr lang="sr-Latn-RS" dirty="0" smtClean="0"/>
+              <a:t>(KING’S </a:t>
+            </a:r>
+            <a:r>
+              <a:rPr lang="sr-Latn-RS" dirty="0"/>
+              <a:t>GYM), koja se nalazi na vecem broju lokacija.</a:t>
             </a:r>
             <a:endParaRPr lang="en-US" dirty="0"/>
           </a:p>
@@ -6136,7 +4848,31 @@
             </a:r>
             <a:r>
               <a:rPr lang="sr-Latn-RS" dirty="0"/>
-              <a:t>na svojoj aplikaciji nudi opciju uclanjenje za nove korisnike i pregleda programa koje zaposleni treneri vode.</a:t>
+              <a:t>na </a:t>
+            </a:r>
+            <a:r>
+              <a:rPr lang="en-US" dirty="0" err="1" smtClean="0"/>
+              <a:t>svom</a:t>
+            </a:r>
+            <a:r>
+              <a:rPr lang="en-US" dirty="0" smtClean="0"/>
+              <a:t> web </a:t>
+            </a:r>
+            <a:r>
+              <a:rPr lang="en-US" dirty="0" err="1" smtClean="0"/>
+              <a:t>sajtu</a:t>
+            </a:r>
+            <a:r>
+              <a:rPr lang="en-US" dirty="0" smtClean="0"/>
+              <a:t> </a:t>
+            </a:r>
+            <a:r>
+              <a:rPr lang="sr-Latn-RS" dirty="0" smtClean="0"/>
+              <a:t>nudi </a:t>
+            </a:r>
+            <a:r>
+              <a:rPr lang="sr-Latn-RS" dirty="0"/>
+              <a:t>opciju uclanjenje za nove korisnike i pregleda programa koje zaposleni treneri vode.</a:t>
             </a:r>
             <a:endParaRPr lang="en-US" dirty="0"/>
           </a:p>
@@ -6623,12 +5359,24 @@
           </a:p>
           <a:p>
             <a:r>
+              <a:rPr lang="en-US" dirty="0" smtClean="0"/>
+              <a:t>Web </a:t>
+            </a:r>
+            <a:r>
+              <a:rPr lang="en-US" dirty="0" err="1" smtClean="0"/>
+              <a:t>sajta</a:t>
+            </a:r>
+            <a:r>
+              <a:rPr lang="en-US" dirty="0" smtClean="0"/>
+              <a:t> </a:t>
+            </a:r>
+            <a:r>
               <a:rPr lang="sr-Latn-RS" dirty="0" smtClean="0"/>
-              <a:t>Aplikacija </a:t>
+              <a:t>od </a:t>
             </a:r>
             <a:r>
               <a:rPr lang="sr-Latn-RS" dirty="0"/>
-              <a:t>od korisnika trazi da se registruje kako bi imao pristup uclanjenju(nije obavezno za korisnike koji samo zele da saznaju nesto vise o dostupnim programima). </a:t>
+              <a:t>korisnika trazi da se registruje kako bi imao pristup uclanjenju(nije obavezno za korisnike koji samo zele da saznaju nesto vise o dostupnim programima). </a:t>
             </a:r>
             <a:endParaRPr lang="en-US" dirty="0"/>
           </a:p>
@@ -7045,15 +5793,15 @@
         </p:blipFill>
         <p:spPr>
           <a:xfrm>
-            <a:off x="990600" y="762000"/>
-            <a:ext cx="7195750" cy="5189538"/>
+            <a:off x="1447800" y="1752600"/>
+            <a:ext cx="6008124" cy="4307389"/>
           </a:xfrm>
         </p:spPr>
       </p:pic>
     </p:spTree>
     <p:extLst>
       <p:ext uri="{BB962C8B-B14F-4D97-AF65-F5344CB8AC3E}">
-        <p14:creationId xmlns:p14="http://schemas.microsoft.com/office/powerpoint/2010/main" val="3056980239"/>
+        <p14:creationId xmlns:p14="http://schemas.microsoft.com/office/powerpoint/2010/main" val="1302614290"/>
       </p:ext>
     </p:extLst>
   </p:cSld>
@@ -7126,16 +5874,33 @@
           <a:p>
             <a:r>
               <a:rPr lang="sr-Latn-RS" dirty="0" smtClean="0"/>
-              <a:t>Korisnik </a:t>
+              <a:t>-Vrsi </a:t>
             </a:r>
             <a:r>
               <a:rPr lang="sr-Latn-RS" dirty="0"/>
-              <a:t>bira lokaciju teretane u kojoj bi trenirao.</a:t>
+              <a:t>se provera da li je korisnik registrovan.</a:t>
             </a:r>
             <a:endParaRPr lang="en-US" dirty="0"/>
           </a:p>
           <a:p>
+            <a:endParaRPr lang="en-US" dirty="0"/>
+          </a:p>
+          <a:p>
             <a:endParaRPr lang="en-US" dirty="0" smtClean="0"/>
+          </a:p>
+          <a:p>
+            <a:endParaRPr lang="en-US" dirty="0"/>
+          </a:p>
+          <a:p>
+            <a:r>
+              <a:rPr lang="sr-Latn-RS" dirty="0" smtClean="0"/>
+              <a:t>-</a:t>
+            </a:r>
+            <a:r>
+              <a:rPr lang="sr-Latn-RS" dirty="0"/>
+              <a:t>Korisnik unosi licne podatke i nacin placanja.</a:t>
+            </a:r>
+            <a:endParaRPr lang="en-US" dirty="0"/>
           </a:p>
           <a:p>
             <a:endParaRPr lang="en-US" dirty="0"/>
@@ -7145,7 +5910,7 @@
     </p:spTree>
     <p:extLst>
       <p:ext uri="{BB962C8B-B14F-4D97-AF65-F5344CB8AC3E}">
-        <p14:creationId xmlns:p14="http://schemas.microsoft.com/office/powerpoint/2010/main" val="2111295062"/>
+        <p14:creationId xmlns:p14="http://schemas.microsoft.com/office/powerpoint/2010/main" val="2642278263"/>
       </p:ext>
     </p:extLst>
   </p:cSld>
@@ -7155,7 +5920,236 @@
   <p:timing>
     <p:tnLst>
       <p:par>
-        <p:cTn id="1" dur="indefinite" restart="never" nodeType="tmRoot"/>
+        <p:cTn id="1" dur="indefinite" restart="never" nodeType="tmRoot">
+          <p:childTnLst>
+            <p:seq concurrent="1" nextAc="seek">
+              <p:cTn id="2" dur="indefinite" nodeType="mainSeq">
+                <p:childTnLst>
+                  <p:par>
+                    <p:cTn id="3" fill="hold">
+                      <p:stCondLst>
+                        <p:cond delay="indefinite"/>
+                      </p:stCondLst>
+                      <p:childTnLst>
+                        <p:par>
+                          <p:cTn id="4" fill="hold">
+                            <p:stCondLst>
+                              <p:cond delay="0"/>
+                            </p:stCondLst>
+                            <p:childTnLst>
+                              <p:par>
+                                <p:cTn id="5" presetID="2" presetClass="entr" presetSubtype="4" fill="hold" nodeType="clickEffect">
+                                  <p:stCondLst>
+                                    <p:cond delay="0"/>
+                                  </p:stCondLst>
+                                  <p:childTnLst>
+                                    <p:set>
+                                      <p:cBhvr>
+                                        <p:cTn id="6" dur="1" fill="hold">
+                                          <p:stCondLst>
+                                            <p:cond delay="0"/>
+                                          </p:stCondLst>
+                                        </p:cTn>
+                                        <p:tgtEl>
+                                          <p:spTgt spid="3">
+                                            <p:txEl>
+                                              <p:pRg st="1" end="1"/>
+                                            </p:txEl>
+                                          </p:spTgt>
+                                        </p:tgtEl>
+                                        <p:attrNameLst>
+                                          <p:attrName>style.visibility</p:attrName>
+                                        </p:attrNameLst>
+                                      </p:cBhvr>
+                                      <p:to>
+                                        <p:strVal val="visible"/>
+                                      </p:to>
+                                    </p:set>
+                                    <p:anim calcmode="lin" valueType="num">
+                                      <p:cBhvr additive="base">
+                                        <p:cTn id="7" dur="500" fill="hold"/>
+                                        <p:tgtEl>
+                                          <p:spTgt spid="3">
+                                            <p:txEl>
+                                              <p:pRg st="1" end="1"/>
+                                            </p:txEl>
+                                          </p:spTgt>
+                                        </p:tgtEl>
+                                        <p:attrNameLst>
+                                          <p:attrName>ppt_x</p:attrName>
+                                        </p:attrNameLst>
+                                      </p:cBhvr>
+                                      <p:tavLst>
+                                        <p:tav tm="0">
+                                          <p:val>
+                                            <p:strVal val="#ppt_x"/>
+                                          </p:val>
+                                        </p:tav>
+                                        <p:tav tm="100000">
+                                          <p:val>
+                                            <p:strVal val="#ppt_x"/>
+                                          </p:val>
+                                        </p:tav>
+                                      </p:tavLst>
+                                    </p:anim>
+                                    <p:anim calcmode="lin" valueType="num">
+                                      <p:cBhvr additive="base">
+                                        <p:cTn id="8" dur="500" fill="hold"/>
+                                        <p:tgtEl>
+                                          <p:spTgt spid="3">
+                                            <p:txEl>
+                                              <p:pRg st="1" end="1"/>
+                                            </p:txEl>
+                                          </p:spTgt>
+                                        </p:tgtEl>
+                                        <p:attrNameLst>
+                                          <p:attrName>ppt_y</p:attrName>
+                                        </p:attrNameLst>
+                                      </p:cBhvr>
+                                      <p:tavLst>
+                                        <p:tav tm="0">
+                                          <p:val>
+                                            <p:strVal val="1+#ppt_h/2"/>
+                                          </p:val>
+                                        </p:tav>
+                                        <p:tav tm="100000">
+                                          <p:val>
+                                            <p:strVal val="#ppt_y"/>
+                                          </p:val>
+                                        </p:tav>
+                                      </p:tavLst>
+                                    </p:anim>
+                                  </p:childTnLst>
+                                </p:cTn>
+                              </p:par>
+                            </p:childTnLst>
+                          </p:cTn>
+                        </p:par>
+                      </p:childTnLst>
+                    </p:cTn>
+                  </p:par>
+                  <p:par>
+                    <p:cTn id="9" fill="hold">
+                      <p:stCondLst>
+                        <p:cond delay="indefinite"/>
+                      </p:stCondLst>
+                      <p:childTnLst>
+                        <p:par>
+                          <p:cTn id="10" fill="hold">
+                            <p:stCondLst>
+                              <p:cond delay="0"/>
+                            </p:stCondLst>
+                            <p:childTnLst>
+                              <p:par>
+                                <p:cTn id="11" presetID="2" presetClass="entr" presetSubtype="4" fill="hold" nodeType="clickEffect">
+                                  <p:stCondLst>
+                                    <p:cond delay="0"/>
+                                  </p:stCondLst>
+                                  <p:childTnLst>
+                                    <p:set>
+                                      <p:cBhvr>
+                                        <p:cTn id="12" dur="1" fill="hold">
+                                          <p:stCondLst>
+                                            <p:cond delay="0"/>
+                                          </p:stCondLst>
+                                        </p:cTn>
+                                        <p:tgtEl>
+                                          <p:spTgt spid="3">
+                                            <p:txEl>
+                                              <p:pRg st="5" end="5"/>
+                                            </p:txEl>
+                                          </p:spTgt>
+                                        </p:tgtEl>
+                                        <p:attrNameLst>
+                                          <p:attrName>style.visibility</p:attrName>
+                                        </p:attrNameLst>
+                                      </p:cBhvr>
+                                      <p:to>
+                                        <p:strVal val="visible"/>
+                                      </p:to>
+                                    </p:set>
+                                    <p:anim calcmode="lin" valueType="num">
+                                      <p:cBhvr additive="base">
+                                        <p:cTn id="13" dur="500" fill="hold"/>
+                                        <p:tgtEl>
+                                          <p:spTgt spid="3">
+                                            <p:txEl>
+                                              <p:pRg st="5" end="5"/>
+                                            </p:txEl>
+                                          </p:spTgt>
+                                        </p:tgtEl>
+                                        <p:attrNameLst>
+                                          <p:attrName>ppt_x</p:attrName>
+                                        </p:attrNameLst>
+                                      </p:cBhvr>
+                                      <p:tavLst>
+                                        <p:tav tm="0">
+                                          <p:val>
+                                            <p:strVal val="#ppt_x"/>
+                                          </p:val>
+                                        </p:tav>
+                                        <p:tav tm="100000">
+                                          <p:val>
+                                            <p:strVal val="#ppt_x"/>
+                                          </p:val>
+                                        </p:tav>
+                                      </p:tavLst>
+                                    </p:anim>
+                                    <p:anim calcmode="lin" valueType="num">
+                                      <p:cBhvr additive="base">
+                                        <p:cTn id="14" dur="500" fill="hold"/>
+                                        <p:tgtEl>
+                                          <p:spTgt spid="3">
+                                            <p:txEl>
+                                              <p:pRg st="5" end="5"/>
+                                            </p:txEl>
+                                          </p:spTgt>
+                                        </p:tgtEl>
+                                        <p:attrNameLst>
+                                          <p:attrName>ppt_y</p:attrName>
+                                        </p:attrNameLst>
+                                      </p:cBhvr>
+                                      <p:tavLst>
+                                        <p:tav tm="0">
+                                          <p:val>
+                                            <p:strVal val="1+#ppt_h/2"/>
+                                          </p:val>
+                                        </p:tav>
+                                        <p:tav tm="100000">
+                                          <p:val>
+                                            <p:strVal val="#ppt_y"/>
+                                          </p:val>
+                                        </p:tav>
+                                      </p:tavLst>
+                                    </p:anim>
+                                  </p:childTnLst>
+                                </p:cTn>
+                              </p:par>
+                            </p:childTnLst>
+                          </p:cTn>
+                        </p:par>
+                      </p:childTnLst>
+                    </p:cTn>
+                  </p:par>
+                </p:childTnLst>
+              </p:cTn>
+              <p:prevCondLst>
+                <p:cond evt="onPrev" delay="0">
+                  <p:tgtEl>
+                    <p:sldTgt/>
+                  </p:tgtEl>
+                </p:cond>
+              </p:prevCondLst>
+              <p:nextCondLst>
+                <p:cond evt="onNext" delay="0">
+                  <p:tgtEl>
+                    <p:sldTgt/>
+                  </p:tgtEl>
+                </p:cond>
+              </p:nextCondLst>
+            </p:seq>
+          </p:childTnLst>
+        </p:cTn>
       </p:par>
     </p:tnLst>
   </p:timing>
@@ -7222,15 +6216,15 @@
         </p:blipFill>
         <p:spPr>
           <a:xfrm>
-            <a:off x="1447800" y="1752600"/>
-            <a:ext cx="6008124" cy="4307389"/>
+            <a:off x="1219200" y="1295400"/>
+            <a:ext cx="6519881" cy="4704687"/>
           </a:xfrm>
         </p:spPr>
       </p:pic>
     </p:spTree>
     <p:extLst>
       <p:ext uri="{BB962C8B-B14F-4D97-AF65-F5344CB8AC3E}">
-        <p14:creationId xmlns:p14="http://schemas.microsoft.com/office/powerpoint/2010/main" val="1302614290"/>
+        <p14:creationId xmlns:p14="http://schemas.microsoft.com/office/powerpoint/2010/main" val="726990224"/>
       </p:ext>
     </p:extLst>
   </p:cSld>
@@ -7248,9 +6242,9 @@
 </file>
 
 <file path=ppt/theme/theme1.xml><?xml version="1.0" encoding="utf-8"?>
-<a:theme xmlns:a="http://schemas.openxmlformats.org/drawingml/2006/main" name="Pushpin">
+<a:theme xmlns:a="http://schemas.openxmlformats.org/drawingml/2006/main" name="Urban">
   <a:themeElements>
-    <a:clrScheme name="Pushpin">
+    <a:clrScheme name="Urban">
       <a:dk1>
         <a:sysClr val="windowText" lastClr="000000"/>
       </a:dk1>
@@ -7258,48 +6252,83 @@
         <a:sysClr val="window" lastClr="FFFFFF"/>
       </a:lt1>
       <a:dk2>
-        <a:srgbClr val="465E9C"/>
+        <a:srgbClr val="424456"/>
       </a:dk2>
       <a:lt2>
-        <a:srgbClr val="CCDDEA"/>
+        <a:srgbClr val="DEDEDE"/>
       </a:lt2>
       <a:accent1>
-        <a:srgbClr val="FDA023"/>
+        <a:srgbClr val="53548A"/>
       </a:accent1>
       <a:accent2>
-        <a:srgbClr val="AA2B1E"/>
+        <a:srgbClr val="438086"/>
       </a:accent2>
       <a:accent3>
-        <a:srgbClr val="71685C"/>
+        <a:srgbClr val="A04DA3"/>
       </a:accent3>
       <a:accent4>
-        <a:srgbClr val="64A73B"/>
+        <a:srgbClr val="C4652D"/>
       </a:accent4>
       <a:accent5>
-        <a:srgbClr val="EB5605"/>
+        <a:srgbClr val="8B5D3D"/>
       </a:accent5>
       <a:accent6>
-        <a:srgbClr val="B9CA1A"/>
+        <a:srgbClr val="5C92B5"/>
       </a:accent6>
       <a:hlink>
-        <a:srgbClr val="D83E2C"/>
+        <a:srgbClr val="67AFBD"/>
       </a:hlink>
       <a:folHlink>
-        <a:srgbClr val="ED7D27"/>
+        <a:srgbClr val="C2A874"/>
       </a:folHlink>
     </a:clrScheme>
-    <a:fontScheme name="Pushpin">
+    <a:fontScheme name="Urban">
       <a:majorFont>
-        <a:latin typeface="Constantia"/>
+        <a:latin typeface="Trebuchet MS"/>
         <a:ea typeface=""/>
         <a:cs typeface=""/>
-        <a:font script="Jpan" typeface="HGS明朝E"/>
-        <a:font script="Hang" typeface="HY신명조"/>
+        <a:font script="Jpan" typeface="HGｺﾞｼｯｸM"/>
+        <a:font script="Hang" typeface="맑은 고딕"/>
+        <a:font script="Hans" typeface="方正姚体"/>
+        <a:font script="Hant" typeface="微軟正黑體"/>
+        <a:font script="Arab" typeface="Tahoma"/>
+        <a:font script="Hebr" typeface="Arial"/>
+        <a:font script="Thai" typeface="Cordia New"/>
+        <a:font script="Ethi" typeface="Nyala"/>
+        <a:font script="Beng" typeface="Vrinda"/>
+        <a:font script="Gujr" typeface="Shruti"/>
+        <a:font script="Khmr" typeface="DaunPenh"/>
+        <a:font script="Knda" typeface="Tunga"/>
+        <a:font script="Guru" typeface="Raavi"/>
+        <a:font script="Cans" typeface="Euphemia"/>
+        <a:font script="Cher" typeface="Plantagenet Cherokee"/>
+        <a:font script="Yiii" typeface="Microsoft Yi Baiti"/>
+        <a:font script="Tibt" typeface="Microsoft Himalaya"/>
+        <a:font script="Thaa" typeface="MV Boli"/>
+        <a:font script="Deva" typeface="Mangal"/>
+        <a:font script="Telu" typeface="Gautami"/>
+        <a:font script="Taml" typeface="Latha"/>
+        <a:font script="Syrc" typeface="Estrangelo Edessa"/>
+        <a:font script="Orya" typeface="Kalinga"/>
+        <a:font script="Mlym" typeface="Kartika"/>
+        <a:font script="Laoo" typeface="DokChampa"/>
+        <a:font script="Sinh" typeface="Iskoola Pota"/>
+        <a:font script="Mong" typeface="Mongolian Baiti"/>
+        <a:font script="Viet" typeface="Tahoma"/>
+        <a:font script="Uigh" typeface="Microsoft Uighur"/>
+        <a:font script="Geor" typeface="Sylfaen"/>
+      </a:majorFont>
+      <a:minorFont>
+        <a:latin typeface="Georgia"/>
+        <a:ea typeface=""/>
+        <a:cs typeface=""/>
+        <a:font script="Jpan" typeface="HG明朝B"/>
+        <a:font script="Hang" typeface="맑은 고딕"/>
         <a:font script="Hans" typeface="宋体"/>
         <a:font script="Hant" typeface="新細明體"/>
-        <a:font script="Arab" typeface="Majalla UI"/>
-        <a:font script="Hebr" typeface="David"/>
-        <a:font script="Thai" typeface="Browallia New"/>
+        <a:font script="Arab" typeface="Arial"/>
+        <a:font script="Hebr" typeface="Times New Roman"/>
+        <a:font script="Thai" typeface="Angsana New"/>
         <a:font script="Ethi" typeface="Nyala"/>
         <a:font script="Beng" typeface="Vrinda"/>
         <a:font script="Gujr" typeface="Shruti"/>
@@ -7323,46 +6352,9 @@
         <a:font script="Viet" typeface="Times New Roman"/>
         <a:font script="Uigh" typeface="Microsoft Uighur"/>
         <a:font script="Geor" typeface="Sylfaen"/>
-      </a:majorFont>
-      <a:minorFont>
-        <a:latin typeface="Franklin Gothic Book"/>
-        <a:ea typeface=""/>
-        <a:cs typeface=""/>
-        <a:font script="Grek" typeface="Arial"/>
-        <a:font script="Cyrl" typeface="Arial"/>
-        <a:font script="Jpan" typeface="ＭＳ Ｐゴシック"/>
-        <a:font script="Hang" typeface="맑은 고딕"/>
-        <a:font script="Hans" typeface="黑体"/>
-        <a:font script="Hant" typeface="微軟正黑體"/>
-        <a:font script="Arab" typeface="Arial"/>
-        <a:font script="Hebr" typeface="Arial"/>
-        <a:font script="Thai" typeface="Cordia New"/>
-        <a:font script="Ethi" typeface="Nyala"/>
-        <a:font script="Beng" typeface="Vrinda"/>
-        <a:font script="Gujr" typeface="Shruti"/>
-        <a:font script="Khmr" typeface="MoolBoran"/>
-        <a:font script="Knda" typeface="Tunga"/>
-        <a:font script="Guru" typeface="Raavi"/>
-        <a:font script="Cans" typeface="Euphemia"/>
-        <a:font script="Cher" typeface="Plantagenet Cherokee"/>
-        <a:font script="Yiii" typeface="Microsoft Yi Baiti"/>
-        <a:font script="Tibt" typeface="Microsoft Himalaya"/>
-        <a:font script="Thaa" typeface="MV Boli"/>
-        <a:font script="Deva" typeface="Mangal"/>
-        <a:font script="Telu" typeface="Gautami"/>
-        <a:font script="Taml" typeface="Latha"/>
-        <a:font script="Syrc" typeface="Estrangelo Edessa"/>
-        <a:font script="Orya" typeface="Kalinga"/>
-        <a:font script="Mlym" typeface="Kartika"/>
-        <a:font script="Laoo" typeface="DokChampa"/>
-        <a:font script="Sinh" typeface="Iskoola Pota"/>
-        <a:font script="Mong" typeface="Mongolian Baiti"/>
-        <a:font script="Viet" typeface="Arial"/>
-        <a:font script="Uigh" typeface="Microsoft Uighur"/>
-        <a:font script="Geor" typeface="Sylfaen"/>
       </a:minorFont>
     </a:fontScheme>
-    <a:fmtScheme name="Pushpin">
+    <a:fmtScheme name="Urban">
       <a:fillStyleLst>
         <a:solidFill>
           <a:schemeClr val="phClr"/>
@@ -7371,40 +6363,50 @@
           <a:gsLst>
             <a:gs pos="0">
               <a:schemeClr val="phClr">
-                <a:tint val="50000"/>
-                <a:satMod val="180000"/>
-                <a:lumMod val="100000"/>
+                <a:tint val="1000"/>
+                <a:satMod val="255000"/>
               </a:schemeClr>
             </a:gs>
-            <a:gs pos="40000">
+            <a:gs pos="55000">
               <a:schemeClr val="phClr">
-                <a:tint val="60000"/>
-                <a:satMod val="130000"/>
-                <a:lumMod val="100000"/>
+                <a:tint val="12000"/>
+                <a:satMod val="255000"/>
               </a:schemeClr>
             </a:gs>
             <a:gs pos="100000">
               <a:schemeClr val="phClr">
-                <a:tint val="96000"/>
-                <a:lumMod val="108000"/>
+                <a:tint val="45000"/>
+                <a:satMod val="250000"/>
               </a:schemeClr>
             </a:gs>
           </a:gsLst>
-          <a:lin ang="5400000" scaled="0"/>
+          <a:path path="circle">
+            <a:fillToRect l="-40000" t="-90000" r="140000" b="190000"/>
+          </a:path>
         </a:gradFill>
         <a:gradFill rotWithShape="1">
           <a:gsLst>
             <a:gs pos="0">
-              <a:schemeClr val="phClr"/>
+              <a:schemeClr val="phClr">
+                <a:tint val="43000"/>
+                <a:satMod val="165000"/>
+              </a:schemeClr>
+            </a:gs>
+            <a:gs pos="55000">
+              <a:schemeClr val="phClr">
+                <a:tint val="83000"/>
+                <a:satMod val="155000"/>
+              </a:schemeClr>
             </a:gs>
             <a:gs pos="100000">
               <a:schemeClr val="phClr">
-                <a:shade val="76000"/>
-                <a:lumMod val="90000"/>
+                <a:shade val="85000"/>
               </a:schemeClr>
             </a:gs>
           </a:gsLst>
-          <a:lin ang="5400000" scaled="0"/>
+          <a:path path="circle">
+            <a:fillToRect l="-40000" t="-90000" r="140000" b="190000"/>
+          </a:path>
         </a:gradFill>
       </a:fillStyleLst>
       <a:lnStyleLst>
@@ -7414,16 +6416,13 @@
           </a:solidFill>
           <a:prstDash val="solid"/>
         </a:ln>
-        <a:ln w="15875" cap="flat" cmpd="sng" algn="ctr">
+        <a:ln w="19050" cap="flat" cmpd="sng" algn="ctr">
           <a:solidFill>
-            <a:schemeClr val="phClr">
-              <a:shade val="80000"/>
-              <a:lumMod val="90000"/>
-            </a:schemeClr>
+            <a:schemeClr val="phClr"/>
           </a:solidFill>
           <a:prstDash val="solid"/>
         </a:ln>
-        <a:ln w="25400" cap="flat" cmpd="sng" algn="ctr">
+        <a:ln w="31750" cap="flat" cmpd="sng" algn="ctr">
           <a:solidFill>
             <a:schemeClr val="phClr"/>
           </a:solidFill>
@@ -7432,78 +6431,89 @@
       </a:lnStyleLst>
       <a:effectStyleLst>
         <a:effectStyle>
-          <a:effectLst/>
-        </a:effectStyle>
-        <a:effectStyle>
           <a:effectLst>
-            <a:outerShdw blurRad="38100" dist="38100" dir="4800000" sx="98000" sy="98000" rotWithShape="0">
+            <a:outerShdw blurRad="51500" dist="25400" dir="5400000" rotWithShape="0">
               <a:srgbClr val="000000">
-                <a:alpha val="32000"/>
+                <a:alpha val="40000"/>
               </a:srgbClr>
             </a:outerShdw>
           </a:effectLst>
         </a:effectStyle>
         <a:effectStyle>
           <a:effectLst>
-            <a:outerShdw blurRad="38100" dist="38100" dir="4800000" sx="96000" sy="96000" rotWithShape="0">
+            <a:outerShdw blurRad="50800" dist="25400" dir="5400000" rotWithShape="0">
               <a:srgbClr val="000000">
-                <a:alpha val="40000"/>
+                <a:alpha val="45000"/>
+              </a:srgbClr>
+            </a:outerShdw>
+          </a:effectLst>
+        </a:effectStyle>
+        <a:effectStyle>
+          <a:effectLst>
+            <a:outerShdw blurRad="50800" dist="25400" dir="5400000" rotWithShape="0">
+              <a:srgbClr val="000000">
+                <a:alpha val="45000"/>
               </a:srgbClr>
             </a:outerShdw>
           </a:effectLst>
           <a:scene3d>
-            <a:camera prst="orthographicFront">
+            <a:camera prst="orthographicFront" fov="0">
               <a:rot lat="0" lon="0" rev="0"/>
             </a:camera>
-            <a:lightRig rig="threePt" dir="t">
-              <a:rot lat="0" lon="0" rev="3240000"/>
+            <a:lightRig rig="flat" dir="t">
+              <a:rot lat="0" lon="0" rev="20040000"/>
             </a:lightRig>
           </a:scene3d>
-          <a:sp3d>
-            <a:bevelT w="28575" h="28575"/>
+          <a:sp3d contourW="12700" prstMaterial="dkEdge">
+            <a:bevelT w="25400" h="38100" prst="convex"/>
+            <a:contourClr>
+              <a:schemeClr val="phClr">
+                <a:satMod val="115000"/>
+              </a:schemeClr>
+            </a:contourClr>
           </a:sp3d>
         </a:effectStyle>
       </a:effectStyleLst>
       <a:bgFillStyleLst>
         <a:solidFill>
-          <a:schemeClr val="phClr">
-            <a:tint val="93000"/>
-          </a:schemeClr>
+          <a:schemeClr val="phClr"/>
         </a:solidFill>
-        <a:blipFill rotWithShape="1">
+        <a:gradFill rotWithShape="1">
+          <a:gsLst>
+            <a:gs pos="100000">
+              <a:schemeClr val="phClr">
+                <a:tint val="80000"/>
+                <a:satMod val="250000"/>
+              </a:schemeClr>
+            </a:gs>
+            <a:gs pos="60000">
+              <a:schemeClr val="phClr">
+                <a:shade val="38000"/>
+                <a:satMod val="175000"/>
+              </a:schemeClr>
+            </a:gs>
+            <a:gs pos="0">
+              <a:schemeClr val="phClr">
+                <a:shade val="30000"/>
+                <a:satMod val="175000"/>
+              </a:schemeClr>
+            </a:gs>
+          </a:gsLst>
+          <a:lin ang="5400000" scaled="0"/>
+        </a:gradFill>
+        <a:blipFill>
           <a:blip xmlns:r="http://schemas.openxmlformats.org/officeDocument/2006/relationships" r:embed="rId1">
             <a:duotone>
               <a:schemeClr val="phClr">
-                <a:shade val="80000"/>
-                <a:satMod val="140000"/>
-                <a:lumMod val="50000"/>
+                <a:shade val="48000"/>
               </a:schemeClr>
               <a:schemeClr val="phClr">
-                <a:tint val="95000"/>
-                <a:satMod val="180000"/>
-                <a:lumMod val="160000"/>
+                <a:tint val="96000"/>
+                <a:satMod val="150000"/>
               </a:schemeClr>
             </a:duotone>
           </a:blip>
-          <a:stretch/>
-        </a:blipFill>
-        <a:blipFill rotWithShape="1">
-          <a:blip xmlns:r="http://schemas.openxmlformats.org/officeDocument/2006/relationships" r:embed="rId2">
-            <a:duotone>
-              <a:schemeClr val="phClr">
-                <a:tint val="98000"/>
-                <a:shade val="90000"/>
-                <a:satMod val="120000"/>
-                <a:lumMod val="54000"/>
-              </a:schemeClr>
-              <a:schemeClr val="phClr">
-                <a:tint val="80000"/>
-                <a:satMod val="160000"/>
-                <a:lumMod val="140000"/>
-              </a:schemeClr>
-            </a:duotone>
-          </a:blip>
-          <a:stretch/>
+          <a:tile tx="0" ty="0" sx="80000" sy="80000" flip="none" algn="tl"/>
         </a:blipFill>
       </a:bgFillStyleLst>
     </a:fmtScheme>
